--- a/Group K EDA Project DIGICAP.pptx
+++ b/Group K EDA Project DIGICAP.pptx
@@ -5,29 +5,30 @@
     <p:sldMasterId id="2147483676" r:id="rId2"/>
   </p:sldMasterIdLst>
   <p:notesMasterIdLst>
-    <p:notesMasterId r:id="rId23"/>
+    <p:notesMasterId r:id="rId24"/>
   </p:notesMasterIdLst>
   <p:sldIdLst>
     <p:sldId id="281" r:id="rId3"/>
-    <p:sldId id="277" r:id="rId4"/>
-    <p:sldId id="284" r:id="rId5"/>
-    <p:sldId id="278" r:id="rId6"/>
-    <p:sldId id="280" r:id="rId7"/>
-    <p:sldId id="279" r:id="rId8"/>
-    <p:sldId id="282" r:id="rId9"/>
-    <p:sldId id="285" r:id="rId10"/>
-    <p:sldId id="291" r:id="rId11"/>
-    <p:sldId id="283" r:id="rId12"/>
-    <p:sldId id="286" r:id="rId13"/>
-    <p:sldId id="292" r:id="rId14"/>
-    <p:sldId id="290" r:id="rId15"/>
-    <p:sldId id="287" r:id="rId16"/>
-    <p:sldId id="294" r:id="rId17"/>
-    <p:sldId id="293" r:id="rId18"/>
-    <p:sldId id="295" r:id="rId19"/>
-    <p:sldId id="296" r:id="rId20"/>
-    <p:sldId id="288" r:id="rId21"/>
-    <p:sldId id="289" r:id="rId22"/>
+    <p:sldId id="288" r:id="rId4"/>
+    <p:sldId id="277" r:id="rId5"/>
+    <p:sldId id="284" r:id="rId6"/>
+    <p:sldId id="278" r:id="rId7"/>
+    <p:sldId id="280" r:id="rId8"/>
+    <p:sldId id="279" r:id="rId9"/>
+    <p:sldId id="282" r:id="rId10"/>
+    <p:sldId id="285" r:id="rId11"/>
+    <p:sldId id="291" r:id="rId12"/>
+    <p:sldId id="283" r:id="rId13"/>
+    <p:sldId id="297" r:id="rId14"/>
+    <p:sldId id="286" r:id="rId15"/>
+    <p:sldId id="292" r:id="rId16"/>
+    <p:sldId id="290" r:id="rId17"/>
+    <p:sldId id="287" r:id="rId18"/>
+    <p:sldId id="294" r:id="rId19"/>
+    <p:sldId id="293" r:id="rId20"/>
+    <p:sldId id="295" r:id="rId21"/>
+    <p:sldId id="296" r:id="rId22"/>
+    <p:sldId id="289" r:id="rId23"/>
   </p:sldIdLst>
   <p:sldSz cx="12192000" cy="6858000"/>
   <p:notesSz cx="6858000" cy="9144000"/>
@@ -132,6 +133,7 @@
         <p14:section name="Default Section" id="{89B73161-1B2B-4520-B032-DE11EBDAA365}">
           <p14:sldIdLst>
             <p14:sldId id="281"/>
+            <p14:sldId id="288"/>
             <p14:sldId id="277"/>
             <p14:sldId id="284"/>
             <p14:sldId id="278"/>
@@ -141,6 +143,7 @@
             <p14:sldId id="285"/>
             <p14:sldId id="291"/>
             <p14:sldId id="283"/>
+            <p14:sldId id="297"/>
             <p14:sldId id="286"/>
             <p14:sldId id="292"/>
             <p14:sldId id="290"/>
@@ -153,7 +156,6 @@
             <p14:sldId id="293"/>
             <p14:sldId id="295"/>
             <p14:sldId id="296"/>
-            <p14:sldId id="288"/>
             <p14:sldId id="289"/>
           </p14:sldIdLst>
         </p14:section>
@@ -721,7 +723,7 @@
           <a:bodyPr/>
           <a:lstStyle/>
           <a:p>
-            <a:fld id="{F5123F09-5283-4A48-AF63-3E4A166587A1}" type="datetimeFigureOut">
+            <a:fld id="{64010924-9354-4C94-B856-EF3EE62E8F2F}" type="datetime1">
               <a:rPr lang="en-US" smtClean="0"/>
               <a:t>3/18/2023</a:t>
             </a:fld>
@@ -781,7 +783,6 @@
   <p:clrMapOvr>
     <a:masterClrMapping/>
   </p:clrMapOvr>
-  <p:hf sldNum="0" hdr="0" ftr="0" dt="0"/>
 </p:sldLayout>
 </file>
 
@@ -997,7 +998,7 @@
           <a:bodyPr/>
           <a:lstStyle/>
           <a:p>
-            <a:fld id="{F5123F09-5283-4A48-AF63-3E4A166587A1}" type="datetimeFigureOut">
+            <a:fld id="{E20F08CC-E483-4100-9EEF-03E94B5E63CF}" type="datetime1">
               <a:rPr lang="en-US" smtClean="0"/>
               <a:t>3/18/2023</a:t>
             </a:fld>
@@ -1057,7 +1058,6 @@
   <p:clrMapOvr>
     <a:masterClrMapping/>
   </p:clrMapOvr>
-  <p:hf sldNum="0" hdr="0" ftr="0" dt="0"/>
 </p:sldLayout>
 </file>
 
@@ -1192,7 +1192,7 @@
           <a:bodyPr/>
           <a:lstStyle/>
           <a:p>
-            <a:fld id="{F5123F09-5283-4A48-AF63-3E4A166587A1}" type="datetimeFigureOut">
+            <a:fld id="{949BE90E-96FA-460A-9C80-C01158B98266}" type="datetime1">
               <a:rPr lang="en-US" smtClean="0"/>
               <a:t>3/18/2023</a:t>
             </a:fld>
@@ -1252,7 +1252,6 @@
   <p:clrMapOvr>
     <a:masterClrMapping/>
   </p:clrMapOvr>
-  <p:hf sldNum="0" hdr="0" ftr="0" dt="0"/>
 </p:sldLayout>
 </file>
 
@@ -1466,7 +1465,7 @@
           <a:bodyPr/>
           <a:lstStyle/>
           <a:p>
-            <a:fld id="{F5123F09-5283-4A48-AF63-3E4A166587A1}" type="datetimeFigureOut">
+            <a:fld id="{584F7874-7497-45DB-8AD2-A8CE0A17AA18}" type="datetime1">
               <a:rPr lang="en-US" smtClean="0"/>
               <a:t>3/18/2023</a:t>
             </a:fld>
@@ -1620,7 +1619,6 @@
   <p:clrMapOvr>
     <a:masterClrMapping/>
   </p:clrMapOvr>
-  <p:hf sldNum="0" hdr="0" ftr="0" dt="0"/>
 </p:sldLayout>
 </file>
 
@@ -1808,7 +1806,7 @@
           <a:bodyPr/>
           <a:lstStyle/>
           <a:p>
-            <a:fld id="{F5123F09-5283-4A48-AF63-3E4A166587A1}" type="datetimeFigureOut">
+            <a:fld id="{01C23006-8337-4A30-A118-5A363CB8E8F0}" type="datetime1">
               <a:rPr lang="en-US" smtClean="0"/>
               <a:t>3/18/2023</a:t>
             </a:fld>
@@ -1868,7 +1866,6 @@
   <p:clrMapOvr>
     <a:masterClrMapping/>
   </p:clrMapOvr>
-  <p:hf sldNum="0" hdr="0" ftr="0" dt="0"/>
 </p:sldLayout>
 </file>
 
@@ -2432,7 +2429,7 @@
           <a:bodyPr/>
           <a:lstStyle/>
           <a:p>
-            <a:fld id="{F5123F09-5283-4A48-AF63-3E4A166587A1}" type="datetimeFigureOut">
+            <a:fld id="{6DB36E79-D625-410A-A044-5C952CA6B91C}" type="datetime1">
               <a:rPr lang="en-US" smtClean="0"/>
               <a:t>3/18/2023</a:t>
             </a:fld>
@@ -2492,7 +2489,6 @@
   <p:clrMapOvr>
     <a:masterClrMapping/>
   </p:clrMapOvr>
-  <p:hf sldNum="0" hdr="0" ftr="0" dt="0"/>
 </p:sldLayout>
 </file>
 
@@ -3293,7 +3289,7 @@
           <a:bodyPr/>
           <a:lstStyle/>
           <a:p>
-            <a:fld id="{F5123F09-5283-4A48-AF63-3E4A166587A1}" type="datetimeFigureOut">
+            <a:fld id="{E2B6093C-A873-4D33-B5B9-95ADE60E24A1}" type="datetime1">
               <a:rPr lang="en-US" smtClean="0"/>
               <a:t>3/18/2023</a:t>
             </a:fld>
@@ -3353,7 +3349,6 @@
   <p:clrMapOvr>
     <a:masterClrMapping/>
   </p:clrMapOvr>
-  <p:hf sldNum="0" hdr="0" ftr="0" dt="0"/>
 </p:sldLayout>
 </file>
 
@@ -3464,7 +3459,7 @@
           <a:bodyPr/>
           <a:lstStyle/>
           <a:p>
-            <a:fld id="{F5123F09-5283-4A48-AF63-3E4A166587A1}" type="datetimeFigureOut">
+            <a:fld id="{F56B6F41-D969-424B-B81E-CF8B94DC3DAA}" type="datetime1">
               <a:rPr lang="en-US" smtClean="0"/>
               <a:t>3/18/2023</a:t>
             </a:fld>
@@ -3524,7 +3519,6 @@
   <p:clrMapOvr>
     <a:masterClrMapping/>
   </p:clrMapOvr>
-  <p:hf sldNum="0" hdr="0" ftr="0" dt="0"/>
 </p:sldLayout>
 </file>
 
@@ -3645,7 +3639,7 @@
           <a:bodyPr/>
           <a:lstStyle/>
           <a:p>
-            <a:fld id="{F5123F09-5283-4A48-AF63-3E4A166587A1}" type="datetimeFigureOut">
+            <a:fld id="{1B400400-BD72-45A5-B4B2-65A2F5E497FE}" type="datetime1">
               <a:rPr lang="en-US" smtClean="0"/>
               <a:t>3/18/2023</a:t>
             </a:fld>
@@ -3705,7 +3699,6 @@
   <p:clrMapOvr>
     <a:masterClrMapping/>
   </p:clrMapOvr>
-  <p:hf sldNum="0" hdr="0" ftr="0" dt="0"/>
 </p:sldLayout>
 </file>
 
@@ -4570,7 +4563,7 @@
           <a:bodyPr/>
           <a:lstStyle/>
           <a:p>
-            <a:fld id="{F5123F09-5283-4A48-AF63-3E4A166587A1}" type="datetimeFigureOut">
+            <a:fld id="{DB3D673C-21DC-4120-BDD4-628BBE27650A}" type="datetime1">
               <a:rPr lang="en-US" smtClean="0"/>
               <a:t>3/18/2023</a:t>
             </a:fld>
@@ -4630,7 +4623,6 @@
   <p:clrMapOvr>
     <a:masterClrMapping/>
   </p:clrMapOvr>
-  <p:hf sldNum="0" hdr="0" ftr="0" dt="0"/>
 </p:sldLayout>
 </file>
 
@@ -4818,7 +4810,7 @@
           <a:bodyPr/>
           <a:lstStyle/>
           <a:p>
-            <a:fld id="{F5123F09-5283-4A48-AF63-3E4A166587A1}" type="datetimeFigureOut">
+            <a:fld id="{01F22423-C798-4559-89AC-060A65751411}" type="datetime1">
               <a:rPr lang="en-US" smtClean="0"/>
               <a:t>3/18/2023</a:t>
             </a:fld>
@@ -4878,7 +4870,6 @@
   <p:clrMapOvr>
     <a:masterClrMapping/>
   </p:clrMapOvr>
-  <p:hf sldNum="0" hdr="0" ftr="0" dt="0"/>
 </p:sldLayout>
 </file>
 
@@ -5111,7 +5102,7 @@
           <a:bodyPr/>
           <a:lstStyle/>
           <a:p>
-            <a:fld id="{F5123F09-5283-4A48-AF63-3E4A166587A1}" type="datetimeFigureOut">
+            <a:fld id="{68C8BCFD-1161-4A09-A018-1AD06497389F}" type="datetime1">
               <a:rPr lang="en-US" smtClean="0"/>
               <a:t>3/18/2023</a:t>
             </a:fld>
@@ -5171,7 +5162,6 @@
   <p:clrMapOvr>
     <a:masterClrMapping/>
   </p:clrMapOvr>
-  <p:hf sldNum="0" hdr="0" ftr="0" dt="0"/>
 </p:sldLayout>
 </file>
 
@@ -5556,7 +5546,7 @@
           <a:bodyPr/>
           <a:lstStyle/>
           <a:p>
-            <a:fld id="{F5123F09-5283-4A48-AF63-3E4A166587A1}" type="datetimeFigureOut">
+            <a:fld id="{EBC59063-A7E5-4201-99D7-24E05733FA5D}" type="datetime1">
               <a:rPr lang="en-US" smtClean="0"/>
               <a:t>3/18/2023</a:t>
             </a:fld>
@@ -5616,7 +5606,6 @@
   <p:clrMapOvr>
     <a:masterClrMapping/>
   </p:clrMapOvr>
-  <p:hf sldNum="0" hdr="0" ftr="0" dt="0"/>
 </p:sldLayout>
 </file>
 
@@ -5675,7 +5664,7 @@
           <a:bodyPr/>
           <a:lstStyle/>
           <a:p>
-            <a:fld id="{F5123F09-5283-4A48-AF63-3E4A166587A1}" type="datetimeFigureOut">
+            <a:fld id="{69AE07B3-2126-458A-9F3F-09061FBF8EF5}" type="datetime1">
               <a:rPr lang="en-US" smtClean="0"/>
               <a:t>3/18/2023</a:t>
             </a:fld>
@@ -5735,7 +5724,6 @@
   <p:clrMapOvr>
     <a:masterClrMapping/>
   </p:clrMapOvr>
-  <p:hf sldNum="0" hdr="0" ftr="0" dt="0"/>
 </p:sldLayout>
 </file>
 
@@ -5771,7 +5759,7 @@
           <a:bodyPr/>
           <a:lstStyle/>
           <a:p>
-            <a:fld id="{F5123F09-5283-4A48-AF63-3E4A166587A1}" type="datetimeFigureOut">
+            <a:fld id="{EF277944-B174-4BB7-BDE5-E99B04E6171A}" type="datetime1">
               <a:rPr lang="en-US" smtClean="0"/>
               <a:t>3/18/2023</a:t>
             </a:fld>
@@ -5831,7 +5819,6 @@
   <p:clrMapOvr>
     <a:masterClrMapping/>
   </p:clrMapOvr>
-  <p:hf sldNum="0" hdr="0" ftr="0" dt="0"/>
 </p:sldLayout>
 </file>
 
@@ -6051,7 +6038,7 @@
           <a:bodyPr/>
           <a:lstStyle/>
           <a:p>
-            <a:fld id="{F5123F09-5283-4A48-AF63-3E4A166587A1}" type="datetimeFigureOut">
+            <a:fld id="{0D301268-3612-4F2D-97A2-EBC2D3849ECB}" type="datetime1">
               <a:rPr lang="en-US" smtClean="0"/>
               <a:t>3/18/2023</a:t>
             </a:fld>
@@ -6111,7 +6098,6 @@
   <p:clrMapOvr>
     <a:masterClrMapping/>
   </p:clrMapOvr>
-  <p:hf sldNum="0" hdr="0" ftr="0" dt="0"/>
 </p:sldLayout>
 </file>
 
@@ -6327,7 +6313,7 @@
           <a:bodyPr/>
           <a:lstStyle/>
           <a:p>
-            <a:fld id="{F5123F09-5283-4A48-AF63-3E4A166587A1}" type="datetimeFigureOut">
+            <a:fld id="{18FADE54-8D18-41B2-B62C-C4A454559D01}" type="datetime1">
               <a:rPr lang="en-US" smtClean="0"/>
               <a:t>3/18/2023</a:t>
             </a:fld>
@@ -6387,7 +6373,6 @@
   <p:clrMapOvr>
     <a:masterClrMapping/>
   </p:clrMapOvr>
-  <p:hf sldNum="0" hdr="0" ftr="0" dt="0"/>
 </p:sldLayout>
 </file>
 
@@ -6757,7 +6742,7 @@
             </a:lvl1pPr>
           </a:lstStyle>
           <a:p>
-            <a:fld id="{F5123F09-5283-4A48-AF63-3E4A166587A1}" type="datetimeFigureOut">
+            <a:fld id="{77EDDF4A-FE56-47A7-B0BC-43A2FC2C5715}" type="datetime1">
               <a:rPr lang="en-US" smtClean="0"/>
               <a:t>3/18/2023</a:t>
             </a:fld>
@@ -6953,7 +6938,7 @@
       </p:transition>
     </mc:Fallback>
   </mc:AlternateContent>
-  <p:hf sldNum="0" hdr="0" ftr="0" dt="0"/>
+  <p:hf hdr="0" ftr="0" dt="0"/>
   <p:txStyles>
     <p:titleStyle>
       <a:lvl1pPr algn="l" defTabSz="457200" rtl="0" eaLnBrk="1" latinLnBrk="0" hangingPunct="1">
@@ -7388,31 +7373,32 @@
         </p:nvSpPr>
         <p:spPr>
           <a:xfrm>
-            <a:off x="424543" y="3261232"/>
-            <a:ext cx="11658600" cy="1400530"/>
+            <a:off x="266700" y="3559629"/>
+            <a:ext cx="11658600" cy="2041071"/>
           </a:xfrm>
         </p:spPr>
         <p:txBody>
           <a:bodyPr/>
           <a:lstStyle/>
           <a:p>
+            <a:pPr algn="ctr"/>
             <a:r>
               <a:rPr lang="en-US" sz="4400" b="1" dirty="0">
                 <a:solidFill>
                   <a:srgbClr val="FF0000"/>
                 </a:solidFill>
-                <a:latin typeface="Times New Roman" panose="02020603050405020304" pitchFamily="18" charset="0"/>
-                <a:cs typeface="Times New Roman" panose="02020603050405020304" pitchFamily="18" charset="0"/>
+                <a:latin typeface="Calibri" panose="020F0502020204030204" pitchFamily="34" charset="0"/>
+                <a:cs typeface="Calibri" panose="020F0502020204030204" pitchFamily="34" charset="0"/>
               </a:rPr>
-              <a:t>GROUP K EDA PROJECT PRESENTATION</a:t>
+              <a:t>GROUP K 5 EDA PROJECT PRESENTATION</a:t>
             </a:r>
             <a:br>
               <a:rPr lang="en-US" sz="4400" b="1" dirty="0">
                 <a:solidFill>
                   <a:srgbClr val="FF0000"/>
                 </a:solidFill>
-                <a:latin typeface="Times New Roman" panose="02020603050405020304" pitchFamily="18" charset="0"/>
-                <a:cs typeface="Times New Roman" panose="02020603050405020304" pitchFamily="18" charset="0"/>
+                <a:latin typeface="Calibri" panose="020F0502020204030204" pitchFamily="34" charset="0"/>
+                <a:cs typeface="Calibri" panose="020F0502020204030204" pitchFamily="34" charset="0"/>
               </a:rPr>
             </a:br>
             <a:br>
@@ -7420,8 +7406,8 @@
                 <a:solidFill>
                   <a:srgbClr val="FF0000"/>
                 </a:solidFill>
-                <a:latin typeface="Times New Roman" panose="02020603050405020304" pitchFamily="18" charset="0"/>
-                <a:cs typeface="Times New Roman" panose="02020603050405020304" pitchFamily="18" charset="0"/>
+                <a:latin typeface="Calibri" panose="020F0502020204030204" pitchFamily="34" charset="0"/>
+                <a:cs typeface="Calibri" panose="020F0502020204030204" pitchFamily="34" charset="0"/>
               </a:rPr>
             </a:br>
             <a:r>
@@ -7429,41 +7415,24 @@
                 <a:solidFill>
                   <a:srgbClr val="FF0000"/>
                 </a:solidFill>
-                <a:latin typeface="Times New Roman" panose="02020603050405020304" pitchFamily="18" charset="0"/>
-                <a:cs typeface="Times New Roman" panose="02020603050405020304" pitchFamily="18" charset="0"/>
+                <a:latin typeface="Calibri" panose="020F0502020204030204" pitchFamily="34" charset="0"/>
+                <a:cs typeface="Calibri" panose="020F0502020204030204" pitchFamily="34" charset="0"/>
               </a:rPr>
-              <a:t>FACILITATOR: </a:t>
-            </a:r>
-            <a:r>
-              <a:rPr lang="en-US" sz="3200" b="1" dirty="0" err="1">
-                <a:solidFill>
-                  <a:srgbClr val="FF0000"/>
-                </a:solidFill>
-                <a:latin typeface="Times New Roman" panose="02020603050405020304" pitchFamily="18" charset="0"/>
-                <a:cs typeface="Times New Roman" panose="02020603050405020304" pitchFamily="18" charset="0"/>
-              </a:rPr>
-              <a:t>Ms</a:t>
-            </a:r>
-            <a:r>
-              <a:rPr lang="en-US" sz="3200" b="1" dirty="0">
-                <a:solidFill>
-                  <a:srgbClr val="FF0000"/>
-                </a:solidFill>
-                <a:latin typeface="Times New Roman" panose="02020603050405020304" pitchFamily="18" charset="0"/>
-                <a:cs typeface="Times New Roman" panose="02020603050405020304" pitchFamily="18" charset="0"/>
-              </a:rPr>
-              <a:t> AKUA GHAMBAH MORGAN ACQUAH</a:t>
+              <a:t>FACILITATOR: Ms. AKUA GHAMBAH MORGAN ACQUAH</a:t>
             </a:r>
             <a:br>
               <a:rPr lang="en-US" sz="4400" b="1" dirty="0">
                 <a:solidFill>
                   <a:srgbClr val="FF0000"/>
                 </a:solidFill>
-                <a:latin typeface="Times New Roman" panose="02020603050405020304" pitchFamily="18" charset="0"/>
-                <a:cs typeface="Times New Roman" panose="02020603050405020304" pitchFamily="18" charset="0"/>
+                <a:latin typeface="Calibri" panose="020F0502020204030204" pitchFamily="34" charset="0"/>
+                <a:cs typeface="Calibri" panose="020F0502020204030204" pitchFamily="34" charset="0"/>
               </a:rPr>
             </a:br>
-            <a:endParaRPr lang="en-US" sz="4400" dirty="0"/>
+            <a:endParaRPr lang="en-US" sz="4400" dirty="0">
+              <a:latin typeface="Calibri" panose="020F0502020204030204" pitchFamily="34" charset="0"/>
+              <a:cs typeface="Calibri" panose="020F0502020204030204" pitchFamily="34" charset="0"/>
+            </a:endParaRPr>
           </a:p>
         </p:txBody>
       </p:sp>
@@ -7489,7 +7458,7 @@
         </p:blipFill>
         <p:spPr>
           <a:xfrm>
-            <a:off x="4989946" y="0"/>
+            <a:off x="5670127" y="0"/>
             <a:ext cx="2873876" cy="1498903"/>
           </a:xfrm>
           <a:prstGeom prst="rect">
@@ -7519,7 +7488,7 @@
         </p:blipFill>
         <p:spPr>
           <a:xfrm>
-            <a:off x="3649847" y="-1"/>
+            <a:off x="4330028" y="0"/>
             <a:ext cx="1340099" cy="1498903"/>
           </a:xfrm>
           <a:prstGeom prst="rect">
@@ -7527,6 +7496,35 @@
           </a:prstGeom>
         </p:spPr>
       </p:pic>
+      <p:sp>
+        <p:nvSpPr>
+          <p:cNvPr id="3" name="Slide Number Placeholder 2">
+            <a:extLst>
+              <a:ext uri="{FF2B5EF4-FFF2-40B4-BE49-F238E27FC236}">
+                <a16:creationId xmlns:a16="http://schemas.microsoft.com/office/drawing/2014/main" id="{9DC6AA06-D36E-704D-E399-088C7E395D92}"/>
+              </a:ext>
+            </a:extLst>
+          </p:cNvPr>
+          <p:cNvSpPr>
+            <a:spLocks noGrp="1"/>
+          </p:cNvSpPr>
+          <p:nvPr>
+            <p:ph type="sldNum" sz="quarter" idx="12"/>
+          </p:nvPr>
+        </p:nvSpPr>
+        <p:spPr/>
+        <p:txBody>
+          <a:bodyPr/>
+          <a:lstStyle/>
+          <a:p>
+            <a:fld id="{00000000-1234-1234-1234-123412341234}" type="slidenum">
+              <a:rPr lang="nl-NL" smtClean="0"/>
+              <a:t>1</a:t>
+            </a:fld>
+            <a:endParaRPr lang="nl-NL" dirty="0"/>
+          </a:p>
+        </p:txBody>
+      </p:sp>
     </p:spTree>
     <p:extLst>
       <p:ext uri="{BB962C8B-B14F-4D97-AF65-F5344CB8AC3E}">
@@ -7574,6 +7572,141 @@
           <p:cNvPr id="2" name="Title 1">
             <a:extLst>
               <a:ext uri="{FF2B5EF4-FFF2-40B4-BE49-F238E27FC236}">
+                <a16:creationId xmlns:a16="http://schemas.microsoft.com/office/drawing/2014/main" id="{6FF56813-187B-FF82-2DE6-2BB765F4240F}"/>
+              </a:ext>
+            </a:extLst>
+          </p:cNvPr>
+          <p:cNvSpPr>
+            <a:spLocks noGrp="1"/>
+          </p:cNvSpPr>
+          <p:nvPr>
+            <p:ph type="title"/>
+          </p:nvPr>
+        </p:nvSpPr>
+        <p:spPr>
+          <a:xfrm>
+            <a:off x="2359176" y="32657"/>
+            <a:ext cx="7420204" cy="767687"/>
+          </a:xfrm>
+        </p:spPr>
+        <p:txBody>
+          <a:bodyPr/>
+          <a:lstStyle/>
+          <a:p>
+            <a:pPr algn="ctr"/>
+            <a:r>
+              <a:rPr lang="en-US" sz="4400" b="1" dirty="0">
+                <a:solidFill>
+                  <a:srgbClr val="FF0000"/>
+                </a:solidFill>
+                <a:latin typeface="Calibri" panose="020F0502020204030204" pitchFamily="34" charset="0"/>
+                <a:cs typeface="Calibri" panose="020F0502020204030204" pitchFamily="34" charset="0"/>
+              </a:rPr>
+              <a:t>Number of games published by each genre</a:t>
+            </a:r>
+          </a:p>
+        </p:txBody>
+      </p:sp>
+      <p:pic>
+        <p:nvPicPr>
+          <p:cNvPr id="5" name="Picture 4">
+            <a:extLst>
+              <a:ext uri="{FF2B5EF4-FFF2-40B4-BE49-F238E27FC236}">
+                <a16:creationId xmlns:a16="http://schemas.microsoft.com/office/drawing/2014/main" id="{C7B1CFC9-F32B-5345-B9A8-04A290F2B239}"/>
+              </a:ext>
+            </a:extLst>
+          </p:cNvPr>
+          <p:cNvPicPr>
+            <a:picLocks noChangeAspect="1"/>
+          </p:cNvPicPr>
+          <p:nvPr/>
+        </p:nvPicPr>
+        <p:blipFill>
+          <a:blip r:embed="rId2">
+            <a:extLst>
+              <a:ext uri="{28A0092B-C50C-407E-A947-70E740481C1C}">
+                <a14:useLocalDpi xmlns:a14="http://schemas.microsoft.com/office/drawing/2010/main" val="0"/>
+              </a:ext>
+            </a:extLst>
+          </a:blip>
+          <a:stretch>
+            <a:fillRect/>
+          </a:stretch>
+        </p:blipFill>
+        <p:spPr>
+          <a:xfrm>
+            <a:off x="1110343" y="1420585"/>
+            <a:ext cx="10080396" cy="5404757"/>
+          </a:xfrm>
+          <a:prstGeom prst="rect">
+            <a:avLst/>
+          </a:prstGeom>
+        </p:spPr>
+      </p:pic>
+      <p:sp>
+        <p:nvSpPr>
+          <p:cNvPr id="4" name="Slide Number Placeholder 3">
+            <a:extLst>
+              <a:ext uri="{FF2B5EF4-FFF2-40B4-BE49-F238E27FC236}">
+                <a16:creationId xmlns:a16="http://schemas.microsoft.com/office/drawing/2014/main" id="{609C7ED8-4D95-05C5-329A-C034B9F6530E}"/>
+              </a:ext>
+            </a:extLst>
+          </p:cNvPr>
+          <p:cNvSpPr>
+            <a:spLocks noGrp="1"/>
+          </p:cNvSpPr>
+          <p:nvPr>
+            <p:ph type="sldNum" sz="quarter" idx="12"/>
+          </p:nvPr>
+        </p:nvSpPr>
+        <p:spPr/>
+        <p:txBody>
+          <a:bodyPr/>
+          <a:lstStyle/>
+          <a:p>
+            <a:fld id="{00000000-1234-1234-1234-123412341234}" type="slidenum">
+              <a:rPr lang="nl-NL" smtClean="0"/>
+              <a:t>10</a:t>
+            </a:fld>
+            <a:endParaRPr lang="nl-NL" dirty="0"/>
+          </a:p>
+        </p:txBody>
+      </p:sp>
+    </p:spTree>
+    <p:extLst>
+      <p:ext uri="{BB962C8B-B14F-4D97-AF65-F5344CB8AC3E}">
+        <p14:creationId xmlns:p14="http://schemas.microsoft.com/office/powerpoint/2010/main" val="4167288635"/>
+      </p:ext>
+    </p:extLst>
+  </p:cSld>
+  <p:clrMapOvr>
+    <a:masterClrMapping/>
+  </p:clrMapOvr>
+</p:sld>
+</file>
+
+<file path=ppt/slides/slide11.xml><?xml version="1.0" encoding="utf-8"?>
+<p:sld xmlns:a="http://schemas.openxmlformats.org/drawingml/2006/main" xmlns:r="http://schemas.openxmlformats.org/officeDocument/2006/relationships" xmlns:p="http://schemas.openxmlformats.org/presentationml/2006/main">
+  <p:cSld>
+    <p:spTree>
+      <p:nvGrpSpPr>
+        <p:cNvPr id="1" name=""/>
+        <p:cNvGrpSpPr/>
+        <p:nvPr/>
+      </p:nvGrpSpPr>
+      <p:grpSpPr>
+        <a:xfrm>
+          <a:off x="0" y="0"/>
+          <a:ext cx="0" cy="0"/>
+          <a:chOff x="0" y="0"/>
+          <a:chExt cx="0" cy="0"/>
+        </a:xfrm>
+      </p:grpSpPr>
+      <p:sp>
+        <p:nvSpPr>
+          <p:cNvPr id="2" name="Title 1">
+            <a:extLst>
+              <a:ext uri="{FF2B5EF4-FFF2-40B4-BE49-F238E27FC236}">
                 <a16:creationId xmlns:a16="http://schemas.microsoft.com/office/drawing/2014/main" id="{D170E113-CCDA-3457-1682-B1E6486224E7}"/>
               </a:ext>
             </a:extLst>
@@ -7587,8 +7720,8 @@
         </p:nvSpPr>
         <p:spPr>
           <a:xfrm>
-            <a:off x="179614" y="32657"/>
-            <a:ext cx="8825659" cy="930729"/>
+            <a:off x="1683170" y="0"/>
+            <a:ext cx="8825659" cy="767687"/>
           </a:xfrm>
         </p:spPr>
         <p:txBody>
@@ -7596,12 +7729,12 @@
           <a:lstStyle/>
           <a:p>
             <a:r>
-              <a:rPr lang="en-US" dirty="0">
+              <a:rPr lang="en-US" b="1" dirty="0">
                 <a:solidFill>
                   <a:srgbClr val="FF0000"/>
                 </a:solidFill>
-                <a:latin typeface="Times New Roman" panose="02020603050405020304" pitchFamily="18" charset="0"/>
-                <a:cs typeface="Times New Roman" panose="02020603050405020304" pitchFamily="18" charset="0"/>
+                <a:latin typeface="Calibri" panose="020F0502020204030204" pitchFamily="34" charset="0"/>
+                <a:cs typeface="Calibri" panose="020F0502020204030204" pitchFamily="34" charset="0"/>
               </a:rPr>
               <a:t>Sales generated by each Genre</a:t>
             </a:r>
@@ -7626,8 +7759,8 @@
         </p:nvSpPr>
         <p:spPr>
           <a:xfrm>
-            <a:off x="179614" y="1139728"/>
-            <a:ext cx="3396343" cy="4330343"/>
+            <a:off x="179615" y="1139728"/>
+            <a:ext cx="2563586" cy="4330343"/>
           </a:xfrm>
         </p:spPr>
         <p:txBody>
@@ -7637,9 +7770,9 @@
           <a:lstStyle/>
           <a:p>
             <a:r>
-              <a:rPr lang="en-US" sz="2800" dirty="0">
-                <a:latin typeface="Times New Roman" panose="02020603050405020304" pitchFamily="18" charset="0"/>
-                <a:cs typeface="Times New Roman" panose="02020603050405020304" pitchFamily="18" charset="0"/>
+              <a:rPr lang="en-US" sz="2800" b="1" dirty="0">
+                <a:latin typeface="Calibri Light" panose="020F0302020204030204" pitchFamily="34" charset="0"/>
+                <a:cs typeface="Calibri Light" panose="020F0302020204030204" pitchFamily="34" charset="0"/>
               </a:rPr>
               <a:t>From the chart , it can be inferred that among all the genres, action genre generate the highest sales across all market centers.</a:t>
             </a:r>
@@ -7674,14 +7807,43 @@
         </p:blipFill>
         <p:spPr>
           <a:xfrm>
-            <a:off x="3660655" y="839285"/>
-            <a:ext cx="8265313" cy="5659485"/>
+            <a:off x="2971801" y="1359145"/>
+            <a:ext cx="9220200" cy="5498855"/>
           </a:xfrm>
           <a:prstGeom prst="rect">
             <a:avLst/>
           </a:prstGeom>
         </p:spPr>
       </p:pic>
+      <p:sp>
+        <p:nvSpPr>
+          <p:cNvPr id="6" name="Slide Number Placeholder 5">
+            <a:extLst>
+              <a:ext uri="{FF2B5EF4-FFF2-40B4-BE49-F238E27FC236}">
+                <a16:creationId xmlns:a16="http://schemas.microsoft.com/office/drawing/2014/main" id="{47FB966C-DBED-C178-8BDB-5481AB0DCF5B}"/>
+              </a:ext>
+            </a:extLst>
+          </p:cNvPr>
+          <p:cNvSpPr>
+            <a:spLocks noGrp="1"/>
+          </p:cNvSpPr>
+          <p:nvPr>
+            <p:ph type="sldNum" sz="quarter" idx="12"/>
+          </p:nvPr>
+        </p:nvSpPr>
+        <p:spPr/>
+        <p:txBody>
+          <a:bodyPr/>
+          <a:lstStyle/>
+          <a:p>
+            <a:fld id="{00000000-1234-1234-1234-123412341234}" type="slidenum">
+              <a:rPr lang="nl-NL" smtClean="0"/>
+              <a:t>11</a:t>
+            </a:fld>
+            <a:endParaRPr lang="nl-NL" dirty="0"/>
+          </a:p>
+        </p:txBody>
+      </p:sp>
     </p:spTree>
     <p:extLst>
       <p:ext uri="{BB962C8B-B14F-4D97-AF65-F5344CB8AC3E}">
@@ -7695,7 +7857,1191 @@
 </p:sld>
 </file>
 
-<file path=ppt/slides/slide11.xml><?xml version="1.0" encoding="utf-8"?>
+<file path=ppt/slides/slide12.xml><?xml version="1.0" encoding="utf-8"?>
+<p:sld xmlns:a="http://schemas.openxmlformats.org/drawingml/2006/main" xmlns:r="http://schemas.openxmlformats.org/officeDocument/2006/relationships" xmlns:p="http://schemas.openxmlformats.org/presentationml/2006/main">
+  <p:cSld>
+    <p:spTree>
+      <p:nvGrpSpPr>
+        <p:cNvPr id="1" name=""/>
+        <p:cNvGrpSpPr/>
+        <p:nvPr/>
+      </p:nvGrpSpPr>
+      <p:grpSpPr>
+        <a:xfrm>
+          <a:off x="0" y="0"/>
+          <a:ext cx="0" cy="0"/>
+          <a:chOff x="0" y="0"/>
+          <a:chExt cx="0" cy="0"/>
+        </a:xfrm>
+      </p:grpSpPr>
+      <p:sp>
+        <p:nvSpPr>
+          <p:cNvPr id="2" name="Title 1">
+            <a:extLst>
+              <a:ext uri="{FF2B5EF4-FFF2-40B4-BE49-F238E27FC236}">
+                <a16:creationId xmlns:a16="http://schemas.microsoft.com/office/drawing/2014/main" id="{3BF3CD81-76BE-2E3B-F5EA-BB48E33098E9}"/>
+              </a:ext>
+            </a:extLst>
+          </p:cNvPr>
+          <p:cNvSpPr>
+            <a:spLocks noGrp="1"/>
+          </p:cNvSpPr>
+          <p:nvPr>
+            <p:ph type="title"/>
+          </p:nvPr>
+        </p:nvSpPr>
+        <p:spPr>
+          <a:xfrm>
+            <a:off x="452826" y="86440"/>
+            <a:ext cx="8825659" cy="976976"/>
+          </a:xfrm>
+        </p:spPr>
+        <p:txBody>
+          <a:bodyPr/>
+          <a:lstStyle/>
+          <a:p>
+            <a:pPr algn="ctr"/>
+            <a:r>
+              <a:rPr lang="en-US" sz="4400" dirty="0">
+                <a:solidFill>
+                  <a:srgbClr val="FF0000"/>
+                </a:solidFill>
+                <a:latin typeface="Calibri" panose="020F0502020204030204" pitchFamily="34" charset="0"/>
+                <a:cs typeface="Calibri" panose="020F0502020204030204" pitchFamily="34" charset="0"/>
+              </a:rPr>
+              <a:t>Correlation output</a:t>
+            </a:r>
+          </a:p>
+        </p:txBody>
+      </p:sp>
+      <p:sp>
+        <p:nvSpPr>
+          <p:cNvPr id="3" name="Text Placeholder 2">
+            <a:extLst>
+              <a:ext uri="{FF2B5EF4-FFF2-40B4-BE49-F238E27FC236}">
+                <a16:creationId xmlns:a16="http://schemas.microsoft.com/office/drawing/2014/main" id="{F6D505EA-E731-0D3D-815E-3839DB299318}"/>
+              </a:ext>
+            </a:extLst>
+          </p:cNvPr>
+          <p:cNvSpPr>
+            <a:spLocks noGrp="1"/>
+          </p:cNvSpPr>
+          <p:nvPr>
+            <p:ph type="body" sz="half" idx="2"/>
+          </p:nvPr>
+        </p:nvSpPr>
+        <p:spPr/>
+        <p:txBody>
+          <a:bodyPr/>
+          <a:lstStyle/>
+          <a:p>
+            <a:endParaRPr lang="en-US" dirty="0"/>
+          </a:p>
+        </p:txBody>
+      </p:sp>
+      <p:sp>
+        <p:nvSpPr>
+          <p:cNvPr id="4" name="Slide Number Placeholder 3">
+            <a:extLst>
+              <a:ext uri="{FF2B5EF4-FFF2-40B4-BE49-F238E27FC236}">
+                <a16:creationId xmlns:a16="http://schemas.microsoft.com/office/drawing/2014/main" id="{FF4B96EE-FEDF-BBA0-8C2D-0D0A5D2DB512}"/>
+              </a:ext>
+            </a:extLst>
+          </p:cNvPr>
+          <p:cNvSpPr>
+            <a:spLocks noGrp="1"/>
+          </p:cNvSpPr>
+          <p:nvPr>
+            <p:ph type="sldNum" sz="quarter" idx="12"/>
+          </p:nvPr>
+        </p:nvSpPr>
+        <p:spPr/>
+        <p:txBody>
+          <a:bodyPr/>
+          <a:lstStyle/>
+          <a:p>
+            <a:fld id="{00000000-1234-1234-1234-123412341234}" type="slidenum">
+              <a:rPr lang="nl-NL" smtClean="0"/>
+              <a:t>12</a:t>
+            </a:fld>
+            <a:endParaRPr lang="nl-NL" dirty="0"/>
+          </a:p>
+        </p:txBody>
+      </p:sp>
+      <p:graphicFrame>
+        <p:nvGraphicFramePr>
+          <p:cNvPr id="5" name="Table 4">
+            <a:extLst>
+              <a:ext uri="{FF2B5EF4-FFF2-40B4-BE49-F238E27FC236}">
+                <a16:creationId xmlns:a16="http://schemas.microsoft.com/office/drawing/2014/main" id="{1B295C00-A121-C124-DAD6-465F393A28A8}"/>
+              </a:ext>
+            </a:extLst>
+          </p:cNvPr>
+          <p:cNvGraphicFramePr>
+            <a:graphicFrameLocks noGrp="1"/>
+          </p:cNvGraphicFramePr>
+          <p:nvPr>
+            <p:extLst>
+              <p:ext uri="{D42A27DB-BD31-4B8C-83A1-F6EECF244321}">
+                <p14:modId xmlns:p14="http://schemas.microsoft.com/office/powerpoint/2010/main" val="1909072617"/>
+              </p:ext>
+            </p:extLst>
+          </p:nvPr>
+        </p:nvGraphicFramePr>
+        <p:xfrm>
+          <a:off x="1033464" y="1371599"/>
+          <a:ext cx="10003581" cy="5061858"/>
+        </p:xfrm>
+        <a:graphic>
+          <a:graphicData uri="http://schemas.openxmlformats.org/drawingml/2006/table">
+            <a:tbl>
+              <a:tblPr>
+                <a:tableStyleId>{35758FB7-9AC5-4552-8A53-C91805E547FA}</a:tableStyleId>
+              </a:tblPr>
+              <a:tblGrid>
+                <a:gridCol w="1429083">
+                  <a:extLst>
+                    <a:ext uri="{9D8B030D-6E8A-4147-A177-3AD203B41FA5}">
+                      <a16:colId xmlns:a16="http://schemas.microsoft.com/office/drawing/2014/main" val="3806439025"/>
+                    </a:ext>
+                  </a:extLst>
+                </a:gridCol>
+                <a:gridCol w="1429083">
+                  <a:extLst>
+                    <a:ext uri="{9D8B030D-6E8A-4147-A177-3AD203B41FA5}">
+                      <a16:colId xmlns:a16="http://schemas.microsoft.com/office/drawing/2014/main" val="930812140"/>
+                    </a:ext>
+                  </a:extLst>
+                </a:gridCol>
+                <a:gridCol w="1429083">
+                  <a:extLst>
+                    <a:ext uri="{9D8B030D-6E8A-4147-A177-3AD203B41FA5}">
+                      <a16:colId xmlns:a16="http://schemas.microsoft.com/office/drawing/2014/main" val="197129643"/>
+                    </a:ext>
+                  </a:extLst>
+                </a:gridCol>
+                <a:gridCol w="1429083">
+                  <a:extLst>
+                    <a:ext uri="{9D8B030D-6E8A-4147-A177-3AD203B41FA5}">
+                      <a16:colId xmlns:a16="http://schemas.microsoft.com/office/drawing/2014/main" val="1723458435"/>
+                    </a:ext>
+                  </a:extLst>
+                </a:gridCol>
+                <a:gridCol w="1429083">
+                  <a:extLst>
+                    <a:ext uri="{9D8B030D-6E8A-4147-A177-3AD203B41FA5}">
+                      <a16:colId xmlns:a16="http://schemas.microsoft.com/office/drawing/2014/main" val="1961097008"/>
+                    </a:ext>
+                  </a:extLst>
+                </a:gridCol>
+                <a:gridCol w="1429083">
+                  <a:extLst>
+                    <a:ext uri="{9D8B030D-6E8A-4147-A177-3AD203B41FA5}">
+                      <a16:colId xmlns:a16="http://schemas.microsoft.com/office/drawing/2014/main" val="914119513"/>
+                    </a:ext>
+                  </a:extLst>
+                </a:gridCol>
+                <a:gridCol w="1429083">
+                  <a:extLst>
+                    <a:ext uri="{9D8B030D-6E8A-4147-A177-3AD203B41FA5}">
+                      <a16:colId xmlns:a16="http://schemas.microsoft.com/office/drawing/2014/main" val="173567347"/>
+                    </a:ext>
+                  </a:extLst>
+                </a:gridCol>
+              </a:tblGrid>
+              <a:tr h="1265464">
+                <a:tc>
+                  <a:txBody>
+                    <a:bodyPr/>
+                    <a:lstStyle/>
+                    <a:p>
+                      <a:pPr algn="r" fontAlgn="ctr"/>
+                      <a:endParaRPr lang="en-US" b="1" dirty="0">
+                        <a:effectLst/>
+                      </a:endParaRPr>
+                    </a:p>
+                  </a:txBody>
+                  <a:tcPr anchor="ctr"/>
+                </a:tc>
+                <a:tc>
+                  <a:txBody>
+                    <a:bodyPr/>
+                    <a:lstStyle/>
+                    <a:p>
+                      <a:pPr marL="0" marR="0" lvl="0" indent="0" algn="ctr" defTabSz="457200" rtl="0" eaLnBrk="1" fontAlgn="ctr" latinLnBrk="0" hangingPunct="1">
+                        <a:lnSpc>
+                          <a:spcPct val="100000"/>
+                        </a:lnSpc>
+                        <a:spcBef>
+                          <a:spcPts val="0"/>
+                        </a:spcBef>
+                        <a:spcAft>
+                          <a:spcPts val="0"/>
+                        </a:spcAft>
+                        <a:buClrTx/>
+                        <a:buSzTx/>
+                        <a:buFontTx/>
+                        <a:buNone/>
+                        <a:tabLst/>
+                        <a:defRPr/>
+                      </a:pPr>
+                      <a:r>
+                        <a:rPr lang="en-US" b="1" dirty="0">
+                          <a:effectLst/>
+                        </a:rPr>
+                        <a:t>Rank</a:t>
+                      </a:r>
+                    </a:p>
+                    <a:p>
+                      <a:pPr algn="ctr" fontAlgn="ctr"/>
+                      <a:endParaRPr lang="en-US" b="1" dirty="0">
+                        <a:effectLst/>
+                      </a:endParaRPr>
+                    </a:p>
+                  </a:txBody>
+                  <a:tcPr anchor="ctr"/>
+                </a:tc>
+                <a:tc>
+                  <a:txBody>
+                    <a:bodyPr/>
+                    <a:lstStyle/>
+                    <a:p>
+                      <a:pPr marL="0" marR="0" lvl="0" indent="0" algn="ctr" defTabSz="457200" rtl="0" eaLnBrk="1" fontAlgn="ctr" latinLnBrk="0" hangingPunct="1">
+                        <a:lnSpc>
+                          <a:spcPct val="100000"/>
+                        </a:lnSpc>
+                        <a:spcBef>
+                          <a:spcPts val="0"/>
+                        </a:spcBef>
+                        <a:spcAft>
+                          <a:spcPts val="0"/>
+                        </a:spcAft>
+                        <a:buClrTx/>
+                        <a:buSzTx/>
+                        <a:buFontTx/>
+                        <a:buNone/>
+                        <a:tabLst/>
+                        <a:defRPr/>
+                      </a:pPr>
+                      <a:r>
+                        <a:rPr lang="en-US" b="1" dirty="0" err="1">
+                          <a:effectLst/>
+                        </a:rPr>
+                        <a:t>NA_Sales</a:t>
+                      </a:r>
+                      <a:endParaRPr lang="en-US" b="1" dirty="0">
+                        <a:effectLst/>
+                      </a:endParaRPr>
+                    </a:p>
+                    <a:p>
+                      <a:pPr algn="ctr" fontAlgn="ctr"/>
+                      <a:endParaRPr lang="en-US" b="1" dirty="0">
+                        <a:effectLst/>
+                      </a:endParaRPr>
+                    </a:p>
+                  </a:txBody>
+                  <a:tcPr anchor="ctr"/>
+                </a:tc>
+                <a:tc>
+                  <a:txBody>
+                    <a:bodyPr/>
+                    <a:lstStyle/>
+                    <a:p>
+                      <a:pPr marL="0" marR="0" lvl="0" indent="0" algn="ctr" defTabSz="457200" rtl="0" eaLnBrk="1" fontAlgn="ctr" latinLnBrk="0" hangingPunct="1">
+                        <a:lnSpc>
+                          <a:spcPct val="100000"/>
+                        </a:lnSpc>
+                        <a:spcBef>
+                          <a:spcPts val="0"/>
+                        </a:spcBef>
+                        <a:spcAft>
+                          <a:spcPts val="0"/>
+                        </a:spcAft>
+                        <a:buClrTx/>
+                        <a:buSzTx/>
+                        <a:buFontTx/>
+                        <a:buNone/>
+                        <a:tabLst/>
+                        <a:defRPr/>
+                      </a:pPr>
+                      <a:r>
+                        <a:rPr lang="en-US" b="1" dirty="0" err="1">
+                          <a:effectLst/>
+                        </a:rPr>
+                        <a:t>EU_Sales</a:t>
+                      </a:r>
+                      <a:endParaRPr lang="en-US" b="1" dirty="0">
+                        <a:effectLst/>
+                      </a:endParaRPr>
+                    </a:p>
+                    <a:p>
+                      <a:pPr algn="ctr" fontAlgn="ctr"/>
+                      <a:endParaRPr lang="en-US" b="1" dirty="0">
+                        <a:effectLst/>
+                      </a:endParaRPr>
+                    </a:p>
+                  </a:txBody>
+                  <a:tcPr anchor="ctr"/>
+                </a:tc>
+                <a:tc>
+                  <a:txBody>
+                    <a:bodyPr/>
+                    <a:lstStyle/>
+                    <a:p>
+                      <a:pPr marL="0" marR="0" lvl="0" indent="0" algn="ctr" defTabSz="457200" rtl="0" eaLnBrk="1" fontAlgn="ctr" latinLnBrk="0" hangingPunct="1">
+                        <a:lnSpc>
+                          <a:spcPct val="100000"/>
+                        </a:lnSpc>
+                        <a:spcBef>
+                          <a:spcPts val="0"/>
+                        </a:spcBef>
+                        <a:spcAft>
+                          <a:spcPts val="0"/>
+                        </a:spcAft>
+                        <a:buClrTx/>
+                        <a:buSzTx/>
+                        <a:buFontTx/>
+                        <a:buNone/>
+                        <a:tabLst/>
+                        <a:defRPr/>
+                      </a:pPr>
+                      <a:r>
+                        <a:rPr lang="en-US" b="1" dirty="0" err="1">
+                          <a:effectLst/>
+                        </a:rPr>
+                        <a:t>JP_Sales</a:t>
+                      </a:r>
+                      <a:endParaRPr lang="en-US" b="1" dirty="0">
+                        <a:effectLst/>
+                      </a:endParaRPr>
+                    </a:p>
+                    <a:p>
+                      <a:pPr algn="ctr" fontAlgn="ctr"/>
+                      <a:endParaRPr lang="en-US" b="1" dirty="0">
+                        <a:effectLst/>
+                      </a:endParaRPr>
+                    </a:p>
+                  </a:txBody>
+                  <a:tcPr anchor="ctr"/>
+                </a:tc>
+                <a:tc>
+                  <a:txBody>
+                    <a:bodyPr/>
+                    <a:lstStyle/>
+                    <a:p>
+                      <a:pPr marL="0" marR="0" lvl="0" indent="0" algn="ctr" defTabSz="457200" rtl="0" eaLnBrk="1" fontAlgn="ctr" latinLnBrk="0" hangingPunct="1">
+                        <a:lnSpc>
+                          <a:spcPct val="100000"/>
+                        </a:lnSpc>
+                        <a:spcBef>
+                          <a:spcPts val="0"/>
+                        </a:spcBef>
+                        <a:spcAft>
+                          <a:spcPts val="0"/>
+                        </a:spcAft>
+                        <a:buClrTx/>
+                        <a:buSzTx/>
+                        <a:buFontTx/>
+                        <a:buNone/>
+                        <a:tabLst/>
+                        <a:defRPr/>
+                      </a:pPr>
+                      <a:r>
+                        <a:rPr lang="en-US" b="1" dirty="0" err="1">
+                          <a:effectLst/>
+                        </a:rPr>
+                        <a:t>Other_Sales</a:t>
+                      </a:r>
+                      <a:endParaRPr lang="en-US" b="1" dirty="0">
+                        <a:effectLst/>
+                      </a:endParaRPr>
+                    </a:p>
+                    <a:p>
+                      <a:pPr algn="ctr" fontAlgn="ctr"/>
+                      <a:endParaRPr lang="en-US" b="1" dirty="0">
+                        <a:effectLst/>
+                      </a:endParaRPr>
+                    </a:p>
+                  </a:txBody>
+                  <a:tcPr anchor="ctr"/>
+                </a:tc>
+                <a:tc>
+                  <a:txBody>
+                    <a:bodyPr/>
+                    <a:lstStyle/>
+                    <a:p>
+                      <a:pPr marL="0" marR="0" lvl="0" indent="0" algn="ctr" defTabSz="457200" rtl="0" eaLnBrk="1" fontAlgn="auto" latinLnBrk="0" hangingPunct="1">
+                        <a:lnSpc>
+                          <a:spcPct val="100000"/>
+                        </a:lnSpc>
+                        <a:spcBef>
+                          <a:spcPts val="0"/>
+                        </a:spcBef>
+                        <a:spcAft>
+                          <a:spcPts val="0"/>
+                        </a:spcAft>
+                        <a:buClrTx/>
+                        <a:buSzTx/>
+                        <a:buFontTx/>
+                        <a:buNone/>
+                        <a:tabLst/>
+                        <a:defRPr/>
+                      </a:pPr>
+                      <a:r>
+                        <a:rPr lang="en-US" b="1" dirty="0" err="1">
+                          <a:effectLst/>
+                        </a:rPr>
+                        <a:t>Global_Sales</a:t>
+                      </a:r>
+                      <a:endParaRPr lang="en-US" b="1" dirty="0">
+                        <a:effectLst/>
+                      </a:endParaRPr>
+                    </a:p>
+                    <a:p>
+                      <a:pPr algn="ctr"/>
+                      <a:endParaRPr lang="en-US" dirty="0"/>
+                    </a:p>
+                  </a:txBody>
+                  <a:tcPr/>
+                </a:tc>
+                <a:extLst>
+                  <a:ext uri="{0D108BD9-81ED-4DB2-BD59-A6C34878D82A}">
+                    <a16:rowId xmlns:a16="http://schemas.microsoft.com/office/drawing/2014/main" val="4127332187"/>
+                  </a:ext>
+                </a:extLst>
+              </a:tr>
+              <a:tr h="506186">
+                <a:tc>
+                  <a:txBody>
+                    <a:bodyPr/>
+                    <a:lstStyle/>
+                    <a:p>
+                      <a:pPr algn="r" fontAlgn="ctr"/>
+                      <a:r>
+                        <a:rPr lang="en-US" b="1">
+                          <a:effectLst/>
+                        </a:rPr>
+                        <a:t>Rank</a:t>
+                      </a:r>
+                    </a:p>
+                  </a:txBody>
+                  <a:tcPr anchor="ctr"/>
+                </a:tc>
+                <a:tc>
+                  <a:txBody>
+                    <a:bodyPr/>
+                    <a:lstStyle/>
+                    <a:p>
+                      <a:pPr algn="r" fontAlgn="ctr"/>
+                      <a:r>
+                        <a:rPr lang="en-US">
+                          <a:effectLst/>
+                        </a:rPr>
+                        <a:t>1.000000</a:t>
+                      </a:r>
+                    </a:p>
+                  </a:txBody>
+                  <a:tcPr anchor="ctr"/>
+                </a:tc>
+                <a:tc>
+                  <a:txBody>
+                    <a:bodyPr/>
+                    <a:lstStyle/>
+                    <a:p>
+                      <a:pPr algn="r" fontAlgn="ctr"/>
+                      <a:r>
+                        <a:rPr lang="en-US">
+                          <a:effectLst/>
+                        </a:rPr>
+                        <a:t>-0.400315</a:t>
+                      </a:r>
+                    </a:p>
+                  </a:txBody>
+                  <a:tcPr anchor="ctr"/>
+                </a:tc>
+                <a:tc>
+                  <a:txBody>
+                    <a:bodyPr/>
+                    <a:lstStyle/>
+                    <a:p>
+                      <a:pPr algn="r" fontAlgn="ctr"/>
+                      <a:r>
+                        <a:rPr lang="en-US">
+                          <a:effectLst/>
+                        </a:rPr>
+                        <a:t>-0.379137</a:t>
+                      </a:r>
+                    </a:p>
+                  </a:txBody>
+                  <a:tcPr anchor="ctr"/>
+                </a:tc>
+                <a:tc>
+                  <a:txBody>
+                    <a:bodyPr/>
+                    <a:lstStyle/>
+                    <a:p>
+                      <a:pPr algn="r" fontAlgn="ctr"/>
+                      <a:r>
+                        <a:rPr lang="en-US">
+                          <a:effectLst/>
+                        </a:rPr>
+                        <a:t>-0.269323</a:t>
+                      </a:r>
+                    </a:p>
+                  </a:txBody>
+                  <a:tcPr anchor="ctr"/>
+                </a:tc>
+                <a:tc>
+                  <a:txBody>
+                    <a:bodyPr/>
+                    <a:lstStyle/>
+                    <a:p>
+                      <a:pPr algn="r" fontAlgn="ctr"/>
+                      <a:r>
+                        <a:rPr lang="en-US">
+                          <a:effectLst/>
+                        </a:rPr>
+                        <a:t>-0.332735</a:t>
+                      </a:r>
+                    </a:p>
+                  </a:txBody>
+                  <a:tcPr anchor="ctr"/>
+                </a:tc>
+                <a:tc>
+                  <a:txBody>
+                    <a:bodyPr/>
+                    <a:lstStyle/>
+                    <a:p>
+                      <a:pPr algn="r" fontAlgn="ctr"/>
+                      <a:r>
+                        <a:rPr lang="en-US">
+                          <a:effectLst/>
+                        </a:rPr>
+                        <a:t>-0.426975</a:t>
+                      </a:r>
+                    </a:p>
+                  </a:txBody>
+                  <a:tcPr anchor="ctr"/>
+                </a:tc>
+                <a:extLst>
+                  <a:ext uri="{0D108BD9-81ED-4DB2-BD59-A6C34878D82A}">
+                    <a16:rowId xmlns:a16="http://schemas.microsoft.com/office/drawing/2014/main" val="2173228495"/>
+                  </a:ext>
+                </a:extLst>
+              </a:tr>
+              <a:tr h="506186">
+                <a:tc>
+                  <a:txBody>
+                    <a:bodyPr/>
+                    <a:lstStyle/>
+                    <a:p>
+                      <a:pPr algn="r" fontAlgn="ctr"/>
+                      <a:r>
+                        <a:rPr lang="en-US" b="1">
+                          <a:effectLst/>
+                        </a:rPr>
+                        <a:t>NA_Sales</a:t>
+                      </a:r>
+                    </a:p>
+                  </a:txBody>
+                  <a:tcPr anchor="ctr"/>
+                </a:tc>
+                <a:tc>
+                  <a:txBody>
+                    <a:bodyPr/>
+                    <a:lstStyle/>
+                    <a:p>
+                      <a:pPr algn="r" fontAlgn="ctr"/>
+                      <a:r>
+                        <a:rPr lang="en-US">
+                          <a:effectLst/>
+                        </a:rPr>
+                        <a:t>-0.400315</a:t>
+                      </a:r>
+                    </a:p>
+                  </a:txBody>
+                  <a:tcPr anchor="ctr"/>
+                </a:tc>
+                <a:tc>
+                  <a:txBody>
+                    <a:bodyPr/>
+                    <a:lstStyle/>
+                    <a:p>
+                      <a:pPr algn="r" fontAlgn="ctr"/>
+                      <a:r>
+                        <a:rPr lang="en-US">
+                          <a:effectLst/>
+                        </a:rPr>
+                        <a:t>1.000000</a:t>
+                      </a:r>
+                    </a:p>
+                  </a:txBody>
+                  <a:tcPr anchor="ctr"/>
+                </a:tc>
+                <a:tc>
+                  <a:txBody>
+                    <a:bodyPr/>
+                    <a:lstStyle/>
+                    <a:p>
+                      <a:pPr algn="r" fontAlgn="ctr"/>
+                      <a:r>
+                        <a:rPr lang="en-US">
+                          <a:effectLst/>
+                        </a:rPr>
+                        <a:t>0.768923</a:t>
+                      </a:r>
+                    </a:p>
+                  </a:txBody>
+                  <a:tcPr anchor="ctr"/>
+                </a:tc>
+                <a:tc>
+                  <a:txBody>
+                    <a:bodyPr/>
+                    <a:lstStyle/>
+                    <a:p>
+                      <a:pPr algn="r" fontAlgn="ctr"/>
+                      <a:r>
+                        <a:rPr lang="en-US">
+                          <a:effectLst/>
+                        </a:rPr>
+                        <a:t>0.451283</a:t>
+                      </a:r>
+                    </a:p>
+                  </a:txBody>
+                  <a:tcPr anchor="ctr"/>
+                </a:tc>
+                <a:tc>
+                  <a:txBody>
+                    <a:bodyPr/>
+                    <a:lstStyle/>
+                    <a:p>
+                      <a:pPr algn="r" fontAlgn="ctr"/>
+                      <a:r>
+                        <a:rPr lang="en-US">
+                          <a:effectLst/>
+                        </a:rPr>
+                        <a:t>0.634518</a:t>
+                      </a:r>
+                    </a:p>
+                  </a:txBody>
+                  <a:tcPr anchor="ctr"/>
+                </a:tc>
+                <a:tc>
+                  <a:txBody>
+                    <a:bodyPr/>
+                    <a:lstStyle/>
+                    <a:p>
+                      <a:pPr algn="r" fontAlgn="ctr"/>
+                      <a:r>
+                        <a:rPr lang="en-US">
+                          <a:effectLst/>
+                        </a:rPr>
+                        <a:t>0.941269</a:t>
+                      </a:r>
+                    </a:p>
+                  </a:txBody>
+                  <a:tcPr anchor="ctr"/>
+                </a:tc>
+                <a:extLst>
+                  <a:ext uri="{0D108BD9-81ED-4DB2-BD59-A6C34878D82A}">
+                    <a16:rowId xmlns:a16="http://schemas.microsoft.com/office/drawing/2014/main" val="4225617706"/>
+                  </a:ext>
+                </a:extLst>
+              </a:tr>
+              <a:tr h="506186">
+                <a:tc>
+                  <a:txBody>
+                    <a:bodyPr/>
+                    <a:lstStyle/>
+                    <a:p>
+                      <a:pPr algn="r" fontAlgn="ctr"/>
+                      <a:r>
+                        <a:rPr lang="en-US" b="1">
+                          <a:effectLst/>
+                        </a:rPr>
+                        <a:t>EU_Sales</a:t>
+                      </a:r>
+                    </a:p>
+                  </a:txBody>
+                  <a:tcPr anchor="ctr"/>
+                </a:tc>
+                <a:tc>
+                  <a:txBody>
+                    <a:bodyPr/>
+                    <a:lstStyle/>
+                    <a:p>
+                      <a:pPr algn="r" fontAlgn="ctr"/>
+                      <a:r>
+                        <a:rPr lang="en-US">
+                          <a:effectLst/>
+                        </a:rPr>
+                        <a:t>-0.379137</a:t>
+                      </a:r>
+                    </a:p>
+                  </a:txBody>
+                  <a:tcPr anchor="ctr"/>
+                </a:tc>
+                <a:tc>
+                  <a:txBody>
+                    <a:bodyPr/>
+                    <a:lstStyle/>
+                    <a:p>
+                      <a:pPr algn="r" fontAlgn="ctr"/>
+                      <a:r>
+                        <a:rPr lang="en-US">
+                          <a:effectLst/>
+                        </a:rPr>
+                        <a:t>0.768923</a:t>
+                      </a:r>
+                    </a:p>
+                  </a:txBody>
+                  <a:tcPr anchor="ctr"/>
+                </a:tc>
+                <a:tc>
+                  <a:txBody>
+                    <a:bodyPr/>
+                    <a:lstStyle/>
+                    <a:p>
+                      <a:pPr algn="r" fontAlgn="ctr"/>
+                      <a:r>
+                        <a:rPr lang="en-US">
+                          <a:effectLst/>
+                        </a:rPr>
+                        <a:t>1.000000</a:t>
+                      </a:r>
+                    </a:p>
+                  </a:txBody>
+                  <a:tcPr anchor="ctr"/>
+                </a:tc>
+                <a:tc>
+                  <a:txBody>
+                    <a:bodyPr/>
+                    <a:lstStyle/>
+                    <a:p>
+                      <a:pPr algn="r" fontAlgn="ctr"/>
+                      <a:r>
+                        <a:rPr lang="en-US">
+                          <a:effectLst/>
+                        </a:rPr>
+                        <a:t>0.436379</a:t>
+                      </a:r>
+                    </a:p>
+                  </a:txBody>
+                  <a:tcPr anchor="ctr"/>
+                </a:tc>
+                <a:tc>
+                  <a:txBody>
+                    <a:bodyPr/>
+                    <a:lstStyle/>
+                    <a:p>
+                      <a:pPr algn="r" fontAlgn="ctr"/>
+                      <a:r>
+                        <a:rPr lang="en-US">
+                          <a:effectLst/>
+                        </a:rPr>
+                        <a:t>0.726256</a:t>
+                      </a:r>
+                    </a:p>
+                  </a:txBody>
+                  <a:tcPr anchor="ctr"/>
+                </a:tc>
+                <a:tc>
+                  <a:txBody>
+                    <a:bodyPr/>
+                    <a:lstStyle/>
+                    <a:p>
+                      <a:pPr algn="r" fontAlgn="ctr"/>
+                      <a:r>
+                        <a:rPr lang="en-US">
+                          <a:effectLst/>
+                        </a:rPr>
+                        <a:t>0.903264</a:t>
+                      </a:r>
+                    </a:p>
+                  </a:txBody>
+                  <a:tcPr anchor="ctr"/>
+                </a:tc>
+                <a:extLst>
+                  <a:ext uri="{0D108BD9-81ED-4DB2-BD59-A6C34878D82A}">
+                    <a16:rowId xmlns:a16="http://schemas.microsoft.com/office/drawing/2014/main" val="2796390971"/>
+                  </a:ext>
+                </a:extLst>
+              </a:tr>
+              <a:tr h="506186">
+                <a:tc>
+                  <a:txBody>
+                    <a:bodyPr/>
+                    <a:lstStyle/>
+                    <a:p>
+                      <a:pPr algn="r" fontAlgn="ctr"/>
+                      <a:r>
+                        <a:rPr lang="en-US" b="1">
+                          <a:effectLst/>
+                        </a:rPr>
+                        <a:t>JP_Sales</a:t>
+                      </a:r>
+                    </a:p>
+                  </a:txBody>
+                  <a:tcPr anchor="ctr"/>
+                </a:tc>
+                <a:tc>
+                  <a:txBody>
+                    <a:bodyPr/>
+                    <a:lstStyle/>
+                    <a:p>
+                      <a:pPr algn="r" fontAlgn="ctr"/>
+                      <a:r>
+                        <a:rPr lang="en-US">
+                          <a:effectLst/>
+                        </a:rPr>
+                        <a:t>-0.269323</a:t>
+                      </a:r>
+                    </a:p>
+                  </a:txBody>
+                  <a:tcPr anchor="ctr"/>
+                </a:tc>
+                <a:tc>
+                  <a:txBody>
+                    <a:bodyPr/>
+                    <a:lstStyle/>
+                    <a:p>
+                      <a:pPr algn="r" fontAlgn="ctr"/>
+                      <a:r>
+                        <a:rPr lang="en-US">
+                          <a:effectLst/>
+                        </a:rPr>
+                        <a:t>0.451283</a:t>
+                      </a:r>
+                    </a:p>
+                  </a:txBody>
+                  <a:tcPr anchor="ctr"/>
+                </a:tc>
+                <a:tc>
+                  <a:txBody>
+                    <a:bodyPr/>
+                    <a:lstStyle/>
+                    <a:p>
+                      <a:pPr algn="r" fontAlgn="ctr"/>
+                      <a:r>
+                        <a:rPr lang="en-US">
+                          <a:effectLst/>
+                        </a:rPr>
+                        <a:t>0.436379</a:t>
+                      </a:r>
+                    </a:p>
+                  </a:txBody>
+                  <a:tcPr anchor="ctr"/>
+                </a:tc>
+                <a:tc>
+                  <a:txBody>
+                    <a:bodyPr/>
+                    <a:lstStyle/>
+                    <a:p>
+                      <a:pPr algn="r" fontAlgn="ctr"/>
+                      <a:r>
+                        <a:rPr lang="en-US">
+                          <a:effectLst/>
+                        </a:rPr>
+                        <a:t>1.000000</a:t>
+                      </a:r>
+                    </a:p>
+                  </a:txBody>
+                  <a:tcPr anchor="ctr"/>
+                </a:tc>
+                <a:tc>
+                  <a:txBody>
+                    <a:bodyPr/>
+                    <a:lstStyle/>
+                    <a:p>
+                      <a:pPr algn="r" fontAlgn="ctr"/>
+                      <a:r>
+                        <a:rPr lang="en-US">
+                          <a:effectLst/>
+                        </a:rPr>
+                        <a:t>0.290559</a:t>
+                      </a:r>
+                    </a:p>
+                  </a:txBody>
+                  <a:tcPr anchor="ctr"/>
+                </a:tc>
+                <a:tc>
+                  <a:txBody>
+                    <a:bodyPr/>
+                    <a:lstStyle/>
+                    <a:p>
+                      <a:pPr algn="r" fontAlgn="ctr"/>
+                      <a:r>
+                        <a:rPr lang="en-US">
+                          <a:effectLst/>
+                        </a:rPr>
+                        <a:t>0.612774</a:t>
+                      </a:r>
+                    </a:p>
+                  </a:txBody>
+                  <a:tcPr anchor="ctr"/>
+                </a:tc>
+                <a:extLst>
+                  <a:ext uri="{0D108BD9-81ED-4DB2-BD59-A6C34878D82A}">
+                    <a16:rowId xmlns:a16="http://schemas.microsoft.com/office/drawing/2014/main" val="3906743227"/>
+                  </a:ext>
+                </a:extLst>
+              </a:tr>
+              <a:tr h="885825">
+                <a:tc>
+                  <a:txBody>
+                    <a:bodyPr/>
+                    <a:lstStyle/>
+                    <a:p>
+                      <a:pPr algn="r" fontAlgn="ctr"/>
+                      <a:r>
+                        <a:rPr lang="en-US" b="1">
+                          <a:effectLst/>
+                        </a:rPr>
+                        <a:t>Other_Sales</a:t>
+                      </a:r>
+                    </a:p>
+                  </a:txBody>
+                  <a:tcPr anchor="ctr"/>
+                </a:tc>
+                <a:tc>
+                  <a:txBody>
+                    <a:bodyPr/>
+                    <a:lstStyle/>
+                    <a:p>
+                      <a:pPr algn="r" fontAlgn="ctr"/>
+                      <a:r>
+                        <a:rPr lang="en-US">
+                          <a:effectLst/>
+                        </a:rPr>
+                        <a:t>-0.332735</a:t>
+                      </a:r>
+                    </a:p>
+                  </a:txBody>
+                  <a:tcPr anchor="ctr"/>
+                </a:tc>
+                <a:tc>
+                  <a:txBody>
+                    <a:bodyPr/>
+                    <a:lstStyle/>
+                    <a:p>
+                      <a:pPr algn="r" fontAlgn="ctr"/>
+                      <a:r>
+                        <a:rPr lang="en-US">
+                          <a:effectLst/>
+                        </a:rPr>
+                        <a:t>0.634518</a:t>
+                      </a:r>
+                    </a:p>
+                  </a:txBody>
+                  <a:tcPr anchor="ctr"/>
+                </a:tc>
+                <a:tc>
+                  <a:txBody>
+                    <a:bodyPr/>
+                    <a:lstStyle/>
+                    <a:p>
+                      <a:pPr algn="r" fontAlgn="ctr"/>
+                      <a:r>
+                        <a:rPr lang="en-US">
+                          <a:effectLst/>
+                        </a:rPr>
+                        <a:t>0.726256</a:t>
+                      </a:r>
+                    </a:p>
+                  </a:txBody>
+                  <a:tcPr anchor="ctr"/>
+                </a:tc>
+                <a:tc>
+                  <a:txBody>
+                    <a:bodyPr/>
+                    <a:lstStyle/>
+                    <a:p>
+                      <a:pPr algn="r" fontAlgn="ctr"/>
+                      <a:r>
+                        <a:rPr lang="en-US">
+                          <a:effectLst/>
+                        </a:rPr>
+                        <a:t>0.290559</a:t>
+                      </a:r>
+                    </a:p>
+                  </a:txBody>
+                  <a:tcPr anchor="ctr"/>
+                </a:tc>
+                <a:tc>
+                  <a:txBody>
+                    <a:bodyPr/>
+                    <a:lstStyle/>
+                    <a:p>
+                      <a:pPr algn="r" fontAlgn="ctr"/>
+                      <a:r>
+                        <a:rPr lang="en-US">
+                          <a:effectLst/>
+                        </a:rPr>
+                        <a:t>1.000000</a:t>
+                      </a:r>
+                    </a:p>
+                  </a:txBody>
+                  <a:tcPr anchor="ctr"/>
+                </a:tc>
+                <a:tc>
+                  <a:txBody>
+                    <a:bodyPr/>
+                    <a:lstStyle/>
+                    <a:p>
+                      <a:pPr algn="r" fontAlgn="ctr"/>
+                      <a:r>
+                        <a:rPr lang="en-US">
+                          <a:effectLst/>
+                        </a:rPr>
+                        <a:t>0.747964</a:t>
+                      </a:r>
+                    </a:p>
+                  </a:txBody>
+                  <a:tcPr anchor="ctr"/>
+                </a:tc>
+                <a:extLst>
+                  <a:ext uri="{0D108BD9-81ED-4DB2-BD59-A6C34878D82A}">
+                    <a16:rowId xmlns:a16="http://schemas.microsoft.com/office/drawing/2014/main" val="3424827125"/>
+                  </a:ext>
+                </a:extLst>
+              </a:tr>
+              <a:tr h="885825">
+                <a:tc>
+                  <a:txBody>
+                    <a:bodyPr/>
+                    <a:lstStyle/>
+                    <a:p>
+                      <a:pPr algn="r" fontAlgn="ctr"/>
+                      <a:r>
+                        <a:rPr lang="en-US" b="1">
+                          <a:effectLst/>
+                        </a:rPr>
+                        <a:t>Global_Sales</a:t>
+                      </a:r>
+                    </a:p>
+                  </a:txBody>
+                  <a:tcPr anchor="ctr"/>
+                </a:tc>
+                <a:tc>
+                  <a:txBody>
+                    <a:bodyPr/>
+                    <a:lstStyle/>
+                    <a:p>
+                      <a:pPr algn="r" fontAlgn="ctr"/>
+                      <a:r>
+                        <a:rPr lang="en-US">
+                          <a:effectLst/>
+                        </a:rPr>
+                        <a:t>-0.426975</a:t>
+                      </a:r>
+                    </a:p>
+                  </a:txBody>
+                  <a:tcPr anchor="ctr"/>
+                </a:tc>
+                <a:tc>
+                  <a:txBody>
+                    <a:bodyPr/>
+                    <a:lstStyle/>
+                    <a:p>
+                      <a:pPr algn="r" fontAlgn="ctr"/>
+                      <a:r>
+                        <a:rPr lang="en-US">
+                          <a:effectLst/>
+                        </a:rPr>
+                        <a:t>0.941269</a:t>
+                      </a:r>
+                    </a:p>
+                  </a:txBody>
+                  <a:tcPr anchor="ctr"/>
+                </a:tc>
+                <a:tc>
+                  <a:txBody>
+                    <a:bodyPr/>
+                    <a:lstStyle/>
+                    <a:p>
+                      <a:pPr algn="r" fontAlgn="ctr"/>
+                      <a:r>
+                        <a:rPr lang="en-US">
+                          <a:effectLst/>
+                        </a:rPr>
+                        <a:t>0.903264</a:t>
+                      </a:r>
+                    </a:p>
+                  </a:txBody>
+                  <a:tcPr anchor="ctr"/>
+                </a:tc>
+                <a:tc>
+                  <a:txBody>
+                    <a:bodyPr/>
+                    <a:lstStyle/>
+                    <a:p>
+                      <a:pPr algn="r" fontAlgn="ctr"/>
+                      <a:r>
+                        <a:rPr lang="en-US">
+                          <a:effectLst/>
+                        </a:rPr>
+                        <a:t>0.612774</a:t>
+                      </a:r>
+                    </a:p>
+                  </a:txBody>
+                  <a:tcPr anchor="ctr"/>
+                </a:tc>
+                <a:tc>
+                  <a:txBody>
+                    <a:bodyPr/>
+                    <a:lstStyle/>
+                    <a:p>
+                      <a:pPr algn="r" fontAlgn="ctr"/>
+                      <a:r>
+                        <a:rPr lang="en-US">
+                          <a:effectLst/>
+                        </a:rPr>
+                        <a:t>0.747964</a:t>
+                      </a:r>
+                    </a:p>
+                  </a:txBody>
+                  <a:tcPr anchor="ctr"/>
+                </a:tc>
+                <a:tc>
+                  <a:txBody>
+                    <a:bodyPr/>
+                    <a:lstStyle/>
+                    <a:p>
+                      <a:pPr algn="r" fontAlgn="ctr"/>
+                      <a:r>
+                        <a:rPr lang="en-US" dirty="0">
+                          <a:effectLst/>
+                        </a:rPr>
+                        <a:t>1.000000</a:t>
+                      </a:r>
+                    </a:p>
+                  </a:txBody>
+                  <a:tcPr anchor="ctr"/>
+                </a:tc>
+                <a:extLst>
+                  <a:ext uri="{0D108BD9-81ED-4DB2-BD59-A6C34878D82A}">
+                    <a16:rowId xmlns:a16="http://schemas.microsoft.com/office/drawing/2014/main" val="446772235"/>
+                  </a:ext>
+                </a:extLst>
+              </a:tr>
+            </a:tbl>
+          </a:graphicData>
+        </a:graphic>
+      </p:graphicFrame>
+    </p:spTree>
+    <p:extLst>
+      <p:ext uri="{BB962C8B-B14F-4D97-AF65-F5344CB8AC3E}">
+        <p14:creationId xmlns:p14="http://schemas.microsoft.com/office/powerpoint/2010/main" val="1386231857"/>
+      </p:ext>
+    </p:extLst>
+  </p:cSld>
+  <p:clrMapOvr>
+    <a:masterClrMapping/>
+  </p:clrMapOvr>
+</p:sld>
+</file>
+
+<file path=ppt/slides/slide13.xml><?xml version="1.0" encoding="utf-8"?>
 <p:sld xmlns:a="http://schemas.openxmlformats.org/drawingml/2006/main" xmlns:r="http://schemas.openxmlformats.org/officeDocument/2006/relationships" xmlns:p="http://schemas.openxmlformats.org/presentationml/2006/main">
   <p:cSld>
     <p:spTree>
@@ -7730,19 +9076,22 @@
         </p:nvSpPr>
         <p:spPr>
           <a:xfrm>
-            <a:off x="466497" y="-126905"/>
-            <a:ext cx="9404723" cy="1400530"/>
+            <a:off x="1393638" y="32408"/>
+            <a:ext cx="9404723" cy="441121"/>
           </a:xfrm>
         </p:spPr>
         <p:txBody>
           <a:bodyPr/>
           <a:lstStyle/>
           <a:p>
+            <a:pPr algn="ctr"/>
             <a:r>
               <a:rPr lang="en-US" b="1" dirty="0">
                 <a:solidFill>
                   <a:srgbClr val="FF0000"/>
                 </a:solidFill>
+                <a:latin typeface="Calibri" panose="020F0502020204030204" pitchFamily="34" charset="0"/>
+                <a:cs typeface="Calibri" panose="020F0502020204030204" pitchFamily="34" charset="0"/>
               </a:rPr>
               <a:t>Top 10 platforms that generate most sales</a:t>
             </a:r>
@@ -7764,14 +9113,14 @@
           <p:nvPr>
             <p:extLst>
               <p:ext uri="{D42A27DB-BD31-4B8C-83A1-F6EECF244321}">
-                <p14:modId xmlns:p14="http://schemas.microsoft.com/office/powerpoint/2010/main" val="1707261885"/>
+                <p14:modId xmlns:p14="http://schemas.microsoft.com/office/powerpoint/2010/main" val="1905813018"/>
               </p:ext>
             </p:extLst>
           </p:nvPr>
         </p:nvGraphicFramePr>
         <p:xfrm>
-          <a:off x="466497" y="1224639"/>
-          <a:ext cx="11143120" cy="5633361"/>
+          <a:off x="524440" y="1300682"/>
+          <a:ext cx="11143120" cy="5524910"/>
         </p:xfrm>
         <a:graphic>
           <a:graphicData uri="http://schemas.openxmlformats.org/drawingml/2006/table">
@@ -7823,7 +9172,7 @@
                   </a:extLst>
                 </a:gridCol>
               </a:tblGrid>
-              <a:tr h="1114291">
+              <a:tr h="836697">
                 <a:tc>
                   <a:txBody>
                     <a:bodyPr/>
@@ -7849,8 +9198,8 @@
                       <a:r>
                         <a:rPr lang="en-US" sz="2000" b="1" dirty="0">
                           <a:effectLst/>
-                          <a:latin typeface="Times New Roman" panose="02020603050405020304" pitchFamily="18" charset="0"/>
-                          <a:cs typeface="Times New Roman" panose="02020603050405020304" pitchFamily="18" charset="0"/>
+                          <a:latin typeface="Calibri Light" panose="020F0302020204030204" pitchFamily="34" charset="0"/>
+                          <a:cs typeface="Calibri Light" panose="020F0302020204030204" pitchFamily="34" charset="0"/>
                         </a:rPr>
                         <a:t>Platform</a:t>
                       </a:r>
@@ -7859,8 +9208,8 @@
                       <a:pPr algn="ctr" fontAlgn="ctr"/>
                       <a:endParaRPr lang="en-US" sz="2000" b="1" dirty="0">
                         <a:effectLst/>
-                        <a:latin typeface="Times New Roman" panose="02020603050405020304" pitchFamily="18" charset="0"/>
-                        <a:cs typeface="Times New Roman" panose="02020603050405020304" pitchFamily="18" charset="0"/>
+                        <a:latin typeface="Calibri Light" panose="020F0302020204030204" pitchFamily="34" charset="0"/>
+                        <a:cs typeface="Calibri Light" panose="020F0302020204030204" pitchFamily="34" charset="0"/>
                       </a:endParaRPr>
                     </a:p>
                   </a:txBody>
@@ -7889,25 +9238,20 @@
                         <a:defRPr/>
                       </a:pPr>
                       <a:r>
-                        <a:rPr lang="en-US" sz="2000" b="1" dirty="0" err="1">
-                          <a:effectLst/>
-                          <a:latin typeface="Times New Roman" panose="02020603050405020304" pitchFamily="18" charset="0"/>
-                          <a:cs typeface="Times New Roman" panose="02020603050405020304" pitchFamily="18" charset="0"/>
-                        </a:rPr>
-                        <a:t>NA_Sales</a:t>
-                      </a:r>
-                      <a:endParaRPr lang="en-US" sz="2000" b="1" dirty="0">
-                        <a:effectLst/>
-                        <a:latin typeface="Times New Roman" panose="02020603050405020304" pitchFamily="18" charset="0"/>
-                        <a:cs typeface="Times New Roman" panose="02020603050405020304" pitchFamily="18" charset="0"/>
-                      </a:endParaRPr>
+                        <a:rPr lang="en-US" sz="2000" b="1" dirty="0">
+                          <a:effectLst/>
+                          <a:latin typeface="Calibri Light" panose="020F0302020204030204" pitchFamily="34" charset="0"/>
+                          <a:cs typeface="Calibri Light" panose="020F0302020204030204" pitchFamily="34" charset="0"/>
+                        </a:rPr>
+                        <a:t>N.A Sales</a:t>
+                      </a:r>
                     </a:p>
                     <a:p>
                       <a:pPr algn="ctr" fontAlgn="ctr"/>
                       <a:endParaRPr lang="en-US" sz="2000" b="1" dirty="0">
                         <a:effectLst/>
-                        <a:latin typeface="Times New Roman" panose="02020603050405020304" pitchFamily="18" charset="0"/>
-                        <a:cs typeface="Times New Roman" panose="02020603050405020304" pitchFamily="18" charset="0"/>
+                        <a:latin typeface="Calibri Light" panose="020F0302020204030204" pitchFamily="34" charset="0"/>
+                        <a:cs typeface="Calibri Light" panose="020F0302020204030204" pitchFamily="34" charset="0"/>
                       </a:endParaRPr>
                     </a:p>
                   </a:txBody>
@@ -7936,25 +9280,20 @@
                         <a:defRPr/>
                       </a:pPr>
                       <a:r>
-                        <a:rPr lang="en-US" sz="2000" b="1" dirty="0" err="1">
-                          <a:effectLst/>
-                          <a:latin typeface="Times New Roman" panose="02020603050405020304" pitchFamily="18" charset="0"/>
-                          <a:cs typeface="Times New Roman" panose="02020603050405020304" pitchFamily="18" charset="0"/>
-                        </a:rPr>
-                        <a:t>EU_Sales</a:t>
-                      </a:r>
-                      <a:endParaRPr lang="en-US" sz="2000" b="1" dirty="0">
-                        <a:effectLst/>
-                        <a:latin typeface="Times New Roman" panose="02020603050405020304" pitchFamily="18" charset="0"/>
-                        <a:cs typeface="Times New Roman" panose="02020603050405020304" pitchFamily="18" charset="0"/>
-                      </a:endParaRPr>
+                        <a:rPr lang="en-US" sz="2000" b="1" dirty="0">
+                          <a:effectLst/>
+                          <a:latin typeface="Calibri Light" panose="020F0302020204030204" pitchFamily="34" charset="0"/>
+                          <a:cs typeface="Calibri Light" panose="020F0302020204030204" pitchFamily="34" charset="0"/>
+                        </a:rPr>
+                        <a:t>E.U Sales</a:t>
+                      </a:r>
                     </a:p>
                     <a:p>
                       <a:pPr algn="ctr" fontAlgn="ctr"/>
                       <a:endParaRPr lang="en-US" sz="2000" b="1" dirty="0">
                         <a:effectLst/>
-                        <a:latin typeface="Times New Roman" panose="02020603050405020304" pitchFamily="18" charset="0"/>
-                        <a:cs typeface="Times New Roman" panose="02020603050405020304" pitchFamily="18" charset="0"/>
+                        <a:latin typeface="Calibri Light" panose="020F0302020204030204" pitchFamily="34" charset="0"/>
+                        <a:cs typeface="Calibri Light" panose="020F0302020204030204" pitchFamily="34" charset="0"/>
                       </a:endParaRPr>
                     </a:p>
                   </a:txBody>
@@ -7983,25 +9322,20 @@
                         <a:defRPr/>
                       </a:pPr>
                       <a:r>
-                        <a:rPr lang="en-US" sz="2000" b="1" dirty="0" err="1">
-                          <a:effectLst/>
-                          <a:latin typeface="Times New Roman" panose="02020603050405020304" pitchFamily="18" charset="0"/>
-                          <a:cs typeface="Times New Roman" panose="02020603050405020304" pitchFamily="18" charset="0"/>
-                        </a:rPr>
-                        <a:t>JP_Sales</a:t>
-                      </a:r>
-                      <a:endParaRPr lang="en-US" sz="2000" b="1" dirty="0">
-                        <a:effectLst/>
-                        <a:latin typeface="Times New Roman" panose="02020603050405020304" pitchFamily="18" charset="0"/>
-                        <a:cs typeface="Times New Roman" panose="02020603050405020304" pitchFamily="18" charset="0"/>
-                      </a:endParaRPr>
+                        <a:rPr lang="en-US" sz="2000" b="1" dirty="0">
+                          <a:effectLst/>
+                          <a:latin typeface="Calibri Light" panose="020F0302020204030204" pitchFamily="34" charset="0"/>
+                          <a:cs typeface="Calibri Light" panose="020F0302020204030204" pitchFamily="34" charset="0"/>
+                        </a:rPr>
+                        <a:t>J.P Sales</a:t>
+                      </a:r>
                     </a:p>
                     <a:p>
                       <a:pPr algn="ctr" fontAlgn="ctr"/>
                       <a:endParaRPr lang="en-US" sz="2000" b="1" dirty="0">
                         <a:effectLst/>
-                        <a:latin typeface="Times New Roman" panose="02020603050405020304" pitchFamily="18" charset="0"/>
-                        <a:cs typeface="Times New Roman" panose="02020603050405020304" pitchFamily="18" charset="0"/>
+                        <a:latin typeface="Calibri Light" panose="020F0302020204030204" pitchFamily="34" charset="0"/>
+                        <a:cs typeface="Calibri Light" panose="020F0302020204030204" pitchFamily="34" charset="0"/>
                       </a:endParaRPr>
                     </a:p>
                   </a:txBody>
@@ -8030,25 +9364,20 @@
                         <a:defRPr/>
                       </a:pPr>
                       <a:r>
-                        <a:rPr lang="en-US" sz="2000" b="1" dirty="0" err="1">
-                          <a:effectLst/>
-                          <a:latin typeface="Times New Roman" panose="02020603050405020304" pitchFamily="18" charset="0"/>
-                          <a:cs typeface="Times New Roman" panose="02020603050405020304" pitchFamily="18" charset="0"/>
-                        </a:rPr>
-                        <a:t>Other_Sales</a:t>
-                      </a:r>
-                      <a:endParaRPr lang="en-US" sz="2000" b="1" dirty="0">
-                        <a:effectLst/>
-                        <a:latin typeface="Times New Roman" panose="02020603050405020304" pitchFamily="18" charset="0"/>
-                        <a:cs typeface="Times New Roman" panose="02020603050405020304" pitchFamily="18" charset="0"/>
-                      </a:endParaRPr>
+                        <a:rPr lang="en-US" sz="2000" b="1" dirty="0">
+                          <a:effectLst/>
+                          <a:latin typeface="Calibri Light" panose="020F0302020204030204" pitchFamily="34" charset="0"/>
+                          <a:cs typeface="Calibri Light" panose="020F0302020204030204" pitchFamily="34" charset="0"/>
+                        </a:rPr>
+                        <a:t>Other Sales</a:t>
+                      </a:r>
                     </a:p>
                     <a:p>
                       <a:pPr algn="ctr" fontAlgn="ctr"/>
                       <a:endParaRPr lang="en-US" sz="2000" b="1" dirty="0">
                         <a:effectLst/>
-                        <a:latin typeface="Times New Roman" panose="02020603050405020304" pitchFamily="18" charset="0"/>
-                        <a:cs typeface="Times New Roman" panose="02020603050405020304" pitchFamily="18" charset="0"/>
+                        <a:latin typeface="Calibri Light" panose="020F0302020204030204" pitchFamily="34" charset="0"/>
+                        <a:cs typeface="Calibri Light" panose="020F0302020204030204" pitchFamily="34" charset="0"/>
                       </a:endParaRPr>
                     </a:p>
                   </a:txBody>
@@ -8078,8 +9407,8 @@
                       </a:pPr>
                       <a:endParaRPr lang="en-US" sz="2000" b="1" dirty="0">
                         <a:effectLst/>
-                        <a:latin typeface="Times New Roman" panose="02020603050405020304" pitchFamily="18" charset="0"/>
-                        <a:cs typeface="Times New Roman" panose="02020603050405020304" pitchFamily="18" charset="0"/>
+                        <a:latin typeface="Calibri Light" panose="020F0302020204030204" pitchFamily="34" charset="0"/>
+                        <a:cs typeface="Calibri Light" panose="020F0302020204030204" pitchFamily="34" charset="0"/>
                       </a:endParaRPr>
                     </a:p>
                     <a:p>
@@ -8101,24 +9430,19 @@
                         <a:defRPr/>
                       </a:pPr>
                       <a:r>
-                        <a:rPr lang="en-US" sz="2000" b="1" dirty="0" err="1">
-                          <a:effectLst/>
-                          <a:latin typeface="Times New Roman" panose="02020603050405020304" pitchFamily="18" charset="0"/>
-                          <a:cs typeface="Times New Roman" panose="02020603050405020304" pitchFamily="18" charset="0"/>
-                        </a:rPr>
-                        <a:t>Global_Sales</a:t>
-                      </a:r>
-                      <a:endParaRPr lang="en-US" sz="2000" b="1" dirty="0">
-                        <a:effectLst/>
-                        <a:latin typeface="Times New Roman" panose="02020603050405020304" pitchFamily="18" charset="0"/>
-                        <a:cs typeface="Times New Roman" panose="02020603050405020304" pitchFamily="18" charset="0"/>
-                      </a:endParaRPr>
+                        <a:rPr lang="en-US" sz="2000" b="1" dirty="0">
+                          <a:effectLst/>
+                          <a:latin typeface="Calibri Light" panose="020F0302020204030204" pitchFamily="34" charset="0"/>
+                          <a:cs typeface="Calibri Light" panose="020F0302020204030204" pitchFamily="34" charset="0"/>
+                        </a:rPr>
+                        <a:t>Global Sales</a:t>
+                      </a:r>
                     </a:p>
                     <a:p>
                       <a:pPr algn="ctr"/>
                       <a:endParaRPr lang="en-US" sz="2000" dirty="0">
-                        <a:latin typeface="Times New Roman" panose="02020603050405020304" pitchFamily="18" charset="0"/>
-                        <a:cs typeface="Times New Roman" panose="02020603050405020304" pitchFamily="18" charset="0"/>
+                        <a:latin typeface="Calibri Light" panose="020F0302020204030204" pitchFamily="34" charset="0"/>
+                        <a:cs typeface="Calibri Light" panose="020F0302020204030204" pitchFamily="34" charset="0"/>
                       </a:endParaRPr>
                     </a:p>
                   </a:txBody>
@@ -8156,7 +9480,7 @@
                     <a:p>
                       <a:pPr algn="r" fontAlgn="ctr"/>
                       <a:r>
-                        <a:rPr lang="en-US" sz="2000">
+                        <a:rPr lang="en-US" sz="2000" dirty="0">
                           <a:effectLst/>
                           <a:latin typeface="Times New Roman" panose="02020603050405020304" pitchFamily="18" charset="0"/>
                           <a:cs typeface="Times New Roman" panose="02020603050405020304" pitchFamily="18" charset="0"/>
@@ -9284,6 +10608,35 @@
           </a:graphicData>
         </a:graphic>
       </p:graphicFrame>
+      <p:sp>
+        <p:nvSpPr>
+          <p:cNvPr id="4" name="Slide Number Placeholder 3">
+            <a:extLst>
+              <a:ext uri="{FF2B5EF4-FFF2-40B4-BE49-F238E27FC236}">
+                <a16:creationId xmlns:a16="http://schemas.microsoft.com/office/drawing/2014/main" id="{B6BC5EB4-A4DA-8A63-2D91-977F9A4CD52F}"/>
+              </a:ext>
+            </a:extLst>
+          </p:cNvPr>
+          <p:cNvSpPr>
+            <a:spLocks noGrp="1"/>
+          </p:cNvSpPr>
+          <p:nvPr>
+            <p:ph type="sldNum" sz="quarter" idx="12"/>
+          </p:nvPr>
+        </p:nvSpPr>
+        <p:spPr/>
+        <p:txBody>
+          <a:bodyPr/>
+          <a:lstStyle/>
+          <a:p>
+            <a:fld id="{00000000-1234-1234-1234-123412341234}" type="slidenum">
+              <a:rPr lang="nl-NL" smtClean="0"/>
+              <a:t>13</a:t>
+            </a:fld>
+            <a:endParaRPr lang="nl-NL" dirty="0"/>
+          </a:p>
+        </p:txBody>
+      </p:sp>
     </p:spTree>
     <p:extLst>
       <p:ext uri="{BB962C8B-B14F-4D97-AF65-F5344CB8AC3E}">
@@ -9297,7 +10650,7 @@
 </p:sld>
 </file>
 
-<file path=ppt/slides/slide12.xml><?xml version="1.0" encoding="utf-8"?>
+<file path=ppt/slides/slide14.xml><?xml version="1.0" encoding="utf-8"?>
 <p:sld xmlns:a="http://schemas.openxmlformats.org/drawingml/2006/main" xmlns:r="http://schemas.openxmlformats.org/officeDocument/2006/relationships" xmlns:p="http://schemas.openxmlformats.org/presentationml/2006/main">
   <p:cSld>
     <p:spTree>
@@ -9332,21 +10685,22 @@
         </p:nvSpPr>
         <p:spPr>
           <a:xfrm>
-            <a:off x="156255" y="0"/>
-            <a:ext cx="9404723" cy="1400530"/>
+            <a:off x="2346932" y="0"/>
+            <a:ext cx="7421935" cy="1104801"/>
           </a:xfrm>
         </p:spPr>
         <p:txBody>
           <a:bodyPr/>
           <a:lstStyle/>
           <a:p>
+            <a:pPr algn="ctr"/>
             <a:r>
-              <a:rPr lang="en-US" sz="4400" dirty="0">
+              <a:rPr lang="en-US" sz="4400" b="1" dirty="0">
                 <a:solidFill>
                   <a:srgbClr val="FF0000"/>
                 </a:solidFill>
-                <a:latin typeface="Times New Roman" panose="02020603050405020304" pitchFamily="18" charset="0"/>
-                <a:cs typeface="Times New Roman" panose="02020603050405020304" pitchFamily="18" charset="0"/>
+                <a:latin typeface="Calibri" panose="020F0502020204030204" pitchFamily="34" charset="0"/>
+                <a:cs typeface="Calibri" panose="020F0502020204030204" pitchFamily="34" charset="0"/>
               </a:rPr>
               <a:t>Platform that publishers publish most games</a:t>
             </a:r>
@@ -9368,14 +10722,14 @@
           <p:nvPr>
             <p:extLst>
               <p:ext uri="{D42A27DB-BD31-4B8C-83A1-F6EECF244321}">
-                <p14:modId xmlns:p14="http://schemas.microsoft.com/office/powerpoint/2010/main" val="2268888158"/>
+                <p14:modId xmlns:p14="http://schemas.microsoft.com/office/powerpoint/2010/main" val="3636775102"/>
               </p:ext>
             </p:extLst>
           </p:nvPr>
         </p:nvGraphicFramePr>
         <p:xfrm>
-          <a:off x="1975756" y="1028700"/>
-          <a:ext cx="9404724" cy="5829303"/>
+          <a:off x="408214" y="1400529"/>
+          <a:ext cx="11299372" cy="5524148"/>
         </p:xfrm>
         <a:graphic>
           <a:graphicData uri="http://schemas.openxmlformats.org/drawingml/2006/table">
@@ -9384,14 +10738,14 @@
                 <a:tableStyleId>{7E9639D4-E3E2-4D34-9284-5A2195B3D0D7}</a:tableStyleId>
               </a:tblPr>
               <a:tblGrid>
-                <a:gridCol w="4702362">
+                <a:gridCol w="5649686">
                   <a:extLst>
                     <a:ext uri="{9D8B030D-6E8A-4147-A177-3AD203B41FA5}">
                       <a16:colId xmlns:a16="http://schemas.microsoft.com/office/drawing/2014/main" val="3324078212"/>
                     </a:ext>
                   </a:extLst>
                 </a:gridCol>
-                <a:gridCol w="4702362">
+                <a:gridCol w="5649686">
                   <a:extLst>
                     <a:ext uri="{9D8B030D-6E8A-4147-A177-3AD203B41FA5}">
                       <a16:colId xmlns:a16="http://schemas.microsoft.com/office/drawing/2014/main" val="3947628384"/>
@@ -9399,7 +10753,7 @@
                   </a:extLst>
                 </a:gridCol>
               </a:tblGrid>
-              <a:tr h="634914">
+              <a:tr h="586388">
                 <a:tc>
                   <a:txBody>
                     <a:bodyPr/>
@@ -9442,7 +10796,7 @@
                   </a:ext>
                 </a:extLst>
               </a:tr>
-              <a:tr h="480962">
+              <a:tr h="451026">
                 <a:tc>
                   <a:txBody>
                     <a:bodyPr/>
@@ -9485,7 +10839,7 @@
                   </a:ext>
                 </a:extLst>
               </a:tr>
-              <a:tr h="480962">
+              <a:tr h="451026">
                 <a:tc>
                   <a:txBody>
                     <a:bodyPr/>
@@ -9528,7 +10882,7 @@
                   </a:ext>
                 </a:extLst>
               </a:tr>
-              <a:tr h="480962">
+              <a:tr h="451026">
                 <a:tc>
                   <a:txBody>
                     <a:bodyPr/>
@@ -9571,7 +10925,7 @@
                   </a:ext>
                 </a:extLst>
               </a:tr>
-              <a:tr h="480962">
+              <a:tr h="451026">
                 <a:tc>
                   <a:txBody>
                     <a:bodyPr/>
@@ -9614,7 +10968,7 @@
                   </a:ext>
                 </a:extLst>
               </a:tr>
-              <a:tr h="480962">
+              <a:tr h="451026">
                 <a:tc>
                   <a:txBody>
                     <a:bodyPr/>
@@ -9657,7 +11011,7 @@
                   </a:ext>
                 </a:extLst>
               </a:tr>
-              <a:tr h="480962">
+              <a:tr h="451026">
                 <a:tc>
                   <a:txBody>
                     <a:bodyPr/>
@@ -9700,7 +11054,7 @@
                   </a:ext>
                 </a:extLst>
               </a:tr>
-              <a:tr h="480962">
+              <a:tr h="451026">
                 <a:tc>
                   <a:txBody>
                     <a:bodyPr/>
@@ -9743,7 +11097,7 @@
                   </a:ext>
                 </a:extLst>
               </a:tr>
-              <a:tr h="480962">
+              <a:tr h="451026">
                 <a:tc>
                   <a:txBody>
                     <a:bodyPr/>
@@ -9786,7 +11140,7 @@
                   </a:ext>
                 </a:extLst>
               </a:tr>
-              <a:tr h="480962">
+              <a:tr h="451026">
                 <a:tc>
                   <a:txBody>
                     <a:bodyPr/>
@@ -9829,7 +11183,7 @@
                   </a:ext>
                 </a:extLst>
               </a:tr>
-              <a:tr h="865731">
+              <a:tr h="811847">
                 <a:tc>
                   <a:txBody>
                     <a:bodyPr/>
@@ -9895,6 +11249,35 @@
           </a:graphicData>
         </a:graphic>
       </p:graphicFrame>
+      <p:sp>
+        <p:nvSpPr>
+          <p:cNvPr id="5" name="Slide Number Placeholder 4">
+            <a:extLst>
+              <a:ext uri="{FF2B5EF4-FFF2-40B4-BE49-F238E27FC236}">
+                <a16:creationId xmlns:a16="http://schemas.microsoft.com/office/drawing/2014/main" id="{910F6B33-06B9-B5A4-AF81-0860BB4913F1}"/>
+              </a:ext>
+            </a:extLst>
+          </p:cNvPr>
+          <p:cNvSpPr>
+            <a:spLocks noGrp="1"/>
+          </p:cNvSpPr>
+          <p:nvPr>
+            <p:ph type="sldNum" sz="quarter" idx="12"/>
+          </p:nvPr>
+        </p:nvSpPr>
+        <p:spPr/>
+        <p:txBody>
+          <a:bodyPr/>
+          <a:lstStyle/>
+          <a:p>
+            <a:fld id="{00000000-1234-1234-1234-123412341234}" type="slidenum">
+              <a:rPr lang="nl-NL" smtClean="0"/>
+              <a:t>14</a:t>
+            </a:fld>
+            <a:endParaRPr lang="nl-NL" dirty="0"/>
+          </a:p>
+        </p:txBody>
+      </p:sp>
     </p:spTree>
     <p:extLst>
       <p:ext uri="{BB962C8B-B14F-4D97-AF65-F5344CB8AC3E}">
@@ -9908,7 +11291,7 @@
 </p:sld>
 </file>
 
-<file path=ppt/slides/slide13.xml><?xml version="1.0" encoding="utf-8"?>
+<file path=ppt/slides/slide15.xml><?xml version="1.0" encoding="utf-8"?>
 <p:sld xmlns:a="http://schemas.openxmlformats.org/drawingml/2006/main" xmlns:r="http://schemas.openxmlformats.org/officeDocument/2006/relationships" xmlns:p="http://schemas.openxmlformats.org/presentationml/2006/main">
   <p:cSld>
     <p:spTree>
@@ -9943,8 +11326,8 @@
         </p:nvSpPr>
         <p:spPr>
           <a:xfrm>
-            <a:off x="189271" y="0"/>
-            <a:ext cx="9404723" cy="1400530"/>
+            <a:off x="1393638" y="-87342"/>
+            <a:ext cx="9404723" cy="766914"/>
           </a:xfrm>
         </p:spPr>
         <p:txBody>
@@ -9952,12 +11335,12 @@
           <a:lstStyle/>
           <a:p>
             <a:r>
-              <a:rPr lang="en-US" sz="4400" dirty="0">
+              <a:rPr lang="en-US" sz="4400" b="1" dirty="0">
                 <a:solidFill>
                   <a:srgbClr val="FF0000"/>
                 </a:solidFill>
-                <a:latin typeface="Times New Roman" panose="02020603050405020304" pitchFamily="18" charset="0"/>
-                <a:cs typeface="Times New Roman" panose="02020603050405020304" pitchFamily="18" charset="0"/>
+                <a:latin typeface="Calibri" panose="020F0502020204030204" pitchFamily="34" charset="0"/>
+                <a:cs typeface="Calibri" panose="020F0502020204030204" pitchFamily="34" charset="0"/>
               </a:rPr>
               <a:t>Top 10 publishers in terms of sales</a:t>
             </a:r>
@@ -9979,7 +11362,7 @@
           <p:nvPr>
             <p:extLst>
               <p:ext uri="{D42A27DB-BD31-4B8C-83A1-F6EECF244321}">
-                <p14:modId xmlns:p14="http://schemas.microsoft.com/office/powerpoint/2010/main" val="1214537505"/>
+                <p14:modId xmlns:p14="http://schemas.microsoft.com/office/powerpoint/2010/main" val="191095688"/>
               </p:ext>
             </p:extLst>
           </p:nvPr>
@@ -10064,6 +11447,8 @@
                       <a:r>
                         <a:rPr lang="en-US" sz="2000" b="1" dirty="0">
                           <a:effectLst/>
+                          <a:latin typeface="Calibri Light" panose="020F0302020204030204" pitchFamily="34" charset="0"/>
+                          <a:cs typeface="Calibri Light" panose="020F0302020204030204" pitchFamily="34" charset="0"/>
                         </a:rPr>
                         <a:t>Publisher</a:t>
                       </a:r>
@@ -10072,8 +11457,8 @@
                       <a:pPr algn="ctr" fontAlgn="ctr"/>
                       <a:endParaRPr lang="en-US" sz="2000" b="1" dirty="0">
                         <a:effectLst/>
-                        <a:latin typeface="Times New Roman" panose="02020603050405020304" pitchFamily="18" charset="0"/>
-                        <a:cs typeface="Times New Roman" panose="02020603050405020304" pitchFamily="18" charset="0"/>
+                        <a:latin typeface="Calibri Light" panose="020F0302020204030204" pitchFamily="34" charset="0"/>
+                        <a:cs typeface="Calibri Light" panose="020F0302020204030204" pitchFamily="34" charset="0"/>
                       </a:endParaRPr>
                     </a:p>
                   </a:txBody>
@@ -10102,21 +11487,20 @@
                         <a:defRPr/>
                       </a:pPr>
                       <a:r>
-                        <a:rPr lang="en-US" sz="2000" b="1" dirty="0" err="1">
-                          <a:effectLst/>
-                        </a:rPr>
-                        <a:t>NA_Sales</a:t>
-                      </a:r>
-                      <a:endParaRPr lang="en-US" sz="2000" b="1" dirty="0">
-                        <a:effectLst/>
-                      </a:endParaRPr>
+                        <a:rPr lang="en-US" sz="2000" b="1" dirty="0">
+                          <a:effectLst/>
+                          <a:latin typeface="Calibri Light" panose="020F0302020204030204" pitchFamily="34" charset="0"/>
+                          <a:cs typeface="Calibri Light" panose="020F0302020204030204" pitchFamily="34" charset="0"/>
+                        </a:rPr>
+                        <a:t>NA Sales</a:t>
+                      </a:r>
                     </a:p>
                     <a:p>
                       <a:pPr algn="ctr" fontAlgn="ctr"/>
                       <a:endParaRPr lang="en-US" sz="2000" b="1" dirty="0">
                         <a:effectLst/>
-                        <a:latin typeface="Times New Roman" panose="02020603050405020304" pitchFamily="18" charset="0"/>
-                        <a:cs typeface="Times New Roman" panose="02020603050405020304" pitchFamily="18" charset="0"/>
+                        <a:latin typeface="Calibri Light" panose="020F0302020204030204" pitchFamily="34" charset="0"/>
+                        <a:cs typeface="Calibri Light" panose="020F0302020204030204" pitchFamily="34" charset="0"/>
                       </a:endParaRPr>
                     </a:p>
                   </a:txBody>
@@ -10145,21 +11529,20 @@
                         <a:defRPr/>
                       </a:pPr>
                       <a:r>
-                        <a:rPr lang="en-US" sz="2000" b="1" dirty="0" err="1">
-                          <a:effectLst/>
-                        </a:rPr>
-                        <a:t>EU_Sales</a:t>
-                      </a:r>
-                      <a:endParaRPr lang="en-US" sz="2000" b="1" dirty="0">
-                        <a:effectLst/>
-                      </a:endParaRPr>
+                        <a:rPr lang="en-US" sz="2000" b="1" dirty="0">
+                          <a:effectLst/>
+                          <a:latin typeface="Calibri Light" panose="020F0302020204030204" pitchFamily="34" charset="0"/>
+                          <a:cs typeface="Calibri Light" panose="020F0302020204030204" pitchFamily="34" charset="0"/>
+                        </a:rPr>
+                        <a:t>EU Sales</a:t>
+                      </a:r>
                     </a:p>
                     <a:p>
                       <a:pPr algn="ctr" fontAlgn="ctr"/>
                       <a:endParaRPr lang="en-US" sz="2000" b="1" dirty="0">
                         <a:effectLst/>
-                        <a:latin typeface="Times New Roman" panose="02020603050405020304" pitchFamily="18" charset="0"/>
-                        <a:cs typeface="Times New Roman" panose="02020603050405020304" pitchFamily="18" charset="0"/>
+                        <a:latin typeface="Calibri Light" panose="020F0302020204030204" pitchFamily="34" charset="0"/>
+                        <a:cs typeface="Calibri Light" panose="020F0302020204030204" pitchFamily="34" charset="0"/>
                       </a:endParaRPr>
                     </a:p>
                   </a:txBody>
@@ -10188,21 +11571,20 @@
                         <a:defRPr/>
                       </a:pPr>
                       <a:r>
-                        <a:rPr lang="en-US" sz="2000" b="1" dirty="0" err="1">
-                          <a:effectLst/>
-                        </a:rPr>
-                        <a:t>JP_Sales</a:t>
-                      </a:r>
-                      <a:endParaRPr lang="en-US" sz="2000" b="1" dirty="0">
-                        <a:effectLst/>
-                      </a:endParaRPr>
+                        <a:rPr lang="en-US" sz="2000" b="1" dirty="0">
+                          <a:effectLst/>
+                          <a:latin typeface="Calibri Light" panose="020F0302020204030204" pitchFamily="34" charset="0"/>
+                          <a:cs typeface="Calibri Light" panose="020F0302020204030204" pitchFamily="34" charset="0"/>
+                        </a:rPr>
+                        <a:t>JP Sales</a:t>
+                      </a:r>
                     </a:p>
                     <a:p>
                       <a:pPr algn="ctr" fontAlgn="ctr"/>
                       <a:endParaRPr lang="en-US" sz="2000" b="1" dirty="0">
                         <a:effectLst/>
-                        <a:latin typeface="Times New Roman" panose="02020603050405020304" pitchFamily="18" charset="0"/>
-                        <a:cs typeface="Times New Roman" panose="02020603050405020304" pitchFamily="18" charset="0"/>
+                        <a:latin typeface="Calibri Light" panose="020F0302020204030204" pitchFamily="34" charset="0"/>
+                        <a:cs typeface="Calibri Light" panose="020F0302020204030204" pitchFamily="34" charset="0"/>
                       </a:endParaRPr>
                     </a:p>
                   </a:txBody>
@@ -10231,21 +11613,20 @@
                         <a:defRPr/>
                       </a:pPr>
                       <a:r>
-                        <a:rPr lang="en-US" sz="2000" b="1" dirty="0" err="1">
-                          <a:effectLst/>
-                        </a:rPr>
-                        <a:t>Other_Sales</a:t>
-                      </a:r>
-                      <a:endParaRPr lang="en-US" sz="2000" b="1" dirty="0">
-                        <a:effectLst/>
-                      </a:endParaRPr>
+                        <a:rPr lang="en-US" sz="2000" b="1" dirty="0">
+                          <a:effectLst/>
+                          <a:latin typeface="Calibri Light" panose="020F0302020204030204" pitchFamily="34" charset="0"/>
+                          <a:cs typeface="Calibri Light" panose="020F0302020204030204" pitchFamily="34" charset="0"/>
+                        </a:rPr>
+                        <a:t>Other Sales</a:t>
+                      </a:r>
                     </a:p>
                     <a:p>
                       <a:pPr algn="ctr" fontAlgn="ctr"/>
                       <a:endParaRPr lang="en-US" sz="2000" b="1" dirty="0">
                         <a:effectLst/>
-                        <a:latin typeface="Times New Roman" panose="02020603050405020304" pitchFamily="18" charset="0"/>
-                        <a:cs typeface="Times New Roman" panose="02020603050405020304" pitchFamily="18" charset="0"/>
+                        <a:latin typeface="Calibri Light" panose="020F0302020204030204" pitchFamily="34" charset="0"/>
+                        <a:cs typeface="Calibri Light" panose="020F0302020204030204" pitchFamily="34" charset="0"/>
                       </a:endParaRPr>
                     </a:p>
                   </a:txBody>
@@ -10276,6 +11657,8 @@
                       <a:r>
                         <a:rPr lang="en-US" sz="2000" b="1" dirty="0">
                           <a:effectLst/>
+                          <a:latin typeface="Calibri Light" panose="020F0302020204030204" pitchFamily="34" charset="0"/>
+                          <a:cs typeface="Calibri Light" panose="020F0302020204030204" pitchFamily="34" charset="0"/>
                         </a:rPr>
                         <a:t>    </a:t>
                       </a:r>
@@ -10299,20 +11682,19 @@
                         <a:defRPr/>
                       </a:pPr>
                       <a:r>
-                        <a:rPr lang="en-US" sz="2000" b="1" dirty="0" err="1">
-                          <a:effectLst/>
-                        </a:rPr>
-                        <a:t>Global_Sales</a:t>
-                      </a:r>
-                      <a:endParaRPr lang="en-US" sz="2000" b="1" dirty="0">
-                        <a:effectLst/>
-                      </a:endParaRPr>
+                        <a:rPr lang="en-US" sz="2000" b="1" dirty="0">
+                          <a:effectLst/>
+                          <a:latin typeface="Calibri Light" panose="020F0302020204030204" pitchFamily="34" charset="0"/>
+                          <a:cs typeface="Calibri Light" panose="020F0302020204030204" pitchFamily="34" charset="0"/>
+                        </a:rPr>
+                        <a:t>Global Sales</a:t>
+                      </a:r>
                     </a:p>
                     <a:p>
                       <a:pPr algn="ctr"/>
                       <a:endParaRPr lang="en-US" sz="2000" dirty="0">
-                        <a:latin typeface="Times New Roman" panose="02020603050405020304" pitchFamily="18" charset="0"/>
-                        <a:cs typeface="Times New Roman" panose="02020603050405020304" pitchFamily="18" charset="0"/>
+                        <a:latin typeface="Calibri Light" panose="020F0302020204030204" pitchFamily="34" charset="0"/>
+                        <a:cs typeface="Calibri Light" panose="020F0302020204030204" pitchFamily="34" charset="0"/>
                       </a:endParaRPr>
                     </a:p>
                   </a:txBody>
@@ -11658,6 +13040,35 @@
           </a:graphicData>
         </a:graphic>
       </p:graphicFrame>
+      <p:sp>
+        <p:nvSpPr>
+          <p:cNvPr id="5" name="Slide Number Placeholder 4">
+            <a:extLst>
+              <a:ext uri="{FF2B5EF4-FFF2-40B4-BE49-F238E27FC236}">
+                <a16:creationId xmlns:a16="http://schemas.microsoft.com/office/drawing/2014/main" id="{B5E1BD04-8791-CF21-A2CE-E9969B754820}"/>
+              </a:ext>
+            </a:extLst>
+          </p:cNvPr>
+          <p:cNvSpPr>
+            <a:spLocks noGrp="1"/>
+          </p:cNvSpPr>
+          <p:nvPr>
+            <p:ph type="sldNum" sz="quarter" idx="12"/>
+          </p:nvPr>
+        </p:nvSpPr>
+        <p:spPr/>
+        <p:txBody>
+          <a:bodyPr/>
+          <a:lstStyle/>
+          <a:p>
+            <a:fld id="{00000000-1234-1234-1234-123412341234}" type="slidenum">
+              <a:rPr lang="nl-NL" smtClean="0"/>
+              <a:t>15</a:t>
+            </a:fld>
+            <a:endParaRPr lang="nl-NL" dirty="0"/>
+          </a:p>
+        </p:txBody>
+      </p:sp>
     </p:spTree>
     <p:extLst>
       <p:ext uri="{BB962C8B-B14F-4D97-AF65-F5344CB8AC3E}">
@@ -11671,7 +13082,7 @@
 </p:sld>
 </file>
 
-<file path=ppt/slides/slide14.xml><?xml version="1.0" encoding="utf-8"?>
+<file path=ppt/slides/slide16.xml><?xml version="1.0" encoding="utf-8"?>
 <p:sld xmlns:a="http://schemas.openxmlformats.org/drawingml/2006/main" xmlns:r="http://schemas.openxmlformats.org/officeDocument/2006/relationships" xmlns:p="http://schemas.openxmlformats.org/presentationml/2006/main">
   <p:cSld>
     <p:spTree>
@@ -11706,21 +13117,22 @@
         </p:nvSpPr>
         <p:spPr>
           <a:xfrm>
-            <a:off x="319539" y="0"/>
-            <a:ext cx="9404723" cy="967868"/>
+            <a:off x="2095500" y="75415"/>
+            <a:ext cx="8001000" cy="604157"/>
           </a:xfrm>
         </p:spPr>
         <p:txBody>
           <a:bodyPr/>
           <a:lstStyle/>
           <a:p>
+            <a:pPr algn="ctr"/>
             <a:r>
-              <a:rPr lang="en-US" sz="4400" dirty="0">
+              <a:rPr lang="en-US" sz="4400" b="1" dirty="0">
                 <a:solidFill>
                   <a:srgbClr val="FF0000"/>
                 </a:solidFill>
-                <a:latin typeface="Times New Roman" panose="02020603050405020304" pitchFamily="18" charset="0"/>
-                <a:cs typeface="Times New Roman" panose="02020603050405020304" pitchFamily="18" charset="0"/>
+                <a:latin typeface="Calibri" panose="020F0502020204030204" pitchFamily="34" charset="0"/>
+                <a:cs typeface="Calibri" panose="020F0502020204030204" pitchFamily="34" charset="0"/>
               </a:rPr>
               <a:t>Top 10 most published game</a:t>
             </a:r>
@@ -11755,14 +13167,43 @@
         </p:blipFill>
         <p:spPr>
           <a:xfrm>
-            <a:off x="2246368" y="669471"/>
-            <a:ext cx="9404723" cy="5992585"/>
+            <a:off x="783771" y="1240973"/>
+            <a:ext cx="10662557" cy="5617027"/>
           </a:xfrm>
           <a:prstGeom prst="rect">
             <a:avLst/>
           </a:prstGeom>
         </p:spPr>
       </p:pic>
+      <p:sp>
+        <p:nvSpPr>
+          <p:cNvPr id="5" name="Slide Number Placeholder 4">
+            <a:extLst>
+              <a:ext uri="{FF2B5EF4-FFF2-40B4-BE49-F238E27FC236}">
+                <a16:creationId xmlns:a16="http://schemas.microsoft.com/office/drawing/2014/main" id="{E1DF7D2F-25B6-CDD1-D215-E83228B8D2CE}"/>
+              </a:ext>
+            </a:extLst>
+          </p:cNvPr>
+          <p:cNvSpPr>
+            <a:spLocks noGrp="1"/>
+          </p:cNvSpPr>
+          <p:nvPr>
+            <p:ph type="sldNum" sz="quarter" idx="12"/>
+          </p:nvPr>
+        </p:nvSpPr>
+        <p:spPr/>
+        <p:txBody>
+          <a:bodyPr/>
+          <a:lstStyle/>
+          <a:p>
+            <a:fld id="{00000000-1234-1234-1234-123412341234}" type="slidenum">
+              <a:rPr lang="nl-NL" smtClean="0"/>
+              <a:t>16</a:t>
+            </a:fld>
+            <a:endParaRPr lang="nl-NL" dirty="0"/>
+          </a:p>
+        </p:txBody>
+      </p:sp>
     </p:spTree>
     <p:extLst>
       <p:ext uri="{BB962C8B-B14F-4D97-AF65-F5344CB8AC3E}">
@@ -11776,7 +13217,7 @@
 </p:sld>
 </file>
 
-<file path=ppt/slides/slide15.xml><?xml version="1.0" encoding="utf-8"?>
+<file path=ppt/slides/slide17.xml><?xml version="1.0" encoding="utf-8"?>
 <p:sld xmlns:a="http://schemas.openxmlformats.org/drawingml/2006/main" xmlns:r="http://schemas.openxmlformats.org/officeDocument/2006/relationships" xmlns:p="http://schemas.openxmlformats.org/presentationml/2006/main">
   <p:cSld>
     <p:spTree>
@@ -11811,21 +13252,22 @@
         </p:nvSpPr>
         <p:spPr>
           <a:xfrm>
-            <a:off x="139926" y="0"/>
-            <a:ext cx="9404723" cy="984196"/>
+            <a:off x="1709797" y="-71542"/>
+            <a:ext cx="8444249" cy="751114"/>
           </a:xfrm>
         </p:spPr>
         <p:txBody>
           <a:bodyPr/>
           <a:lstStyle/>
           <a:p>
+            <a:pPr algn="ctr"/>
             <a:r>
-              <a:rPr lang="en-US" sz="4400" dirty="0">
+              <a:rPr lang="en-US" sz="4400" b="1" dirty="0">
                 <a:solidFill>
                   <a:srgbClr val="FF0000"/>
                 </a:solidFill>
-                <a:latin typeface="Times New Roman" panose="02020603050405020304" pitchFamily="18" charset="0"/>
-                <a:cs typeface="Times New Roman" panose="02020603050405020304" pitchFamily="18" charset="0"/>
+                <a:latin typeface="Calibri" panose="020F0502020204030204" pitchFamily="34" charset="0"/>
+                <a:cs typeface="Calibri" panose="020F0502020204030204" pitchFamily="34" charset="0"/>
               </a:rPr>
               <a:t>Top 10 games in terms of sales</a:t>
             </a:r>
@@ -11847,14 +13289,14 @@
           <p:nvPr>
             <p:extLst>
               <p:ext uri="{D42A27DB-BD31-4B8C-83A1-F6EECF244321}">
-                <p14:modId xmlns:p14="http://schemas.microsoft.com/office/powerpoint/2010/main" val="1400499378"/>
+                <p14:modId xmlns:p14="http://schemas.microsoft.com/office/powerpoint/2010/main" val="3778804060"/>
               </p:ext>
             </p:extLst>
           </p:nvPr>
         </p:nvGraphicFramePr>
         <p:xfrm>
-          <a:off x="319541" y="751114"/>
-          <a:ext cx="11224762" cy="5988136"/>
+          <a:off x="352992" y="835636"/>
+          <a:ext cx="11486016" cy="6022364"/>
         </p:xfrm>
         <a:graphic>
           <a:graphicData uri="http://schemas.openxmlformats.org/drawingml/2006/table">
@@ -11863,42 +13305,42 @@
                 <a:tableStyleId>{7E9639D4-E3E2-4D34-9284-5A2195B3D0D7}</a:tableStyleId>
               </a:tblPr>
               <a:tblGrid>
-                <a:gridCol w="3031235">
+                <a:gridCol w="3101786">
                   <a:extLst>
                     <a:ext uri="{9D8B030D-6E8A-4147-A177-3AD203B41FA5}">
                       <a16:colId xmlns:a16="http://schemas.microsoft.com/office/drawing/2014/main" val="977099232"/>
                     </a:ext>
                   </a:extLst>
                 </a:gridCol>
-                <a:gridCol w="1598289">
+                <a:gridCol w="1635489">
                   <a:extLst>
                     <a:ext uri="{9D8B030D-6E8A-4147-A177-3AD203B41FA5}">
                       <a16:colId xmlns:a16="http://schemas.microsoft.com/office/drawing/2014/main" val="1073113828"/>
                     </a:ext>
                   </a:extLst>
                 </a:gridCol>
-                <a:gridCol w="1451320">
+                <a:gridCol w="1485099">
                   <a:extLst>
                     <a:ext uri="{9D8B030D-6E8A-4147-A177-3AD203B41FA5}">
                       <a16:colId xmlns:a16="http://schemas.microsoft.com/office/drawing/2014/main" val="2621160351"/>
                     </a:ext>
                   </a:extLst>
                 </a:gridCol>
-                <a:gridCol w="1341092">
+                <a:gridCol w="1372306">
                   <a:extLst>
                     <a:ext uri="{9D8B030D-6E8A-4147-A177-3AD203B41FA5}">
                       <a16:colId xmlns:a16="http://schemas.microsoft.com/office/drawing/2014/main" val="808717646"/>
                     </a:ext>
                   </a:extLst>
                 </a:gridCol>
-                <a:gridCol w="1818743">
+                <a:gridCol w="1861074">
                   <a:extLst>
                     <a:ext uri="{9D8B030D-6E8A-4147-A177-3AD203B41FA5}">
                       <a16:colId xmlns:a16="http://schemas.microsoft.com/office/drawing/2014/main" val="2392430685"/>
                     </a:ext>
                   </a:extLst>
                 </a:gridCol>
-                <a:gridCol w="1984083">
+                <a:gridCol w="2030262">
                   <a:extLst>
                     <a:ext uri="{9D8B030D-6E8A-4147-A177-3AD203B41FA5}">
                       <a16:colId xmlns:a16="http://schemas.microsoft.com/office/drawing/2014/main" val="2867610091"/>
@@ -11906,7 +13348,7 @@
                   </a:extLst>
                 </a:gridCol>
               </a:tblGrid>
-              <a:tr h="706616">
+              <a:tr h="728441">
                 <a:tc>
                   <a:txBody>
                     <a:bodyPr/>
@@ -11932,6 +13374,8 @@
                       <a:r>
                         <a:rPr lang="en-US" sz="2000" b="1" dirty="0">
                           <a:effectLst/>
+                          <a:latin typeface="Calibri Light" panose="020F0302020204030204" pitchFamily="34" charset="0"/>
+                          <a:cs typeface="Calibri Light" panose="020F0302020204030204" pitchFamily="34" charset="0"/>
                         </a:rPr>
                         <a:t>Name</a:t>
                       </a:r>
@@ -11940,8 +13384,8 @@
                       <a:pPr algn="l" fontAlgn="ctr"/>
                       <a:endParaRPr lang="en-US" sz="2000" b="1" dirty="0">
                         <a:effectLst/>
-                        <a:latin typeface="Times New Roman" panose="02020603050405020304" pitchFamily="18" charset="0"/>
-                        <a:cs typeface="Times New Roman" panose="02020603050405020304" pitchFamily="18" charset="0"/>
+                        <a:latin typeface="Calibri Light" panose="020F0302020204030204" pitchFamily="34" charset="0"/>
+                        <a:cs typeface="Calibri Light" panose="020F0302020204030204" pitchFamily="34" charset="0"/>
                       </a:endParaRPr>
                     </a:p>
                   </a:txBody>
@@ -11970,21 +13414,20 @@
                         <a:defRPr/>
                       </a:pPr>
                       <a:r>
-                        <a:rPr lang="en-US" sz="2000" b="1" dirty="0" err="1">
-                          <a:effectLst/>
-                        </a:rPr>
-                        <a:t>NA_Sales</a:t>
-                      </a:r>
-                      <a:endParaRPr lang="en-US" sz="2000" b="1" dirty="0">
-                        <a:effectLst/>
-                      </a:endParaRPr>
+                        <a:rPr lang="en-US" sz="2000" b="1" dirty="0">
+                          <a:effectLst/>
+                          <a:latin typeface="Calibri Light" panose="020F0302020204030204" pitchFamily="34" charset="0"/>
+                          <a:cs typeface="Calibri Light" panose="020F0302020204030204" pitchFamily="34" charset="0"/>
+                        </a:rPr>
+                        <a:t>NA Sales</a:t>
+                      </a:r>
                     </a:p>
                     <a:p>
                       <a:pPr algn="ctr" fontAlgn="ctr"/>
                       <a:endParaRPr lang="en-US" sz="2000" b="1" dirty="0">
                         <a:effectLst/>
-                        <a:latin typeface="Times New Roman" panose="02020603050405020304" pitchFamily="18" charset="0"/>
-                        <a:cs typeface="Times New Roman" panose="02020603050405020304" pitchFamily="18" charset="0"/>
+                        <a:latin typeface="Calibri Light" panose="020F0302020204030204" pitchFamily="34" charset="0"/>
+                        <a:cs typeface="Calibri Light" panose="020F0302020204030204" pitchFamily="34" charset="0"/>
                       </a:endParaRPr>
                     </a:p>
                   </a:txBody>
@@ -12013,21 +13456,20 @@
                         <a:defRPr/>
                       </a:pPr>
                       <a:r>
-                        <a:rPr lang="en-US" sz="2000" b="1" dirty="0" err="1">
-                          <a:effectLst/>
-                        </a:rPr>
-                        <a:t>EU_Sales</a:t>
-                      </a:r>
-                      <a:endParaRPr lang="en-US" sz="2000" b="1" dirty="0">
-                        <a:effectLst/>
-                      </a:endParaRPr>
+                        <a:rPr lang="en-US" sz="2000" b="1" dirty="0">
+                          <a:effectLst/>
+                          <a:latin typeface="Calibri Light" panose="020F0302020204030204" pitchFamily="34" charset="0"/>
+                          <a:cs typeface="Calibri Light" panose="020F0302020204030204" pitchFamily="34" charset="0"/>
+                        </a:rPr>
+                        <a:t>EU Sales</a:t>
+                      </a:r>
                     </a:p>
                     <a:p>
                       <a:pPr algn="ctr" fontAlgn="ctr"/>
                       <a:endParaRPr lang="en-US" sz="2000" b="1" dirty="0">
                         <a:effectLst/>
-                        <a:latin typeface="Times New Roman" panose="02020603050405020304" pitchFamily="18" charset="0"/>
-                        <a:cs typeface="Times New Roman" panose="02020603050405020304" pitchFamily="18" charset="0"/>
+                        <a:latin typeface="Calibri Light" panose="020F0302020204030204" pitchFamily="34" charset="0"/>
+                        <a:cs typeface="Calibri Light" panose="020F0302020204030204" pitchFamily="34" charset="0"/>
                       </a:endParaRPr>
                     </a:p>
                   </a:txBody>
@@ -12056,21 +13498,20 @@
                         <a:defRPr/>
                       </a:pPr>
                       <a:r>
-                        <a:rPr lang="en-US" sz="2000" b="1" dirty="0" err="1">
-                          <a:effectLst/>
-                        </a:rPr>
-                        <a:t>JP_Sales</a:t>
-                      </a:r>
-                      <a:endParaRPr lang="en-US" sz="2000" b="1" dirty="0">
-                        <a:effectLst/>
-                      </a:endParaRPr>
+                        <a:rPr lang="en-US" sz="2000" b="1" dirty="0">
+                          <a:effectLst/>
+                          <a:latin typeface="Calibri Light" panose="020F0302020204030204" pitchFamily="34" charset="0"/>
+                          <a:cs typeface="Calibri Light" panose="020F0302020204030204" pitchFamily="34" charset="0"/>
+                        </a:rPr>
+                        <a:t>JP Sales</a:t>
+                      </a:r>
                     </a:p>
                     <a:p>
                       <a:pPr algn="ctr" fontAlgn="ctr"/>
                       <a:endParaRPr lang="en-US" sz="2000" b="1" dirty="0">
                         <a:effectLst/>
-                        <a:latin typeface="Times New Roman" panose="02020603050405020304" pitchFamily="18" charset="0"/>
-                        <a:cs typeface="Times New Roman" panose="02020603050405020304" pitchFamily="18" charset="0"/>
+                        <a:latin typeface="Calibri Light" panose="020F0302020204030204" pitchFamily="34" charset="0"/>
+                        <a:cs typeface="Calibri Light" panose="020F0302020204030204" pitchFamily="34" charset="0"/>
                       </a:endParaRPr>
                     </a:p>
                   </a:txBody>
@@ -12099,21 +13540,20 @@
                         <a:defRPr/>
                       </a:pPr>
                       <a:r>
-                        <a:rPr lang="en-US" sz="2000" b="1" dirty="0" err="1">
-                          <a:effectLst/>
-                        </a:rPr>
-                        <a:t>Other_Sales</a:t>
-                      </a:r>
-                      <a:endParaRPr lang="en-US" sz="2000" b="1" dirty="0">
-                        <a:effectLst/>
-                      </a:endParaRPr>
+                        <a:rPr lang="en-US" sz="2000" b="1" dirty="0">
+                          <a:effectLst/>
+                          <a:latin typeface="Calibri Light" panose="020F0302020204030204" pitchFamily="34" charset="0"/>
+                          <a:cs typeface="Calibri Light" panose="020F0302020204030204" pitchFamily="34" charset="0"/>
+                        </a:rPr>
+                        <a:t>Other Sales</a:t>
+                      </a:r>
                     </a:p>
                     <a:p>
                       <a:pPr algn="ctr" fontAlgn="ctr"/>
                       <a:endParaRPr lang="en-US" sz="2000" b="1" dirty="0">
                         <a:effectLst/>
-                        <a:latin typeface="Times New Roman" panose="02020603050405020304" pitchFamily="18" charset="0"/>
-                        <a:cs typeface="Times New Roman" panose="02020603050405020304" pitchFamily="18" charset="0"/>
+                        <a:latin typeface="Calibri Light" panose="020F0302020204030204" pitchFamily="34" charset="0"/>
+                        <a:cs typeface="Calibri Light" panose="020F0302020204030204" pitchFamily="34" charset="0"/>
                       </a:endParaRPr>
                     </a:p>
                   </a:txBody>
@@ -12142,20 +13582,19 @@
                         <a:defRPr/>
                       </a:pPr>
                       <a:r>
-                        <a:rPr lang="en-US" sz="2000" b="1" dirty="0" err="1">
-                          <a:effectLst/>
-                        </a:rPr>
-                        <a:t>Global_Sales</a:t>
-                      </a:r>
-                      <a:endParaRPr lang="en-US" sz="2000" b="1" dirty="0">
-                        <a:effectLst/>
-                      </a:endParaRPr>
+                        <a:rPr lang="en-US" sz="2000" b="1" dirty="0">
+                          <a:effectLst/>
+                          <a:latin typeface="Calibri Light" panose="020F0302020204030204" pitchFamily="34" charset="0"/>
+                          <a:cs typeface="Calibri Light" panose="020F0302020204030204" pitchFamily="34" charset="0"/>
+                        </a:rPr>
+                        <a:t>Global Sales</a:t>
+                      </a:r>
                     </a:p>
                     <a:p>
                       <a:pPr algn="ctr"/>
                       <a:endParaRPr lang="en-US" sz="2000" dirty="0">
-                        <a:latin typeface="Times New Roman" panose="02020603050405020304" pitchFamily="18" charset="0"/>
-                        <a:cs typeface="Times New Roman" panose="02020603050405020304" pitchFamily="18" charset="0"/>
+                        <a:latin typeface="Calibri Light" panose="020F0302020204030204" pitchFamily="34" charset="0"/>
+                        <a:cs typeface="Calibri Light" panose="020F0302020204030204" pitchFamily="34" charset="0"/>
                       </a:endParaRPr>
                     </a:p>
                   </a:txBody>
@@ -12167,7 +13606,7 @@
                   </a:ext>
                 </a:extLst>
               </a:tr>
-              <a:tr h="363925">
+              <a:tr h="411728">
                 <a:tc>
                   <a:txBody>
                     <a:bodyPr/>
@@ -12300,7 +13739,7 @@
                   </a:ext>
                 </a:extLst>
               </a:tr>
-              <a:tr h="494632">
+              <a:tr h="468354">
                 <a:tc>
                   <a:txBody>
                     <a:bodyPr/>
@@ -12433,7 +13872,7 @@
                   </a:ext>
                 </a:extLst>
               </a:tr>
-              <a:tr h="494632">
+              <a:tr h="468354">
                 <a:tc>
                   <a:txBody>
                     <a:bodyPr/>
@@ -12566,7 +14005,7 @@
                   </a:ext>
                 </a:extLst>
               </a:tr>
-              <a:tr h="363925">
+              <a:tr h="411728">
                 <a:tc>
                   <a:txBody>
                     <a:bodyPr/>
@@ -12699,7 +14138,7 @@
                   </a:ext>
                 </a:extLst>
               </a:tr>
-              <a:tr h="363925">
+              <a:tr h="411728">
                 <a:tc>
                   <a:txBody>
                     <a:bodyPr/>
@@ -12832,7 +14271,7 @@
                   </a:ext>
                 </a:extLst>
               </a:tr>
-              <a:tr h="494632">
+              <a:tr h="468354">
                 <a:tc>
                   <a:txBody>
                     <a:bodyPr/>
@@ -12965,7 +14404,7 @@
                   </a:ext>
                 </a:extLst>
               </a:tr>
-              <a:tr h="706616">
+              <a:tr h="728441">
                 <a:tc>
                   <a:txBody>
                     <a:bodyPr/>
@@ -12973,28 +14412,10 @@
                     <a:p>
                       <a:pPr algn="l" fontAlgn="ctr"/>
                       <a:r>
-                        <a:rPr lang="en-US" sz="2000" b="1" dirty="0" err="1">
-                          <a:effectLst/>
-                        </a:rPr>
-                        <a:t>Pokemon</a:t>
-                      </a:r>
-                      <a:r>
                         <a:rPr lang="en-US" sz="2000" b="1" dirty="0">
                           <a:effectLst/>
                         </a:rPr>
-                        <a:t> Red/</a:t>
-                      </a:r>
-                      <a:r>
-                        <a:rPr lang="en-US" sz="2000" b="1" dirty="0" err="1">
-                          <a:effectLst/>
-                        </a:rPr>
-                        <a:t>Pokemon</a:t>
-                      </a:r>
-                      <a:r>
-                        <a:rPr lang="en-US" sz="2000" b="1" dirty="0">
-                          <a:effectLst/>
-                        </a:rPr>
-                        <a:t> Blue</a:t>
+                        <a:t>Pokémon Red/Pokémon Blue</a:t>
                       </a:r>
                       <a:endParaRPr lang="en-US" sz="2000" b="1" dirty="0">
                         <a:effectLst/>
@@ -13116,7 +14537,7 @@
                   </a:ext>
                 </a:extLst>
               </a:tr>
-              <a:tr h="706616">
+              <a:tr h="728441">
                 <a:tc>
                   <a:txBody>
                     <a:bodyPr/>
@@ -13249,7 +14670,7 @@
                   </a:ext>
                 </a:extLst>
               </a:tr>
-              <a:tr h="494632">
+              <a:tr h="468354">
                 <a:tc>
                   <a:txBody>
                     <a:bodyPr/>
@@ -13382,7 +14803,7 @@
                   </a:ext>
                 </a:extLst>
               </a:tr>
-              <a:tr h="643868">
+              <a:tr h="728441">
                 <a:tc>
                   <a:txBody>
                     <a:bodyPr/>
@@ -13519,6 +14940,35 @@
           </a:graphicData>
         </a:graphic>
       </p:graphicFrame>
+      <p:sp>
+        <p:nvSpPr>
+          <p:cNvPr id="5" name="Slide Number Placeholder 4">
+            <a:extLst>
+              <a:ext uri="{FF2B5EF4-FFF2-40B4-BE49-F238E27FC236}">
+                <a16:creationId xmlns:a16="http://schemas.microsoft.com/office/drawing/2014/main" id="{AE37B538-1190-4057-2D86-A01F06B60C4E}"/>
+              </a:ext>
+            </a:extLst>
+          </p:cNvPr>
+          <p:cNvSpPr>
+            <a:spLocks noGrp="1"/>
+          </p:cNvSpPr>
+          <p:nvPr>
+            <p:ph type="sldNum" sz="quarter" idx="12"/>
+          </p:nvPr>
+        </p:nvSpPr>
+        <p:spPr/>
+        <p:txBody>
+          <a:bodyPr/>
+          <a:lstStyle/>
+          <a:p>
+            <a:fld id="{00000000-1234-1234-1234-123412341234}" type="slidenum">
+              <a:rPr lang="nl-NL" smtClean="0"/>
+              <a:t>17</a:t>
+            </a:fld>
+            <a:endParaRPr lang="nl-NL" dirty="0"/>
+          </a:p>
+        </p:txBody>
+      </p:sp>
     </p:spTree>
     <p:extLst>
       <p:ext uri="{BB962C8B-B14F-4D97-AF65-F5344CB8AC3E}">
@@ -13532,7 +14982,7 @@
 </p:sld>
 </file>
 
-<file path=ppt/slides/slide16.xml><?xml version="1.0" encoding="utf-8"?>
+<file path=ppt/slides/slide18.xml><?xml version="1.0" encoding="utf-8"?>
 <p:sld xmlns:a="http://schemas.openxmlformats.org/drawingml/2006/main" xmlns:r="http://schemas.openxmlformats.org/officeDocument/2006/relationships" xmlns:p="http://schemas.openxmlformats.org/presentationml/2006/main">
   <p:cSld>
     <p:spTree>
@@ -13567,21 +15017,22 @@
         </p:nvSpPr>
         <p:spPr>
           <a:xfrm>
-            <a:off x="440871" y="0"/>
-            <a:ext cx="6154929" cy="1371600"/>
+            <a:off x="3018535" y="42063"/>
+            <a:ext cx="6154929" cy="986637"/>
           </a:xfrm>
         </p:spPr>
         <p:txBody>
           <a:bodyPr/>
           <a:lstStyle/>
           <a:p>
+            <a:pPr algn="ctr"/>
             <a:r>
               <a:rPr lang="en-US" sz="4400" dirty="0">
                 <a:solidFill>
                   <a:srgbClr val="FF0000"/>
                 </a:solidFill>
-                <a:latin typeface="Times New Roman" panose="02020603050405020304" pitchFamily="18" charset="0"/>
-                <a:cs typeface="Times New Roman" panose="02020603050405020304" pitchFamily="18" charset="0"/>
+                <a:latin typeface="Calibri" panose="020F0502020204030204" pitchFamily="34" charset="0"/>
+                <a:cs typeface="Calibri" panose="020F0502020204030204" pitchFamily="34" charset="0"/>
               </a:rPr>
               <a:t>Insight from the data</a:t>
             </a:r>
@@ -13619,24 +15070,24 @@
               <a:buChar char="Ø"/>
             </a:pPr>
             <a:r>
-              <a:rPr lang="en-US" sz="2800" dirty="0">
+              <a:rPr lang="en-US" sz="2800" b="1" dirty="0">
                 <a:solidFill>
                   <a:schemeClr val="tx1"/>
                 </a:solidFill>
-                <a:latin typeface="Times New Roman" panose="02020603050405020304" pitchFamily="18" charset="0"/>
-                <a:cs typeface="Times New Roman" panose="02020603050405020304" pitchFamily="18" charset="0"/>
+                <a:latin typeface="Calibri Light" panose="020F0302020204030204" pitchFamily="34" charset="0"/>
+                <a:cs typeface="Calibri Light" panose="020F0302020204030204" pitchFamily="34" charset="0"/>
               </a:rPr>
               <a:t>From our analysis, North America market generates the highest sales as compared to other markets.</a:t>
             </a:r>
           </a:p>
           <a:p>
             <a:pPr marL="0" indent="0"/>
-            <a:endParaRPr lang="en-US" sz="2800" dirty="0">
+            <a:endParaRPr lang="en-US" sz="2800" b="1" dirty="0">
               <a:solidFill>
                 <a:schemeClr val="tx1"/>
               </a:solidFill>
-              <a:latin typeface="Times New Roman" panose="02020603050405020304" pitchFamily="18" charset="0"/>
-              <a:cs typeface="Times New Roman" panose="02020603050405020304" pitchFamily="18" charset="0"/>
+              <a:latin typeface="Calibri Light" panose="020F0302020204030204" pitchFamily="34" charset="0"/>
+              <a:cs typeface="Calibri Light" panose="020F0302020204030204" pitchFamily="34" charset="0"/>
             </a:endParaRPr>
           </a:p>
           <a:p>
@@ -13645,12 +15096,12 @@
               <a:buChar char="Ø"/>
             </a:pPr>
             <a:r>
-              <a:rPr lang="en-US" sz="2800" dirty="0">
+              <a:rPr lang="en-US" sz="2800" b="1" dirty="0">
                 <a:solidFill>
                   <a:schemeClr val="tx1"/>
                 </a:solidFill>
-                <a:latin typeface="Times New Roman" panose="02020603050405020304" pitchFamily="18" charset="0"/>
-                <a:cs typeface="Times New Roman" panose="02020603050405020304" pitchFamily="18" charset="0"/>
+                <a:latin typeface="Calibri Light" panose="020F0302020204030204" pitchFamily="34" charset="0"/>
+                <a:cs typeface="Calibri Light" panose="020F0302020204030204" pitchFamily="34" charset="0"/>
               </a:rPr>
               <a:t>Most games was published in the year 2009 and least games were published in 2020 and we think it is as a result of the covid-19 pandemic where at that time, business activities were not much. </a:t>
             </a:r>
@@ -13660,12 +15111,12 @@
               <a:buFont typeface="Wingdings" panose="05000000000000000000" pitchFamily="2" charset="2"/>
               <a:buChar char="Ø"/>
             </a:pPr>
-            <a:endParaRPr lang="en-US" sz="2800" dirty="0">
+            <a:endParaRPr lang="en-US" sz="2800" b="1" dirty="0">
               <a:solidFill>
                 <a:schemeClr val="tx1"/>
               </a:solidFill>
-              <a:latin typeface="Times New Roman" panose="02020603050405020304" pitchFamily="18" charset="0"/>
-              <a:cs typeface="Times New Roman" panose="02020603050405020304" pitchFamily="18" charset="0"/>
+              <a:latin typeface="Calibri Light" panose="020F0302020204030204" pitchFamily="34" charset="0"/>
+              <a:cs typeface="Calibri Light" panose="020F0302020204030204" pitchFamily="34" charset="0"/>
             </a:endParaRPr>
           </a:p>
           <a:p>
@@ -13674,12 +15125,12 @@
               <a:buChar char="Ø"/>
             </a:pPr>
             <a:r>
-              <a:rPr lang="en-US" sz="2800" dirty="0">
+              <a:rPr lang="en-US" sz="2800" b="1" dirty="0">
                 <a:solidFill>
                   <a:schemeClr val="tx1"/>
                 </a:solidFill>
-                <a:latin typeface="Times New Roman" panose="02020603050405020304" pitchFamily="18" charset="0"/>
-                <a:cs typeface="Times New Roman" panose="02020603050405020304" pitchFamily="18" charset="0"/>
+                <a:latin typeface="Calibri Light" panose="020F0302020204030204" pitchFamily="34" charset="0"/>
+                <a:cs typeface="Calibri Light" panose="020F0302020204030204" pitchFamily="34" charset="0"/>
               </a:rPr>
               <a:t>Our analysis revealed that the best genre loved by customers is the action genre which generate a global sales of something above 1.7 billion over the period</a:t>
             </a:r>
@@ -13863,6 +15314,35 @@
           </a:prstGeom>
         </p:spPr>
       </p:pic>
+      <p:sp>
+        <p:nvSpPr>
+          <p:cNvPr id="9" name="Slide Number Placeholder 8">
+            <a:extLst>
+              <a:ext uri="{FF2B5EF4-FFF2-40B4-BE49-F238E27FC236}">
+                <a16:creationId xmlns:a16="http://schemas.microsoft.com/office/drawing/2014/main" id="{81E53C12-D168-AAAA-08BF-8DA16ED05D09}"/>
+              </a:ext>
+            </a:extLst>
+          </p:cNvPr>
+          <p:cNvSpPr>
+            <a:spLocks noGrp="1"/>
+          </p:cNvSpPr>
+          <p:nvPr>
+            <p:ph type="sldNum" idx="4"/>
+          </p:nvPr>
+        </p:nvSpPr>
+        <p:spPr/>
+        <p:txBody>
+          <a:bodyPr/>
+          <a:lstStyle/>
+          <a:p>
+            <a:fld id="{00000000-1234-1234-1234-123412341234}" type="slidenum">
+              <a:rPr lang="nl-NL" smtClean="0"/>
+              <a:t>18</a:t>
+            </a:fld>
+            <a:endParaRPr lang="nl-NL" dirty="0"/>
+          </a:p>
+        </p:txBody>
+      </p:sp>
     </p:spTree>
     <p:extLst>
       <p:ext uri="{BB962C8B-B14F-4D97-AF65-F5344CB8AC3E}">
@@ -13888,7 +15368,7 @@
 </p:sld>
 </file>
 
-<file path=ppt/slides/slide17.xml><?xml version="1.0" encoding="utf-8"?>
+<file path=ppt/slides/slide19.xml><?xml version="1.0" encoding="utf-8"?>
 <p:sld xmlns:a="http://schemas.openxmlformats.org/drawingml/2006/main" xmlns:r="http://schemas.openxmlformats.org/officeDocument/2006/relationships" xmlns:p="http://schemas.openxmlformats.org/presentationml/2006/main">
   <p:cSld>
     <p:spTree>
@@ -13923,25 +15403,29 @@
         </p:nvSpPr>
         <p:spPr>
           <a:xfrm>
-            <a:off x="262400" y="-152950"/>
-            <a:ext cx="5833600" cy="1066129"/>
+            <a:off x="2587071" y="-9495"/>
+            <a:ext cx="5833600" cy="811763"/>
           </a:xfrm>
         </p:spPr>
         <p:txBody>
           <a:bodyPr/>
           <a:lstStyle/>
           <a:p>
+            <a:pPr algn="ctr"/>
             <a:r>
               <a:rPr lang="en-US" sz="4400" dirty="0">
                 <a:solidFill>
                   <a:srgbClr val="FF0000"/>
                 </a:solidFill>
-                <a:latin typeface="Times New Roman" panose="02020603050405020304" pitchFamily="18" charset="0"/>
-                <a:cs typeface="Times New Roman" panose="02020603050405020304" pitchFamily="18" charset="0"/>
+                <a:latin typeface="Calibri" panose="020F0502020204030204" pitchFamily="34" charset="0"/>
+                <a:cs typeface="Calibri" panose="020F0502020204030204" pitchFamily="34" charset="0"/>
               </a:rPr>
               <a:t>Insight from the data</a:t>
             </a:r>
-            <a:endParaRPr lang="en-US" sz="4400" dirty="0"/>
+            <a:endParaRPr lang="en-US" sz="4400" dirty="0">
+              <a:latin typeface="Calibri" panose="020F0502020204030204" pitchFamily="34" charset="0"/>
+              <a:cs typeface="Calibri" panose="020F0502020204030204" pitchFamily="34" charset="0"/>
+            </a:endParaRPr>
           </a:p>
         </p:txBody>
       </p:sp>
@@ -13976,23 +15460,23 @@
               <a:buChar char="Ø"/>
             </a:pPr>
             <a:r>
-              <a:rPr lang="en-US" sz="2800" dirty="0">
+              <a:rPr lang="en-US" sz="2800" b="1" dirty="0">
                 <a:solidFill>
                   <a:schemeClr val="tx1"/>
                 </a:solidFill>
-                <a:latin typeface="Times New Roman" panose="02020603050405020304" pitchFamily="18" charset="0"/>
-                <a:cs typeface="Times New Roman" panose="02020603050405020304" pitchFamily="18" charset="0"/>
+                <a:latin typeface="Calibri Light" panose="020F0302020204030204" pitchFamily="34" charset="0"/>
+                <a:cs typeface="Calibri Light" panose="020F0302020204030204" pitchFamily="34" charset="0"/>
               </a:rPr>
               <a:t>Our analysis also revealed PS 2 as the platform that generates the highest sales of </a:t>
             </a:r>
             <a:r>
-              <a:rPr lang="en-US" sz="2800" dirty="0">
+              <a:rPr lang="en-US" sz="2800" b="1" dirty="0">
                 <a:solidFill>
                   <a:schemeClr val="tx1"/>
                 </a:solidFill>
                 <a:effectLst/>
-                <a:latin typeface="Times New Roman" panose="02020603050405020304" pitchFamily="18" charset="0"/>
-                <a:cs typeface="Times New Roman" panose="02020603050405020304" pitchFamily="18" charset="0"/>
+                <a:latin typeface="Calibri Light" panose="020F0302020204030204" pitchFamily="34" charset="0"/>
+                <a:cs typeface="Calibri Light" panose="020F0302020204030204" pitchFamily="34" charset="0"/>
               </a:rPr>
               <a:t>1.23 billion and DS as the most used platform for publishing.</a:t>
             </a:r>
@@ -14002,12 +15486,12 @@
               <a:buFont typeface="Wingdings" panose="05000000000000000000" pitchFamily="2" charset="2"/>
               <a:buChar char="Ø"/>
             </a:pPr>
-            <a:endParaRPr lang="en-US" sz="2800" dirty="0">
+            <a:endParaRPr lang="en-US" sz="2800" b="1" dirty="0">
               <a:solidFill>
                 <a:schemeClr val="tx1"/>
               </a:solidFill>
-              <a:latin typeface="Times New Roman" panose="02020603050405020304" pitchFamily="18" charset="0"/>
-              <a:cs typeface="Times New Roman" panose="02020603050405020304" pitchFamily="18" charset="0"/>
+              <a:latin typeface="Calibri Light" panose="020F0302020204030204" pitchFamily="34" charset="0"/>
+              <a:cs typeface="Calibri Light" panose="020F0302020204030204" pitchFamily="34" charset="0"/>
             </a:endParaRPr>
           </a:p>
           <a:p>
@@ -14016,15 +15500,15 @@
               <a:buChar char="Ø"/>
             </a:pPr>
             <a:r>
-              <a:rPr lang="en-US" sz="2800" dirty="0">
+              <a:rPr lang="en-US" sz="2800" b="1" dirty="0">
                 <a:solidFill>
                   <a:schemeClr val="tx1"/>
                 </a:solidFill>
                 <a:effectLst/>
-                <a:latin typeface="Times New Roman" panose="02020603050405020304" pitchFamily="18" charset="0"/>
-                <a:cs typeface="Times New Roman" panose="02020603050405020304" pitchFamily="18" charset="0"/>
+                <a:latin typeface="Calibri Light" panose="020F0302020204030204" pitchFamily="34" charset="0"/>
+                <a:cs typeface="Calibri Light" panose="020F0302020204030204" pitchFamily="34" charset="0"/>
               </a:rPr>
-              <a:t>Nintendo was the publisher with the highest sales from our analysis. It generated a global sales of 1.78 billion. Electronic Act was also the platform that publish most games .</a:t>
+              <a:t>Nintendo was the publisher with the highest sales from our analysis. It generated a global sales of 1.78 billion.</a:t>
             </a:r>
           </a:p>
           <a:p>
@@ -14032,12 +15516,12 @@
               <a:buFont typeface="Wingdings" panose="05000000000000000000" pitchFamily="2" charset="2"/>
               <a:buChar char="Ø"/>
             </a:pPr>
-            <a:endParaRPr lang="en-US" sz="2800" dirty="0">
+            <a:endParaRPr lang="en-US" sz="2800" b="1" dirty="0">
               <a:solidFill>
                 <a:schemeClr val="tx1"/>
               </a:solidFill>
-              <a:latin typeface="Times New Roman" panose="02020603050405020304" pitchFamily="18" charset="0"/>
-              <a:cs typeface="Times New Roman" panose="02020603050405020304" pitchFamily="18" charset="0"/>
+              <a:latin typeface="Calibri Light" panose="020F0302020204030204" pitchFamily="34" charset="0"/>
+              <a:cs typeface="Calibri Light" panose="020F0302020204030204" pitchFamily="34" charset="0"/>
             </a:endParaRPr>
           </a:p>
           <a:p>
@@ -14046,13 +15530,13 @@
               <a:buChar char="Ø"/>
             </a:pPr>
             <a:r>
-              <a:rPr lang="en-US" sz="2800" dirty="0">
+              <a:rPr lang="en-US" sz="2800" b="1" dirty="0">
                 <a:solidFill>
                   <a:schemeClr val="tx1"/>
                 </a:solidFill>
                 <a:effectLst/>
-                <a:latin typeface="Times New Roman" panose="02020603050405020304" pitchFamily="18" charset="0"/>
-                <a:cs typeface="Times New Roman" panose="02020603050405020304" pitchFamily="18" charset="0"/>
+                <a:latin typeface="Calibri Light" panose="020F0302020204030204" pitchFamily="34" charset="0"/>
+                <a:cs typeface="Calibri Light" panose="020F0302020204030204" pitchFamily="34" charset="0"/>
               </a:rPr>
               <a:t>Wii Sports is the game that generated the highest sales among all the games published over the period.</a:t>
             </a:r>
@@ -14290,6 +15774,35 @@
           </a:prstGeom>
         </p:spPr>
       </p:pic>
+      <p:sp>
+        <p:nvSpPr>
+          <p:cNvPr id="9" name="Slide Number Placeholder 8">
+            <a:extLst>
+              <a:ext uri="{FF2B5EF4-FFF2-40B4-BE49-F238E27FC236}">
+                <a16:creationId xmlns:a16="http://schemas.microsoft.com/office/drawing/2014/main" id="{812F9531-D1B1-F1DE-2D80-03318840D2C8}"/>
+              </a:ext>
+            </a:extLst>
+          </p:cNvPr>
+          <p:cNvSpPr>
+            <a:spLocks noGrp="1"/>
+          </p:cNvSpPr>
+          <p:nvPr>
+            <p:ph type="sldNum" idx="4"/>
+          </p:nvPr>
+        </p:nvSpPr>
+        <p:spPr/>
+        <p:txBody>
+          <a:bodyPr/>
+          <a:lstStyle/>
+          <a:p>
+            <a:fld id="{00000000-1234-1234-1234-123412341234}" type="slidenum">
+              <a:rPr lang="nl-NL" smtClean="0"/>
+              <a:t>19</a:t>
+            </a:fld>
+            <a:endParaRPr lang="nl-NL" dirty="0"/>
+          </a:p>
+        </p:txBody>
+      </p:sp>
     </p:spTree>
     <p:extLst>
       <p:ext uri="{BB962C8B-B14F-4D97-AF65-F5344CB8AC3E}">
@@ -14315,170 +15828,7 @@
 </p:sld>
 </file>
 
-<file path=ppt/slides/slide18.xml><?xml version="1.0" encoding="utf-8"?>
-<p:sld xmlns:a="http://schemas.openxmlformats.org/drawingml/2006/main" xmlns:r="http://schemas.openxmlformats.org/officeDocument/2006/relationships" xmlns:p="http://schemas.openxmlformats.org/presentationml/2006/main">
-  <p:cSld>
-    <p:spTree>
-      <p:nvGrpSpPr>
-        <p:cNvPr id="1" name=""/>
-        <p:cNvGrpSpPr/>
-        <p:nvPr/>
-      </p:nvGrpSpPr>
-      <p:grpSpPr>
-        <a:xfrm>
-          <a:off x="0" y="0"/>
-          <a:ext cx="0" cy="0"/>
-          <a:chOff x="0" y="0"/>
-          <a:chExt cx="0" cy="0"/>
-        </a:xfrm>
-      </p:grpSpPr>
-      <p:sp>
-        <p:nvSpPr>
-          <p:cNvPr id="2" name="Title 1">
-            <a:extLst>
-              <a:ext uri="{FF2B5EF4-FFF2-40B4-BE49-F238E27FC236}">
-                <a16:creationId xmlns:a16="http://schemas.microsoft.com/office/drawing/2014/main" id="{090C4D00-1D88-E044-11DE-17A15669828D}"/>
-              </a:ext>
-            </a:extLst>
-          </p:cNvPr>
-          <p:cNvSpPr>
-            <a:spLocks noGrp="1"/>
-          </p:cNvSpPr>
-          <p:nvPr>
-            <p:ph type="ctrTitle"/>
-          </p:nvPr>
-        </p:nvSpPr>
-        <p:spPr>
-          <a:xfrm>
-            <a:off x="419300" y="0"/>
-            <a:ext cx="5833600" cy="1306286"/>
-          </a:xfrm>
-        </p:spPr>
-        <p:txBody>
-          <a:bodyPr/>
-          <a:lstStyle/>
-          <a:p>
-            <a:r>
-              <a:rPr lang="en-US" sz="4400" dirty="0">
-                <a:solidFill>
-                  <a:srgbClr val="FF0000"/>
-                </a:solidFill>
-                <a:latin typeface="Times New Roman" panose="02020603050405020304" pitchFamily="18" charset="0"/>
-                <a:cs typeface="Times New Roman" panose="02020603050405020304" pitchFamily="18" charset="0"/>
-              </a:rPr>
-              <a:t>Conclusion </a:t>
-            </a:r>
-          </a:p>
-        </p:txBody>
-      </p:sp>
-      <p:sp>
-        <p:nvSpPr>
-          <p:cNvPr id="3" name="Subtitle 2">
-            <a:extLst>
-              <a:ext uri="{FF2B5EF4-FFF2-40B4-BE49-F238E27FC236}">
-                <a16:creationId xmlns:a16="http://schemas.microsoft.com/office/drawing/2014/main" id="{23616FA3-4083-3FB2-6661-8BD643F958A4}"/>
-              </a:ext>
-            </a:extLst>
-          </p:cNvPr>
-          <p:cNvSpPr>
-            <a:spLocks noGrp="1"/>
-          </p:cNvSpPr>
-          <p:nvPr>
-            <p:ph type="subTitle" idx="1"/>
-          </p:nvPr>
-        </p:nvSpPr>
-        <p:spPr>
-          <a:xfrm>
-            <a:off x="288672" y="2195243"/>
-            <a:ext cx="10177943" cy="1641971"/>
-          </a:xfrm>
-        </p:spPr>
-        <p:txBody>
-          <a:bodyPr/>
-          <a:lstStyle/>
-          <a:p>
-            <a:pPr marL="457200" indent="-457200">
-              <a:buFont typeface="Wingdings" panose="05000000000000000000" pitchFamily="2" charset="2"/>
-              <a:buChar char="Ø"/>
-            </a:pPr>
-            <a:r>
-              <a:rPr lang="en-US" sz="2800" dirty="0">
-                <a:solidFill>
-                  <a:schemeClr val="tx1"/>
-                </a:solidFill>
-                <a:latin typeface="Times New Roman" panose="02020603050405020304" pitchFamily="18" charset="0"/>
-                <a:cs typeface="Times New Roman" panose="02020603050405020304" pitchFamily="18" charset="0"/>
-              </a:rPr>
-              <a:t>From our visualizations and analysis, we observed that the sales generated is not dependent on the rank of the games. </a:t>
-            </a:r>
-          </a:p>
-          <a:p>
-            <a:pPr marL="457200" indent="-457200">
-              <a:buFont typeface="Wingdings" panose="05000000000000000000" pitchFamily="2" charset="2"/>
-              <a:buChar char="Ø"/>
-            </a:pPr>
-            <a:endParaRPr lang="en-US" sz="2800" dirty="0">
-              <a:solidFill>
-                <a:schemeClr val="tx1"/>
-              </a:solidFill>
-              <a:latin typeface="Times New Roman" panose="02020603050405020304" pitchFamily="18" charset="0"/>
-              <a:cs typeface="Times New Roman" panose="02020603050405020304" pitchFamily="18" charset="0"/>
-            </a:endParaRPr>
-          </a:p>
-          <a:p>
-            <a:pPr marL="0" indent="0"/>
-            <a:endParaRPr lang="en-US" sz="2800" dirty="0">
-              <a:solidFill>
-                <a:schemeClr val="tx1"/>
-              </a:solidFill>
-              <a:latin typeface="Times New Roman" panose="02020603050405020304" pitchFamily="18" charset="0"/>
-              <a:cs typeface="Times New Roman" panose="02020603050405020304" pitchFamily="18" charset="0"/>
-            </a:endParaRPr>
-          </a:p>
-          <a:p>
-            <a:pPr marL="457200" indent="-457200">
-              <a:buFont typeface="Wingdings" panose="05000000000000000000" pitchFamily="2" charset="2"/>
-              <a:buChar char="Ø"/>
-            </a:pPr>
-            <a:r>
-              <a:rPr lang="en-US" sz="2800" dirty="0">
-                <a:solidFill>
-                  <a:schemeClr val="tx1"/>
-                </a:solidFill>
-                <a:latin typeface="Times New Roman" panose="02020603050405020304" pitchFamily="18" charset="0"/>
-                <a:cs typeface="Times New Roman" panose="02020603050405020304" pitchFamily="18" charset="0"/>
-              </a:rPr>
-              <a:t>Therefore we conclude that the sales generated may be influenced by some factors such as the taste and preference of consumers, the size of the market and the popularity of the platform, publisher, and the genre. </a:t>
-            </a:r>
-          </a:p>
-        </p:txBody>
-      </p:sp>
-    </p:spTree>
-    <p:extLst>
-      <p:ext uri="{BB962C8B-B14F-4D97-AF65-F5344CB8AC3E}">
-        <p14:creationId xmlns:p14="http://schemas.microsoft.com/office/powerpoint/2010/main" val="4278717129"/>
-      </p:ext>
-    </p:extLst>
-  </p:cSld>
-  <p:clrMapOvr>
-    <a:masterClrMapping/>
-  </p:clrMapOvr>
-  <mc:AlternateContent xmlns:mc="http://schemas.openxmlformats.org/markup-compatibility/2006" xmlns:p159="http://schemas.microsoft.com/office/powerpoint/2015/09/main">
-    <mc:Choice Requires="p159">
-      <p:transition xmlns:p14="http://schemas.microsoft.com/office/powerpoint/2010/main" spd="slow" p14:dur="2000">
-        <p159:morph option="byObject"/>
-      </p:transition>
-    </mc:Choice>
-    <mc:Fallback xmlns="">
-      <p:transition spd="slow">
-        <p:fade/>
-      </p:transition>
-    </mc:Fallback>
-  </mc:AlternateContent>
-</p:sld>
-</file>
-
-<file path=ppt/slides/slide19.xml><?xml version="1.0" encoding="utf-8"?>
+<file path=ppt/slides/slide2.xml><?xml version="1.0" encoding="utf-8"?>
 <p:sld xmlns:a="http://schemas.openxmlformats.org/drawingml/2006/main" xmlns:r="http://schemas.openxmlformats.org/officeDocument/2006/relationships" xmlns:p="http://schemas.openxmlformats.org/presentationml/2006/main">
   <p:cSld>
     <p:spTree>
@@ -14513,21 +15863,22 @@
         </p:nvSpPr>
         <p:spPr>
           <a:xfrm>
-            <a:off x="843844" y="321800"/>
-            <a:ext cx="5833600" cy="1082457"/>
+            <a:off x="3242730" y="224583"/>
+            <a:ext cx="5833600" cy="918418"/>
           </a:xfrm>
         </p:spPr>
         <p:txBody>
           <a:bodyPr/>
           <a:lstStyle/>
           <a:p>
+            <a:pPr algn="ctr"/>
             <a:r>
               <a:rPr lang="en-US" sz="4400" dirty="0">
                 <a:solidFill>
                   <a:srgbClr val="FF0000"/>
                 </a:solidFill>
-                <a:latin typeface="Times New Roman" panose="02020603050405020304" pitchFamily="18" charset="0"/>
-                <a:cs typeface="Times New Roman" panose="02020603050405020304" pitchFamily="18" charset="0"/>
+                <a:latin typeface="Calibri" panose="020F0502020204030204" pitchFamily="34" charset="0"/>
+                <a:cs typeface="Calibri" panose="020F0502020204030204" pitchFamily="34" charset="0"/>
               </a:rPr>
               <a:t>Team Members</a:t>
             </a:r>
@@ -14568,34 +15919,14 @@
               <a:buChar char="Ø"/>
             </a:pPr>
             <a:r>
-              <a:rPr lang="en-US" sz="2800" dirty="0">
+              <a:rPr lang="en-US" sz="2800" b="1" dirty="0">
                 <a:solidFill>
                   <a:schemeClr val="tx1"/>
                 </a:solidFill>
-                <a:latin typeface="Times New Roman" panose="02020603050405020304" pitchFamily="18" charset="0"/>
-                <a:cs typeface="Times New Roman" panose="02020603050405020304" pitchFamily="18" charset="0"/>
+                <a:latin typeface="Calibri Light" panose="020F0302020204030204" pitchFamily="34" charset="0"/>
+                <a:cs typeface="Calibri Light" panose="020F0302020204030204" pitchFamily="34" charset="0"/>
               </a:rPr>
-              <a:t>George </a:t>
-            </a:r>
-            <a:r>
-              <a:rPr lang="en-US" sz="2800" dirty="0" err="1">
-                <a:solidFill>
-                  <a:schemeClr val="tx1"/>
-                </a:solidFill>
-                <a:latin typeface="Times New Roman" panose="02020603050405020304" pitchFamily="18" charset="0"/>
-                <a:cs typeface="Times New Roman" panose="02020603050405020304" pitchFamily="18" charset="0"/>
-              </a:rPr>
-              <a:t>Amofa</a:t>
-            </a:r>
-            <a:r>
-              <a:rPr lang="en-US" sz="2800" dirty="0">
-                <a:solidFill>
-                  <a:schemeClr val="tx1"/>
-                </a:solidFill>
-                <a:latin typeface="Times New Roman" panose="02020603050405020304" pitchFamily="18" charset="0"/>
-                <a:cs typeface="Times New Roman" panose="02020603050405020304" pitchFamily="18" charset="0"/>
-              </a:rPr>
-              <a:t> Sarpong </a:t>
+              <a:t>George Amofa Sarpong </a:t>
             </a:r>
           </a:p>
           <a:p>
@@ -14607,12 +15938,12 @@
               <a:buChar char="Ø"/>
             </a:pPr>
             <a:r>
-              <a:rPr lang="en-US" sz="2800" dirty="0">
+              <a:rPr lang="en-US" sz="2800" b="1" dirty="0">
                 <a:solidFill>
                   <a:schemeClr val="tx1"/>
                 </a:solidFill>
-                <a:latin typeface="Times New Roman" panose="02020603050405020304" pitchFamily="18" charset="0"/>
-                <a:cs typeface="Times New Roman" panose="02020603050405020304" pitchFamily="18" charset="0"/>
+                <a:latin typeface="Calibri Light" panose="020F0302020204030204" pitchFamily="34" charset="0"/>
+                <a:cs typeface="Calibri Light" panose="020F0302020204030204" pitchFamily="34" charset="0"/>
               </a:rPr>
               <a:t>James Mensah Duku </a:t>
             </a:r>
@@ -14626,12 +15957,12 @@
               <a:buChar char="Ø"/>
             </a:pPr>
             <a:r>
-              <a:rPr lang="en-US" sz="2800" dirty="0">
+              <a:rPr lang="en-US" sz="2800" b="1" dirty="0">
                 <a:solidFill>
                   <a:schemeClr val="tx1"/>
                 </a:solidFill>
-                <a:latin typeface="Times New Roman" panose="02020603050405020304" pitchFamily="18" charset="0"/>
-                <a:cs typeface="Times New Roman" panose="02020603050405020304" pitchFamily="18" charset="0"/>
+                <a:latin typeface="Calibri Light" panose="020F0302020204030204" pitchFamily="34" charset="0"/>
+                <a:cs typeface="Calibri Light" panose="020F0302020204030204" pitchFamily="34" charset="0"/>
               </a:rPr>
               <a:t>FATAWU NTORHAN </a:t>
             </a:r>
@@ -14645,32 +15976,15 @@
               <a:buChar char="Ø"/>
             </a:pPr>
             <a:r>
-              <a:rPr lang="en-US" sz="2800" dirty="0">
+              <a:rPr lang="en-US" sz="2800" b="1" dirty="0">
                 <a:solidFill>
                   <a:schemeClr val="tx1"/>
                 </a:solidFill>
-                <a:latin typeface="Times New Roman" panose="02020603050405020304" pitchFamily="18" charset="0"/>
-                <a:cs typeface="Times New Roman" panose="02020603050405020304" pitchFamily="18" charset="0"/>
+                <a:latin typeface="Calibri Light" panose="020F0302020204030204" pitchFamily="34" charset="0"/>
+                <a:cs typeface="Calibri Light" panose="020F0302020204030204" pitchFamily="34" charset="0"/>
               </a:rPr>
-              <a:t>Daniel </a:t>
+              <a:t>Daniel Agbenyo</a:t>
             </a:r>
-            <a:r>
-              <a:rPr lang="en-US" sz="2800" dirty="0" err="1">
-                <a:solidFill>
-                  <a:schemeClr val="tx1"/>
-                </a:solidFill>
-                <a:latin typeface="Times New Roman" panose="02020603050405020304" pitchFamily="18" charset="0"/>
-                <a:cs typeface="Times New Roman" panose="02020603050405020304" pitchFamily="18" charset="0"/>
-              </a:rPr>
-              <a:t>Agbenyo</a:t>
-            </a:r>
-            <a:endParaRPr lang="en-US" sz="2800" dirty="0">
-              <a:solidFill>
-                <a:schemeClr val="tx1"/>
-              </a:solidFill>
-              <a:latin typeface="Times New Roman" panose="02020603050405020304" pitchFamily="18" charset="0"/>
-              <a:cs typeface="Times New Roman" panose="02020603050405020304" pitchFamily="18" charset="0"/>
-            </a:endParaRPr>
           </a:p>
           <a:p>
             <a:pPr>
@@ -14681,32 +15995,15 @@
               <a:buChar char="Ø"/>
             </a:pPr>
             <a:r>
-              <a:rPr lang="en-US" sz="2800" dirty="0">
+              <a:rPr lang="en-US" sz="2800" b="1" dirty="0">
                 <a:solidFill>
                   <a:schemeClr val="tx1"/>
                 </a:solidFill>
-                <a:latin typeface="Times New Roman" panose="02020603050405020304" pitchFamily="18" charset="0"/>
-                <a:cs typeface="Times New Roman" panose="02020603050405020304" pitchFamily="18" charset="0"/>
+                <a:latin typeface="Calibri Light" panose="020F0302020204030204" pitchFamily="34" charset="0"/>
+                <a:cs typeface="Calibri Light" panose="020F0302020204030204" pitchFamily="34" charset="0"/>
               </a:rPr>
-              <a:t>Adjei-Boakye </a:t>
+              <a:t>Adjei-Boakye Esuako</a:t>
             </a:r>
-            <a:r>
-              <a:rPr lang="en-US" sz="2800" dirty="0" err="1">
-                <a:solidFill>
-                  <a:schemeClr val="tx1"/>
-                </a:solidFill>
-                <a:latin typeface="Times New Roman" panose="02020603050405020304" pitchFamily="18" charset="0"/>
-                <a:cs typeface="Times New Roman" panose="02020603050405020304" pitchFamily="18" charset="0"/>
-              </a:rPr>
-              <a:t>Esuako</a:t>
-            </a:r>
-            <a:endParaRPr lang="en-US" sz="2800" dirty="0">
-              <a:solidFill>
-                <a:schemeClr val="tx1"/>
-              </a:solidFill>
-              <a:latin typeface="Times New Roman" panose="02020603050405020304" pitchFamily="18" charset="0"/>
-              <a:cs typeface="Times New Roman" panose="02020603050405020304" pitchFamily="18" charset="0"/>
-            </a:endParaRPr>
           </a:p>
         </p:txBody>
       </p:sp>
@@ -14874,6 +16171,35 @@
           </a:prstGeom>
         </p:spPr>
       </p:pic>
+      <p:sp>
+        <p:nvSpPr>
+          <p:cNvPr id="9" name="Slide Number Placeholder 8">
+            <a:extLst>
+              <a:ext uri="{FF2B5EF4-FFF2-40B4-BE49-F238E27FC236}">
+                <a16:creationId xmlns:a16="http://schemas.microsoft.com/office/drawing/2014/main" id="{28D4655C-8EAB-4EBF-4FC8-A694474920AF}"/>
+              </a:ext>
+            </a:extLst>
+          </p:cNvPr>
+          <p:cNvSpPr>
+            <a:spLocks noGrp="1"/>
+          </p:cNvSpPr>
+          <p:nvPr>
+            <p:ph type="sldNum" idx="4"/>
+          </p:nvPr>
+        </p:nvSpPr>
+        <p:spPr/>
+        <p:txBody>
+          <a:bodyPr/>
+          <a:lstStyle/>
+          <a:p>
+            <a:fld id="{00000000-1234-1234-1234-123412341234}" type="slidenum">
+              <a:rPr lang="nl-NL" smtClean="0"/>
+              <a:t>2</a:t>
+            </a:fld>
+            <a:endParaRPr lang="nl-NL" dirty="0"/>
+          </a:p>
+        </p:txBody>
+      </p:sp>
     </p:spTree>
     <p:extLst>
       <p:ext uri="{BB962C8B-B14F-4D97-AF65-F5344CB8AC3E}">
@@ -14899,7 +16225,7 @@
 </p:sld>
 </file>
 
-<file path=ppt/slides/slide2.xml><?xml version="1.0" encoding="utf-8"?>
+<file path=ppt/slides/slide20.xml><?xml version="1.0" encoding="utf-8"?>
 <p:sld xmlns:a="http://schemas.openxmlformats.org/drawingml/2006/main" xmlns:r="http://schemas.openxmlformats.org/officeDocument/2006/relationships" xmlns:p="http://schemas.openxmlformats.org/presentationml/2006/main">
   <p:cSld>
     <p:spTree>
@@ -14921,7 +16247,7 @@
           <p:cNvPr id="2" name="Title 1">
             <a:extLst>
               <a:ext uri="{FF2B5EF4-FFF2-40B4-BE49-F238E27FC236}">
-                <a16:creationId xmlns:a16="http://schemas.microsoft.com/office/drawing/2014/main" id="{27AF7E0F-C0BB-E920-4B10-BFDC22DFFBB9}"/>
+                <a16:creationId xmlns:a16="http://schemas.microsoft.com/office/drawing/2014/main" id="{090C4D00-1D88-E044-11DE-17A15669828D}"/>
               </a:ext>
             </a:extLst>
           </p:cNvPr>
@@ -14934,58 +16260,25 @@
         </p:nvSpPr>
         <p:spPr>
           <a:xfrm>
-            <a:off x="898071" y="584374"/>
-            <a:ext cx="5833600" cy="1509138"/>
+            <a:off x="3179200" y="0"/>
+            <a:ext cx="5833600" cy="881743"/>
           </a:xfrm>
         </p:spPr>
         <p:txBody>
           <a:bodyPr/>
           <a:lstStyle/>
           <a:p>
-            <a:pPr lvl="0">
-              <a:lnSpc>
-                <a:spcPct val="150000"/>
-              </a:lnSpc>
-            </a:pPr>
-            <a:br>
-              <a:rPr lang="en-GH" sz="2000" b="1" dirty="0">
-                <a:solidFill>
-                  <a:schemeClr val="bg1"/>
-                </a:solidFill>
-              </a:rPr>
-            </a:br>
-            <a:br>
-              <a:rPr lang="en-US" sz="2000" b="1" dirty="0">
-                <a:solidFill>
-                  <a:schemeClr val="bg1"/>
-                </a:solidFill>
-                <a:latin typeface="Times New Roman" panose="02020603050405020304" pitchFamily="18" charset="0"/>
-                <a:cs typeface="Times New Roman" panose="02020603050405020304" pitchFamily="18" charset="0"/>
-              </a:rPr>
-            </a:br>
+            <a:pPr algn="ctr"/>
             <a:r>
-              <a:rPr lang="en-US" sz="3600" b="1" dirty="0">
+              <a:rPr lang="en-US" sz="4400" dirty="0">
                 <a:solidFill>
                   <a:srgbClr val="FF0000"/>
                 </a:solidFill>
-                <a:latin typeface="Times New Roman" panose="02020603050405020304" pitchFamily="18" charset="0"/>
-                <a:cs typeface="Times New Roman" panose="02020603050405020304" pitchFamily="18" charset="0"/>
+                <a:latin typeface="Calibri" panose="020F0502020204030204" pitchFamily="34" charset="0"/>
+                <a:cs typeface="Calibri" panose="020F0502020204030204" pitchFamily="34" charset="0"/>
               </a:rPr>
-              <a:t>OUTLINE:</a:t>
+              <a:t>Conclusion </a:t>
             </a:r>
-            <a:br>
-              <a:rPr lang="en-US" sz="2000" b="1" dirty="0">
-                <a:solidFill>
-                  <a:srgbClr val="FF0000"/>
-                </a:solidFill>
-                <a:latin typeface="Times New Roman" panose="02020603050405020304" pitchFamily="18" charset="0"/>
-                <a:cs typeface="Times New Roman" panose="02020603050405020304" pitchFamily="18" charset="0"/>
-              </a:rPr>
-            </a:br>
-            <a:br>
-              <a:rPr lang="en-GH" dirty="0"/>
-            </a:br>
-            <a:endParaRPr lang="en-US" dirty="0"/>
           </a:p>
         </p:txBody>
       </p:sp>
@@ -14994,7 +16287,7 @@
           <p:cNvPr id="3" name="Subtitle 2">
             <a:extLst>
               <a:ext uri="{FF2B5EF4-FFF2-40B4-BE49-F238E27FC236}">
-                <a16:creationId xmlns:a16="http://schemas.microsoft.com/office/drawing/2014/main" id="{AA8805E6-BDAF-02EE-FC81-E6B6CA5511DE}"/>
+                <a16:creationId xmlns:a16="http://schemas.microsoft.com/office/drawing/2014/main" id="{23616FA3-4083-3FB2-6661-8BD643F958A4}"/>
               </a:ext>
             </a:extLst>
           </p:cNvPr>
@@ -15007,356 +16300,103 @@
         </p:nvSpPr>
         <p:spPr>
           <a:xfrm>
-            <a:off x="576987" y="4036612"/>
-            <a:ext cx="6475767" cy="4474028"/>
+            <a:off x="288672" y="2195243"/>
+            <a:ext cx="10177943" cy="1641971"/>
           </a:xfrm>
         </p:spPr>
         <p:txBody>
           <a:bodyPr/>
           <a:lstStyle/>
           <a:p>
-            <a:pPr>
-              <a:lnSpc>
-                <a:spcPct val="200000"/>
-              </a:lnSpc>
+            <a:pPr marL="457200" indent="-457200">
               <a:buFont typeface="Wingdings" panose="05000000000000000000" pitchFamily="2" charset="2"/>
               <a:buChar char="Ø"/>
             </a:pPr>
             <a:r>
-              <a:rPr lang="en-US" sz="2800" dirty="0">
+              <a:rPr lang="en-US" sz="2800" b="1" dirty="0">
                 <a:solidFill>
                   <a:schemeClr val="tx1"/>
                 </a:solidFill>
-                <a:latin typeface="Times New Roman" panose="02020603050405020304" pitchFamily="18" charset="0"/>
-                <a:cs typeface="Times New Roman" panose="02020603050405020304" pitchFamily="18" charset="0"/>
+                <a:latin typeface="Calibri Light" panose="020F0302020204030204" pitchFamily="34" charset="0"/>
+                <a:cs typeface="Calibri Light" panose="020F0302020204030204" pitchFamily="34" charset="0"/>
               </a:rPr>
-              <a:t>A brief introduction about the data set</a:t>
+              <a:t>From our visualizations and analysis, we observed that the sales generated is not dependent on the rank of the games. </a:t>
             </a:r>
           </a:p>
           <a:p>
-            <a:pPr>
-              <a:lnSpc>
-                <a:spcPct val="200000"/>
-              </a:lnSpc>
+            <a:pPr marL="457200" indent="-457200">
+              <a:buFont typeface="Wingdings" panose="05000000000000000000" pitchFamily="2" charset="2"/>
+              <a:buChar char="Ø"/>
+            </a:pPr>
+            <a:endParaRPr lang="en-US" sz="2800" b="1" dirty="0">
+              <a:solidFill>
+                <a:schemeClr val="tx1"/>
+              </a:solidFill>
+              <a:latin typeface="Calibri Light" panose="020F0302020204030204" pitchFamily="34" charset="0"/>
+              <a:cs typeface="Calibri Light" panose="020F0302020204030204" pitchFamily="34" charset="0"/>
+            </a:endParaRPr>
+          </a:p>
+          <a:p>
+            <a:pPr marL="0" indent="0"/>
+            <a:endParaRPr lang="en-US" sz="2800" b="1" dirty="0">
+              <a:solidFill>
+                <a:schemeClr val="tx1"/>
+              </a:solidFill>
+              <a:latin typeface="Calibri Light" panose="020F0302020204030204" pitchFamily="34" charset="0"/>
+              <a:cs typeface="Calibri Light" panose="020F0302020204030204" pitchFamily="34" charset="0"/>
+            </a:endParaRPr>
+          </a:p>
+          <a:p>
+            <a:pPr marL="457200" indent="-457200">
               <a:buFont typeface="Wingdings" panose="05000000000000000000" pitchFamily="2" charset="2"/>
               <a:buChar char="Ø"/>
             </a:pPr>
             <a:r>
-              <a:rPr lang="en-US" sz="2800" dirty="0">
+              <a:rPr lang="en-US" sz="2800" b="1" dirty="0">
                 <a:solidFill>
                   <a:schemeClr val="tx1"/>
                 </a:solidFill>
-                <a:latin typeface="Times New Roman" panose="02020603050405020304" pitchFamily="18" charset="0"/>
-                <a:cs typeface="Times New Roman" panose="02020603050405020304" pitchFamily="18" charset="0"/>
+                <a:latin typeface="Calibri Light" panose="020F0302020204030204" pitchFamily="34" charset="0"/>
+                <a:cs typeface="Calibri Light" panose="020F0302020204030204" pitchFamily="34" charset="0"/>
               </a:rPr>
-              <a:t>Tools and libraries</a:t>
+              <a:t>Therefore we conclude that the sales generated may be influenced by some factors such as the taste and preference of consumers, the size of the market and the popularity of the platform, publisher, and the genre. </a:t>
             </a:r>
-          </a:p>
-          <a:p>
-            <a:pPr>
-              <a:lnSpc>
-                <a:spcPct val="200000"/>
-              </a:lnSpc>
-              <a:buFont typeface="Wingdings" panose="05000000000000000000" pitchFamily="2" charset="2"/>
-              <a:buChar char="Ø"/>
-            </a:pPr>
-            <a:r>
-              <a:rPr lang="en-US" sz="2800" dirty="0">
-                <a:solidFill>
-                  <a:schemeClr val="tx1"/>
-                </a:solidFill>
-                <a:latin typeface="Times New Roman" panose="02020603050405020304" pitchFamily="18" charset="0"/>
-                <a:cs typeface="Times New Roman" panose="02020603050405020304" pitchFamily="18" charset="0"/>
-              </a:rPr>
-              <a:t>Hypothesis</a:t>
-            </a:r>
-          </a:p>
-          <a:p>
-            <a:pPr>
-              <a:lnSpc>
-                <a:spcPct val="200000"/>
-              </a:lnSpc>
-              <a:buFont typeface="Wingdings" panose="05000000000000000000" pitchFamily="2" charset="2"/>
-              <a:buChar char="Ø"/>
-            </a:pPr>
-            <a:r>
-              <a:rPr lang="en-US" sz="2800" dirty="0">
-                <a:solidFill>
-                  <a:schemeClr val="tx1"/>
-                </a:solidFill>
-                <a:latin typeface="Times New Roman" panose="02020603050405020304" pitchFamily="18" charset="0"/>
-                <a:cs typeface="Times New Roman" panose="02020603050405020304" pitchFamily="18" charset="0"/>
-              </a:rPr>
-              <a:t>Questions</a:t>
-            </a:r>
-          </a:p>
-          <a:p>
-            <a:pPr>
-              <a:lnSpc>
-                <a:spcPct val="200000"/>
-              </a:lnSpc>
-              <a:buFont typeface="Wingdings" panose="05000000000000000000" pitchFamily="2" charset="2"/>
-              <a:buChar char="Ø"/>
-            </a:pPr>
-            <a:r>
-              <a:rPr lang="en-US" sz="2800" dirty="0">
-                <a:solidFill>
-                  <a:schemeClr val="tx1"/>
-                </a:solidFill>
-                <a:latin typeface="Times New Roman" panose="02020603050405020304" pitchFamily="18" charset="0"/>
-                <a:cs typeface="Times New Roman" panose="02020603050405020304" pitchFamily="18" charset="0"/>
-              </a:rPr>
-              <a:t>Visualizations and insights</a:t>
-            </a:r>
-          </a:p>
-          <a:p>
-            <a:pPr>
-              <a:lnSpc>
-                <a:spcPct val="200000"/>
-              </a:lnSpc>
-              <a:buFont typeface="Wingdings" panose="05000000000000000000" pitchFamily="2" charset="2"/>
-              <a:buChar char="Ø"/>
-            </a:pPr>
-            <a:r>
-              <a:rPr lang="en-US" sz="2800" dirty="0">
-                <a:solidFill>
-                  <a:schemeClr val="tx1"/>
-                </a:solidFill>
-                <a:latin typeface="Times New Roman" panose="02020603050405020304" pitchFamily="18" charset="0"/>
-                <a:cs typeface="Times New Roman" panose="02020603050405020304" pitchFamily="18" charset="0"/>
-              </a:rPr>
-              <a:t>Conclusions</a:t>
-            </a:r>
-            <a:br>
-              <a:rPr lang="en-US" sz="2800" dirty="0">
-                <a:solidFill>
-                  <a:schemeClr val="tx1"/>
-                </a:solidFill>
-                <a:latin typeface="Times New Roman" panose="02020603050405020304" pitchFamily="18" charset="0"/>
-                <a:cs typeface="Times New Roman" panose="02020603050405020304" pitchFamily="18" charset="0"/>
-              </a:rPr>
-            </a:br>
-            <a:br>
-              <a:rPr lang="en-US" sz="2800" dirty="0">
-                <a:solidFill>
-                  <a:schemeClr val="tx1"/>
-                </a:solidFill>
-                <a:latin typeface="Times New Roman" panose="02020603050405020304" pitchFamily="18" charset="0"/>
-                <a:cs typeface="Times New Roman" panose="02020603050405020304" pitchFamily="18" charset="0"/>
-              </a:rPr>
-            </a:br>
-            <a:br>
-              <a:rPr lang="en-US" sz="2800" dirty="0">
-                <a:solidFill>
-                  <a:schemeClr val="tx1"/>
-                </a:solidFill>
-                <a:latin typeface="Times New Roman" panose="02020603050405020304" pitchFamily="18" charset="0"/>
-                <a:cs typeface="Times New Roman" panose="02020603050405020304" pitchFamily="18" charset="0"/>
-              </a:rPr>
-            </a:br>
-            <a:br>
-              <a:rPr lang="en-US" sz="2800" dirty="0">
-                <a:solidFill>
-                  <a:schemeClr val="tx1"/>
-                </a:solidFill>
-                <a:latin typeface="Times New Roman" panose="02020603050405020304" pitchFamily="18" charset="0"/>
-                <a:cs typeface="Times New Roman" panose="02020603050405020304" pitchFamily="18" charset="0"/>
-              </a:rPr>
-            </a:br>
-            <a:br>
-              <a:rPr lang="en-US" sz="2800" dirty="0">
-                <a:solidFill>
-                  <a:schemeClr val="tx1"/>
-                </a:solidFill>
-                <a:latin typeface="Times New Roman" panose="02020603050405020304" pitchFamily="18" charset="0"/>
-                <a:cs typeface="Times New Roman" panose="02020603050405020304" pitchFamily="18" charset="0"/>
-              </a:rPr>
-            </a:br>
-            <a:br>
-              <a:rPr lang="en-US" sz="2800" dirty="0">
-                <a:solidFill>
-                  <a:schemeClr val="tx1"/>
-                </a:solidFill>
-                <a:latin typeface="Times New Roman" panose="02020603050405020304" pitchFamily="18" charset="0"/>
-                <a:cs typeface="Times New Roman" panose="02020603050405020304" pitchFamily="18" charset="0"/>
-              </a:rPr>
-            </a:br>
-            <a:endParaRPr lang="en-US" sz="2800" dirty="0">
-              <a:solidFill>
-                <a:schemeClr val="tx1"/>
-              </a:solidFill>
-            </a:endParaRPr>
           </a:p>
         </p:txBody>
       </p:sp>
-      <p:grpSp>
-        <p:nvGrpSpPr>
-          <p:cNvPr id="4" name="Group 8">
+      <p:sp>
+        <p:nvSpPr>
+          <p:cNvPr id="4" name="Slide Number Placeholder 3">
             <a:extLst>
               <a:ext uri="{FF2B5EF4-FFF2-40B4-BE49-F238E27FC236}">
-                <a16:creationId xmlns:a16="http://schemas.microsoft.com/office/drawing/2014/main" id="{11C981F1-09B0-72B9-E045-1BCA0F34CBD2}"/>
+                <a16:creationId xmlns:a16="http://schemas.microsoft.com/office/drawing/2014/main" id="{922423D4-3F5C-668B-E0D7-9ED754B34ECC}"/>
               </a:ext>
             </a:extLst>
           </p:cNvPr>
-          <p:cNvGrpSpPr/>
-          <p:nvPr/>
-        </p:nvGrpSpPr>
-        <p:grpSpPr>
-          <a:xfrm>
-            <a:off x="9613344" y="10722"/>
-            <a:ext cx="2650409" cy="396380"/>
-            <a:chOff x="4464767" y="0"/>
-            <a:chExt cx="2650408" cy="396380"/>
-          </a:xfrm>
-        </p:grpSpPr>
-        <p:sp>
-          <p:nvSpPr>
-            <p:cNvPr id="5" name="Rectangle: Top Corners Rounded 67">
-              <a:extLst>
-                <a:ext uri="{FF2B5EF4-FFF2-40B4-BE49-F238E27FC236}">
-                  <a16:creationId xmlns:a16="http://schemas.microsoft.com/office/drawing/2014/main" id="{63082BA3-8F52-F0AA-84F0-D80D34803E77}"/>
-                </a:ext>
-              </a:extLst>
-            </p:cNvPr>
-            <p:cNvSpPr/>
-            <p:nvPr/>
-          </p:nvSpPr>
-          <p:spPr>
-            <a:xfrm rot="10800000">
-              <a:off x="4464767" y="0"/>
-              <a:ext cx="2650408" cy="396380"/>
-            </a:xfrm>
-            <a:prstGeom prst="round2SameRect">
-              <a:avLst/>
-            </a:prstGeom>
-            <a:solidFill>
-              <a:srgbClr val="FFFFFF"/>
-            </a:solidFill>
-            <a:ln>
-              <a:noFill/>
-            </a:ln>
-          </p:spPr>
-          <p:style>
-            <a:lnRef idx="2">
-              <a:schemeClr val="accent1">
-                <a:shade val="50000"/>
-              </a:schemeClr>
-            </a:lnRef>
-            <a:fillRef idx="1">
-              <a:schemeClr val="accent1"/>
-            </a:fillRef>
-            <a:effectRef idx="0">
-              <a:schemeClr val="accent1"/>
-            </a:effectRef>
-            <a:fontRef idx="minor">
-              <a:schemeClr val="lt1"/>
-            </a:fontRef>
-          </p:style>
-          <p:txBody>
-            <a:bodyPr rtlCol="0" anchor="ctr"/>
-            <a:lstStyle/>
-            <a:p>
-              <a:pPr algn="ctr"/>
-              <a:endParaRPr lang="en-US" sz="1801"/>
-            </a:p>
-          </p:txBody>
-        </p:sp>
-        <p:pic>
-          <p:nvPicPr>
-            <p:cNvPr id="6" name="Picture 10">
-              <a:extLst>
-                <a:ext uri="{FF2B5EF4-FFF2-40B4-BE49-F238E27FC236}">
-                  <a16:creationId xmlns:a16="http://schemas.microsoft.com/office/drawing/2014/main" id="{C5DEAF81-DA5B-1ECD-0D40-D6DB5565838F}"/>
-                </a:ext>
-              </a:extLst>
-            </p:cNvPr>
-            <p:cNvPicPr>
-              <a:picLocks noChangeAspect="1"/>
-            </p:cNvPicPr>
-            <p:nvPr/>
-          </p:nvPicPr>
-          <p:blipFill rotWithShape="1">
-            <a:blip r:embed="rId2"/>
-            <a:srcRect t="4883" b="36591"/>
-            <a:stretch>
-              <a:fillRect/>
-            </a:stretch>
-          </p:blipFill>
-          <p:spPr>
-            <a:xfrm>
-              <a:off x="4565475" y="42057"/>
-              <a:ext cx="766472" cy="312266"/>
-            </a:xfrm>
-            <a:prstGeom prst="rect">
-              <a:avLst/>
-            </a:prstGeom>
-          </p:spPr>
-        </p:pic>
-      </p:grpSp>
-      <p:pic>
-        <p:nvPicPr>
-          <p:cNvPr id="7" name="Picture 11">
-            <a:extLst>
-              <a:ext uri="{FF2B5EF4-FFF2-40B4-BE49-F238E27FC236}">
-                <a16:creationId xmlns:a16="http://schemas.microsoft.com/office/drawing/2014/main" id="{45106599-5673-443D-7204-C33883656320}"/>
-              </a:ext>
-            </a:extLst>
-          </p:cNvPr>
-          <p:cNvPicPr>
-            <a:picLocks noChangeAspect="1"/>
-          </p:cNvPicPr>
-          <p:nvPr/>
-        </p:nvPicPr>
-        <p:blipFill>
-          <a:blip r:embed="rId3" cstate="hqprint"/>
-          <a:stretch>
-            <a:fillRect/>
-          </a:stretch>
-        </p:blipFill>
-        <p:spPr>
-          <a:xfrm>
-            <a:off x="10480524" y="52779"/>
-            <a:ext cx="929924" cy="407102"/>
-          </a:xfrm>
-          <a:prstGeom prst="rect">
-            <a:avLst/>
-          </a:prstGeom>
-        </p:spPr>
-      </p:pic>
-      <p:pic>
-        <p:nvPicPr>
-          <p:cNvPr id="8" name="Picture 12">
-            <a:extLst>
-              <a:ext uri="{FF2B5EF4-FFF2-40B4-BE49-F238E27FC236}">
-                <a16:creationId xmlns:a16="http://schemas.microsoft.com/office/drawing/2014/main" id="{E348E025-BBD8-52B1-69FA-EBFA1AAA0039}"/>
-              </a:ext>
-            </a:extLst>
-          </p:cNvPr>
-          <p:cNvPicPr>
-            <a:picLocks noChangeAspect="1"/>
-          </p:cNvPicPr>
-          <p:nvPr/>
-        </p:nvPicPr>
-        <p:blipFill>
-          <a:blip r:embed="rId4" cstate="hqprint"/>
-          <a:stretch>
-            <a:fillRect/>
-          </a:stretch>
-        </p:blipFill>
-        <p:spPr>
-          <a:xfrm>
-            <a:off x="11660879" y="42063"/>
-            <a:ext cx="313753" cy="365039"/>
-          </a:xfrm>
-          <a:prstGeom prst="rect">
-            <a:avLst/>
-          </a:prstGeom>
-        </p:spPr>
-      </p:pic>
+          <p:cNvSpPr>
+            <a:spLocks noGrp="1"/>
+          </p:cNvSpPr>
+          <p:nvPr>
+            <p:ph type="sldNum" idx="4"/>
+          </p:nvPr>
+        </p:nvSpPr>
+        <p:spPr/>
+        <p:txBody>
+          <a:bodyPr/>
+          <a:lstStyle/>
+          <a:p>
+            <a:fld id="{00000000-1234-1234-1234-123412341234}" type="slidenum">
+              <a:rPr lang="nl-NL" smtClean="0"/>
+              <a:t>20</a:t>
+            </a:fld>
+            <a:endParaRPr lang="nl-NL" dirty="0"/>
+          </a:p>
+        </p:txBody>
+      </p:sp>
     </p:spTree>
     <p:extLst>
       <p:ext uri="{BB962C8B-B14F-4D97-AF65-F5344CB8AC3E}">
-        <p14:creationId xmlns:p14="http://schemas.microsoft.com/office/powerpoint/2010/main" val="3294003417"/>
+        <p14:creationId xmlns:p14="http://schemas.microsoft.com/office/powerpoint/2010/main" val="4278717129"/>
       </p:ext>
     </p:extLst>
   </p:cSld>
@@ -15378,7 +16418,7 @@
 </p:sld>
 </file>
 
-<file path=ppt/slides/slide20.xml><?xml version="1.0" encoding="utf-8"?>
+<file path=ppt/slides/slide21.xml><?xml version="1.0" encoding="utf-8"?>
 <p:sld xmlns:a="http://schemas.openxmlformats.org/drawingml/2006/main" xmlns:r="http://schemas.openxmlformats.org/officeDocument/2006/relationships" xmlns:p="http://schemas.openxmlformats.org/presentationml/2006/main">
   <p:cSld>
     <p:spTree>
@@ -15559,42 +16599,74 @@
           </a:prstGeom>
         </p:spPr>
       </p:pic>
-      <p:pic>
-        <p:nvPicPr>
-          <p:cNvPr id="10" name="Picture 9">
+      <p:sp>
+        <p:nvSpPr>
+          <p:cNvPr id="3" name="Slide Number Placeholder 2">
             <a:extLst>
               <a:ext uri="{FF2B5EF4-FFF2-40B4-BE49-F238E27FC236}">
-                <a16:creationId xmlns:a16="http://schemas.microsoft.com/office/drawing/2014/main" id="{3794BA71-9622-148F-4DC1-026379676C07}"/>
+                <a16:creationId xmlns:a16="http://schemas.microsoft.com/office/drawing/2014/main" id="{1CD5A737-4396-EBF1-A340-7C32AA0C8098}"/>
               </a:ext>
             </a:extLst>
           </p:cNvPr>
-          <p:cNvPicPr>
-            <a:picLocks noChangeAspect="1"/>
-          </p:cNvPicPr>
-          <p:nvPr/>
-        </p:nvPicPr>
-        <p:blipFill>
-          <a:blip r:embed="rId5">
+          <p:cNvSpPr>
+            <a:spLocks noGrp="1"/>
+          </p:cNvSpPr>
+          <p:nvPr>
+            <p:ph type="sldNum" sz="quarter" idx="12"/>
+          </p:nvPr>
+        </p:nvSpPr>
+        <p:spPr/>
+        <p:txBody>
+          <a:bodyPr/>
+          <a:lstStyle/>
+          <a:p>
+            <a:fld id="{00000000-1234-1234-1234-123412341234}" type="slidenum">
+              <a:rPr lang="nl-NL" smtClean="0"/>
+              <a:t>21</a:t>
+            </a:fld>
+            <a:endParaRPr lang="nl-NL" dirty="0"/>
+          </a:p>
+        </p:txBody>
+      </p:sp>
+      <p:sp>
+        <p:nvSpPr>
+          <p:cNvPr id="13" name="TextBox 12">
             <a:extLst>
-              <a:ext uri="{28A0092B-C50C-407E-A947-70E740481C1C}">
-                <a14:useLocalDpi xmlns:a14="http://schemas.microsoft.com/office/drawing/2010/main" val="0"/>
+              <a:ext uri="{FF2B5EF4-FFF2-40B4-BE49-F238E27FC236}">
+                <a16:creationId xmlns:a16="http://schemas.microsoft.com/office/drawing/2014/main" id="{46B87DAB-24D3-C8A7-1333-0E82B3C383F4}"/>
               </a:ext>
             </a:extLst>
-          </a:blip>
-          <a:stretch>
-            <a:fillRect/>
-          </a:stretch>
-        </p:blipFill>
+          </p:cNvPr>
+          <p:cNvSpPr txBox="1"/>
+          <p:nvPr/>
+        </p:nvSpPr>
         <p:spPr>
           <a:xfrm>
-            <a:off x="0" y="0"/>
-            <a:ext cx="12192000" cy="6857999"/>
+            <a:off x="2283279" y="2228671"/>
+            <a:ext cx="7625442" cy="1200329"/>
           </a:xfrm>
           <a:prstGeom prst="rect">
             <a:avLst/>
           </a:prstGeom>
+          <a:noFill/>
         </p:spPr>
-      </p:pic>
+        <p:txBody>
+          <a:bodyPr wrap="square" rtlCol="0">
+            <a:spAutoFit/>
+          </a:bodyPr>
+          <a:lstStyle/>
+          <a:p>
+            <a:pPr algn="ctr"/>
+            <a:r>
+              <a:rPr lang="en-US" sz="7200" b="1" dirty="0">
+                <a:latin typeface="Calibri" panose="020F0502020204030204" pitchFamily="34" charset="0"/>
+                <a:cs typeface="Calibri" panose="020F0502020204030204" pitchFamily="34" charset="0"/>
+              </a:rPr>
+              <a:t>THANK YOU</a:t>
+            </a:r>
+          </a:p>
+        </p:txBody>
+      </p:sp>
     </p:spTree>
     <p:extLst>
       <p:ext uri="{BB962C8B-B14F-4D97-AF65-F5344CB8AC3E}">
@@ -15642,6 +16714,524 @@
           <p:cNvPr id="2" name="Title 1">
             <a:extLst>
               <a:ext uri="{FF2B5EF4-FFF2-40B4-BE49-F238E27FC236}">
+                <a16:creationId xmlns:a16="http://schemas.microsoft.com/office/drawing/2014/main" id="{27AF7E0F-C0BB-E920-4B10-BFDC22DFFBB9}"/>
+              </a:ext>
+            </a:extLst>
+          </p:cNvPr>
+          <p:cNvSpPr>
+            <a:spLocks noGrp="1"/>
+          </p:cNvSpPr>
+          <p:nvPr>
+            <p:ph type="ctrTitle"/>
+          </p:nvPr>
+        </p:nvSpPr>
+        <p:spPr>
+          <a:xfrm>
+            <a:off x="898071" y="584374"/>
+            <a:ext cx="5833600" cy="1509138"/>
+          </a:xfrm>
+        </p:spPr>
+        <p:txBody>
+          <a:bodyPr/>
+          <a:lstStyle/>
+          <a:p>
+            <a:pPr lvl="0">
+              <a:lnSpc>
+                <a:spcPct val="150000"/>
+              </a:lnSpc>
+            </a:pPr>
+            <a:br>
+              <a:rPr lang="en-GH" sz="2000" b="1" dirty="0">
+                <a:solidFill>
+                  <a:schemeClr val="bg1"/>
+                </a:solidFill>
+              </a:rPr>
+            </a:br>
+            <a:br>
+              <a:rPr lang="en-US" sz="2000" b="1" dirty="0">
+                <a:solidFill>
+                  <a:schemeClr val="bg1"/>
+                </a:solidFill>
+                <a:latin typeface="Times New Roman" panose="02020603050405020304" pitchFamily="18" charset="0"/>
+                <a:cs typeface="Times New Roman" panose="02020603050405020304" pitchFamily="18" charset="0"/>
+              </a:rPr>
+            </a:br>
+            <a:r>
+              <a:rPr lang="en-US" sz="3600" b="1" dirty="0">
+                <a:solidFill>
+                  <a:srgbClr val="FF0000"/>
+                </a:solidFill>
+                <a:latin typeface="Calibri" panose="020F0502020204030204" pitchFamily="34" charset="0"/>
+                <a:cs typeface="Calibri" panose="020F0502020204030204" pitchFamily="34" charset="0"/>
+              </a:rPr>
+              <a:t>OUTLINE</a:t>
+            </a:r>
+            <a:r>
+              <a:rPr lang="en-US" sz="3600" b="1" dirty="0">
+                <a:solidFill>
+                  <a:srgbClr val="FF0000"/>
+                </a:solidFill>
+                <a:latin typeface="Times New Roman" panose="02020603050405020304" pitchFamily="18" charset="0"/>
+                <a:cs typeface="Times New Roman" panose="02020603050405020304" pitchFamily="18" charset="0"/>
+              </a:rPr>
+              <a:t>:</a:t>
+            </a:r>
+            <a:br>
+              <a:rPr lang="en-US" sz="2000" b="1" dirty="0">
+                <a:solidFill>
+                  <a:srgbClr val="FF0000"/>
+                </a:solidFill>
+                <a:latin typeface="Times New Roman" panose="02020603050405020304" pitchFamily="18" charset="0"/>
+                <a:cs typeface="Times New Roman" panose="02020603050405020304" pitchFamily="18" charset="0"/>
+              </a:rPr>
+            </a:br>
+            <a:br>
+              <a:rPr lang="en-GH" dirty="0"/>
+            </a:br>
+            <a:endParaRPr lang="en-US" dirty="0"/>
+          </a:p>
+        </p:txBody>
+      </p:sp>
+      <p:sp>
+        <p:nvSpPr>
+          <p:cNvPr id="3" name="Subtitle 2">
+            <a:extLst>
+              <a:ext uri="{FF2B5EF4-FFF2-40B4-BE49-F238E27FC236}">
+                <a16:creationId xmlns:a16="http://schemas.microsoft.com/office/drawing/2014/main" id="{AA8805E6-BDAF-02EE-FC81-E6B6CA5511DE}"/>
+              </a:ext>
+            </a:extLst>
+          </p:cNvPr>
+          <p:cNvSpPr>
+            <a:spLocks noGrp="1"/>
+          </p:cNvSpPr>
+          <p:nvPr>
+            <p:ph type="subTitle" idx="1"/>
+          </p:nvPr>
+        </p:nvSpPr>
+        <p:spPr>
+          <a:xfrm>
+            <a:off x="576987" y="4036612"/>
+            <a:ext cx="6475767" cy="4474028"/>
+          </a:xfrm>
+        </p:spPr>
+        <p:txBody>
+          <a:bodyPr/>
+          <a:lstStyle/>
+          <a:p>
+            <a:pPr>
+              <a:lnSpc>
+                <a:spcPct val="200000"/>
+              </a:lnSpc>
+              <a:buFont typeface="Wingdings" panose="05000000000000000000" pitchFamily="2" charset="2"/>
+              <a:buChar char="Ø"/>
+            </a:pPr>
+            <a:r>
+              <a:rPr lang="en-US" sz="2800" b="1" dirty="0">
+                <a:solidFill>
+                  <a:schemeClr val="tx1"/>
+                </a:solidFill>
+                <a:latin typeface="Calibri Light" panose="020F0302020204030204" pitchFamily="34" charset="0"/>
+                <a:cs typeface="Calibri Light" panose="020F0302020204030204" pitchFamily="34" charset="0"/>
+              </a:rPr>
+              <a:t>A brief introduction about the data set</a:t>
+            </a:r>
+          </a:p>
+          <a:p>
+            <a:pPr>
+              <a:lnSpc>
+                <a:spcPct val="200000"/>
+              </a:lnSpc>
+              <a:buFont typeface="Wingdings" panose="05000000000000000000" pitchFamily="2" charset="2"/>
+              <a:buChar char="Ø"/>
+            </a:pPr>
+            <a:r>
+              <a:rPr lang="en-US" sz="2800" b="1" dirty="0">
+                <a:solidFill>
+                  <a:schemeClr val="tx1"/>
+                </a:solidFill>
+                <a:latin typeface="Calibri Light" panose="020F0302020204030204" pitchFamily="34" charset="0"/>
+                <a:cs typeface="Calibri Light" panose="020F0302020204030204" pitchFamily="34" charset="0"/>
+              </a:rPr>
+              <a:t>Tools and libraries</a:t>
+            </a:r>
+          </a:p>
+          <a:p>
+            <a:pPr>
+              <a:lnSpc>
+                <a:spcPct val="200000"/>
+              </a:lnSpc>
+              <a:buFont typeface="Wingdings" panose="05000000000000000000" pitchFamily="2" charset="2"/>
+              <a:buChar char="Ø"/>
+            </a:pPr>
+            <a:r>
+              <a:rPr lang="en-US" sz="2800" b="1" dirty="0">
+                <a:solidFill>
+                  <a:schemeClr val="tx1"/>
+                </a:solidFill>
+                <a:latin typeface="Calibri Light" panose="020F0302020204030204" pitchFamily="34" charset="0"/>
+                <a:cs typeface="Calibri Light" panose="020F0302020204030204" pitchFamily="34" charset="0"/>
+              </a:rPr>
+              <a:t>Hypothesis</a:t>
+            </a:r>
+          </a:p>
+          <a:p>
+            <a:pPr>
+              <a:lnSpc>
+                <a:spcPct val="200000"/>
+              </a:lnSpc>
+              <a:buFont typeface="Wingdings" panose="05000000000000000000" pitchFamily="2" charset="2"/>
+              <a:buChar char="Ø"/>
+            </a:pPr>
+            <a:r>
+              <a:rPr lang="en-US" sz="2800" b="1" dirty="0">
+                <a:solidFill>
+                  <a:schemeClr val="tx1"/>
+                </a:solidFill>
+                <a:latin typeface="Calibri Light" panose="020F0302020204030204" pitchFamily="34" charset="0"/>
+                <a:cs typeface="Calibri Light" panose="020F0302020204030204" pitchFamily="34" charset="0"/>
+              </a:rPr>
+              <a:t>Questions</a:t>
+            </a:r>
+          </a:p>
+          <a:p>
+            <a:pPr>
+              <a:lnSpc>
+                <a:spcPct val="200000"/>
+              </a:lnSpc>
+              <a:buFont typeface="Wingdings" panose="05000000000000000000" pitchFamily="2" charset="2"/>
+              <a:buChar char="Ø"/>
+            </a:pPr>
+            <a:r>
+              <a:rPr lang="en-US" sz="2800" b="1" dirty="0">
+                <a:solidFill>
+                  <a:schemeClr val="tx1"/>
+                </a:solidFill>
+                <a:latin typeface="Calibri Light" panose="020F0302020204030204" pitchFamily="34" charset="0"/>
+                <a:cs typeface="Calibri Light" panose="020F0302020204030204" pitchFamily="34" charset="0"/>
+              </a:rPr>
+              <a:t>Visualizations and insights</a:t>
+            </a:r>
+          </a:p>
+          <a:p>
+            <a:pPr>
+              <a:lnSpc>
+                <a:spcPct val="200000"/>
+              </a:lnSpc>
+              <a:buFont typeface="Wingdings" panose="05000000000000000000" pitchFamily="2" charset="2"/>
+              <a:buChar char="Ø"/>
+            </a:pPr>
+            <a:r>
+              <a:rPr lang="en-US" sz="2800" b="1" dirty="0">
+                <a:solidFill>
+                  <a:schemeClr val="tx1"/>
+                </a:solidFill>
+                <a:latin typeface="Calibri Light" panose="020F0302020204030204" pitchFamily="34" charset="0"/>
+                <a:cs typeface="Calibri Light" panose="020F0302020204030204" pitchFamily="34" charset="0"/>
+              </a:rPr>
+              <a:t>Conclusions</a:t>
+            </a:r>
+            <a:br>
+              <a:rPr lang="en-US" sz="2800" dirty="0">
+                <a:solidFill>
+                  <a:schemeClr val="tx1"/>
+                </a:solidFill>
+                <a:latin typeface="Times New Roman" panose="02020603050405020304" pitchFamily="18" charset="0"/>
+                <a:cs typeface="Times New Roman" panose="02020603050405020304" pitchFamily="18" charset="0"/>
+              </a:rPr>
+            </a:br>
+            <a:br>
+              <a:rPr lang="en-US" sz="2800" dirty="0">
+                <a:solidFill>
+                  <a:schemeClr val="tx1"/>
+                </a:solidFill>
+                <a:latin typeface="Times New Roman" panose="02020603050405020304" pitchFamily="18" charset="0"/>
+                <a:cs typeface="Times New Roman" panose="02020603050405020304" pitchFamily="18" charset="0"/>
+              </a:rPr>
+            </a:br>
+            <a:br>
+              <a:rPr lang="en-US" sz="2800" dirty="0">
+                <a:solidFill>
+                  <a:schemeClr val="tx1"/>
+                </a:solidFill>
+                <a:latin typeface="Times New Roman" panose="02020603050405020304" pitchFamily="18" charset="0"/>
+                <a:cs typeface="Times New Roman" panose="02020603050405020304" pitchFamily="18" charset="0"/>
+              </a:rPr>
+            </a:br>
+            <a:br>
+              <a:rPr lang="en-US" sz="2800" dirty="0">
+                <a:solidFill>
+                  <a:schemeClr val="tx1"/>
+                </a:solidFill>
+                <a:latin typeface="Times New Roman" panose="02020603050405020304" pitchFamily="18" charset="0"/>
+                <a:cs typeface="Times New Roman" panose="02020603050405020304" pitchFamily="18" charset="0"/>
+              </a:rPr>
+            </a:br>
+            <a:br>
+              <a:rPr lang="en-US" sz="2800" dirty="0">
+                <a:solidFill>
+                  <a:schemeClr val="tx1"/>
+                </a:solidFill>
+                <a:latin typeface="Times New Roman" panose="02020603050405020304" pitchFamily="18" charset="0"/>
+                <a:cs typeface="Times New Roman" panose="02020603050405020304" pitchFamily="18" charset="0"/>
+              </a:rPr>
+            </a:br>
+            <a:br>
+              <a:rPr lang="en-US" sz="2800" dirty="0">
+                <a:solidFill>
+                  <a:schemeClr val="tx1"/>
+                </a:solidFill>
+                <a:latin typeface="Times New Roman" panose="02020603050405020304" pitchFamily="18" charset="0"/>
+                <a:cs typeface="Times New Roman" panose="02020603050405020304" pitchFamily="18" charset="0"/>
+              </a:rPr>
+            </a:br>
+            <a:endParaRPr lang="en-US" sz="2800" dirty="0">
+              <a:solidFill>
+                <a:schemeClr val="tx1"/>
+              </a:solidFill>
+            </a:endParaRPr>
+          </a:p>
+        </p:txBody>
+      </p:sp>
+      <p:grpSp>
+        <p:nvGrpSpPr>
+          <p:cNvPr id="4" name="Group 8">
+            <a:extLst>
+              <a:ext uri="{FF2B5EF4-FFF2-40B4-BE49-F238E27FC236}">
+                <a16:creationId xmlns:a16="http://schemas.microsoft.com/office/drawing/2014/main" id="{11C981F1-09B0-72B9-E045-1BCA0F34CBD2}"/>
+              </a:ext>
+            </a:extLst>
+          </p:cNvPr>
+          <p:cNvGrpSpPr/>
+          <p:nvPr/>
+        </p:nvGrpSpPr>
+        <p:grpSpPr>
+          <a:xfrm>
+            <a:off x="9613344" y="10722"/>
+            <a:ext cx="2650409" cy="396380"/>
+            <a:chOff x="4464767" y="0"/>
+            <a:chExt cx="2650408" cy="396380"/>
+          </a:xfrm>
+        </p:grpSpPr>
+        <p:sp>
+          <p:nvSpPr>
+            <p:cNvPr id="5" name="Rectangle: Top Corners Rounded 67">
+              <a:extLst>
+                <a:ext uri="{FF2B5EF4-FFF2-40B4-BE49-F238E27FC236}">
+                  <a16:creationId xmlns:a16="http://schemas.microsoft.com/office/drawing/2014/main" id="{63082BA3-8F52-F0AA-84F0-D80D34803E77}"/>
+                </a:ext>
+              </a:extLst>
+            </p:cNvPr>
+            <p:cNvSpPr/>
+            <p:nvPr/>
+          </p:nvSpPr>
+          <p:spPr>
+            <a:xfrm rot="10800000">
+              <a:off x="4464767" y="0"/>
+              <a:ext cx="2650408" cy="396380"/>
+            </a:xfrm>
+            <a:prstGeom prst="round2SameRect">
+              <a:avLst/>
+            </a:prstGeom>
+            <a:solidFill>
+              <a:srgbClr val="FFFFFF"/>
+            </a:solidFill>
+            <a:ln>
+              <a:noFill/>
+            </a:ln>
+          </p:spPr>
+          <p:style>
+            <a:lnRef idx="2">
+              <a:schemeClr val="accent1">
+                <a:shade val="50000"/>
+              </a:schemeClr>
+            </a:lnRef>
+            <a:fillRef idx="1">
+              <a:schemeClr val="accent1"/>
+            </a:fillRef>
+            <a:effectRef idx="0">
+              <a:schemeClr val="accent1"/>
+            </a:effectRef>
+            <a:fontRef idx="minor">
+              <a:schemeClr val="lt1"/>
+            </a:fontRef>
+          </p:style>
+          <p:txBody>
+            <a:bodyPr rtlCol="0" anchor="ctr"/>
+            <a:lstStyle/>
+            <a:p>
+              <a:pPr algn="ctr"/>
+              <a:endParaRPr lang="en-US" sz="1801"/>
+            </a:p>
+          </p:txBody>
+        </p:sp>
+        <p:pic>
+          <p:nvPicPr>
+            <p:cNvPr id="6" name="Picture 10">
+              <a:extLst>
+                <a:ext uri="{FF2B5EF4-FFF2-40B4-BE49-F238E27FC236}">
+                  <a16:creationId xmlns:a16="http://schemas.microsoft.com/office/drawing/2014/main" id="{C5DEAF81-DA5B-1ECD-0D40-D6DB5565838F}"/>
+                </a:ext>
+              </a:extLst>
+            </p:cNvPr>
+            <p:cNvPicPr>
+              <a:picLocks noChangeAspect="1"/>
+            </p:cNvPicPr>
+            <p:nvPr/>
+          </p:nvPicPr>
+          <p:blipFill rotWithShape="1">
+            <a:blip r:embed="rId2"/>
+            <a:srcRect t="4883" b="36591"/>
+            <a:stretch>
+              <a:fillRect/>
+            </a:stretch>
+          </p:blipFill>
+          <p:spPr>
+            <a:xfrm>
+              <a:off x="4565475" y="42057"/>
+              <a:ext cx="766472" cy="312266"/>
+            </a:xfrm>
+            <a:prstGeom prst="rect">
+              <a:avLst/>
+            </a:prstGeom>
+          </p:spPr>
+        </p:pic>
+      </p:grpSp>
+      <p:pic>
+        <p:nvPicPr>
+          <p:cNvPr id="7" name="Picture 11">
+            <a:extLst>
+              <a:ext uri="{FF2B5EF4-FFF2-40B4-BE49-F238E27FC236}">
+                <a16:creationId xmlns:a16="http://schemas.microsoft.com/office/drawing/2014/main" id="{45106599-5673-443D-7204-C33883656320}"/>
+              </a:ext>
+            </a:extLst>
+          </p:cNvPr>
+          <p:cNvPicPr>
+            <a:picLocks noChangeAspect="1"/>
+          </p:cNvPicPr>
+          <p:nvPr/>
+        </p:nvPicPr>
+        <p:blipFill>
+          <a:blip r:embed="rId3" cstate="hqprint"/>
+          <a:stretch>
+            <a:fillRect/>
+          </a:stretch>
+        </p:blipFill>
+        <p:spPr>
+          <a:xfrm>
+            <a:off x="10441834" y="42063"/>
+            <a:ext cx="929924" cy="407102"/>
+          </a:xfrm>
+          <a:prstGeom prst="rect">
+            <a:avLst/>
+          </a:prstGeom>
+        </p:spPr>
+      </p:pic>
+      <p:pic>
+        <p:nvPicPr>
+          <p:cNvPr id="8" name="Picture 12">
+            <a:extLst>
+              <a:ext uri="{FF2B5EF4-FFF2-40B4-BE49-F238E27FC236}">
+                <a16:creationId xmlns:a16="http://schemas.microsoft.com/office/drawing/2014/main" id="{E348E025-BBD8-52B1-69FA-EBFA1AAA0039}"/>
+              </a:ext>
+            </a:extLst>
+          </p:cNvPr>
+          <p:cNvPicPr>
+            <a:picLocks noChangeAspect="1"/>
+          </p:cNvPicPr>
+          <p:nvPr/>
+        </p:nvPicPr>
+        <p:blipFill>
+          <a:blip r:embed="rId4" cstate="hqprint"/>
+          <a:stretch>
+            <a:fillRect/>
+          </a:stretch>
+        </p:blipFill>
+        <p:spPr>
+          <a:xfrm>
+            <a:off x="11660879" y="42063"/>
+            <a:ext cx="313753" cy="365039"/>
+          </a:xfrm>
+          <a:prstGeom prst="rect">
+            <a:avLst/>
+          </a:prstGeom>
+        </p:spPr>
+      </p:pic>
+      <p:sp>
+        <p:nvSpPr>
+          <p:cNvPr id="9" name="Slide Number Placeholder 8">
+            <a:extLst>
+              <a:ext uri="{FF2B5EF4-FFF2-40B4-BE49-F238E27FC236}">
+                <a16:creationId xmlns:a16="http://schemas.microsoft.com/office/drawing/2014/main" id="{A07497BA-9CA3-AEE5-8D68-BBA43A241721}"/>
+              </a:ext>
+            </a:extLst>
+          </p:cNvPr>
+          <p:cNvSpPr>
+            <a:spLocks noGrp="1"/>
+          </p:cNvSpPr>
+          <p:nvPr>
+            <p:ph type="sldNum" idx="4"/>
+          </p:nvPr>
+        </p:nvSpPr>
+        <p:spPr/>
+        <p:txBody>
+          <a:bodyPr/>
+          <a:lstStyle/>
+          <a:p>
+            <a:fld id="{00000000-1234-1234-1234-123412341234}" type="slidenum">
+              <a:rPr lang="nl-NL" smtClean="0"/>
+              <a:t>3</a:t>
+            </a:fld>
+            <a:endParaRPr lang="nl-NL" dirty="0"/>
+          </a:p>
+        </p:txBody>
+      </p:sp>
+    </p:spTree>
+    <p:extLst>
+      <p:ext uri="{BB962C8B-B14F-4D97-AF65-F5344CB8AC3E}">
+        <p14:creationId xmlns:p14="http://schemas.microsoft.com/office/powerpoint/2010/main" val="3294003417"/>
+      </p:ext>
+    </p:extLst>
+  </p:cSld>
+  <p:clrMapOvr>
+    <a:masterClrMapping/>
+  </p:clrMapOvr>
+  <mc:AlternateContent xmlns:mc="http://schemas.openxmlformats.org/markup-compatibility/2006" xmlns:p159="http://schemas.microsoft.com/office/powerpoint/2015/09/main">
+    <mc:Choice Requires="p159">
+      <p:transition xmlns:p14="http://schemas.microsoft.com/office/powerpoint/2010/main" spd="slow" p14:dur="2000">
+        <p159:morph option="byObject"/>
+      </p:transition>
+    </mc:Choice>
+    <mc:Fallback xmlns="">
+      <p:transition spd="slow">
+        <p:fade/>
+      </p:transition>
+    </mc:Fallback>
+  </mc:AlternateContent>
+</p:sld>
+</file>
+
+<file path=ppt/slides/slide4.xml><?xml version="1.0" encoding="utf-8"?>
+<p:sld xmlns:a="http://schemas.openxmlformats.org/drawingml/2006/main" xmlns:r="http://schemas.openxmlformats.org/officeDocument/2006/relationships" xmlns:p="http://schemas.openxmlformats.org/presentationml/2006/main">
+  <p:cSld>
+    <p:spTree>
+      <p:nvGrpSpPr>
+        <p:cNvPr id="1" name=""/>
+        <p:cNvGrpSpPr/>
+        <p:nvPr/>
+      </p:nvGrpSpPr>
+      <p:grpSpPr>
+        <a:xfrm>
+          <a:off x="0" y="0"/>
+          <a:ext cx="0" cy="0"/>
+          <a:chOff x="0" y="0"/>
+          <a:chExt cx="0" cy="0"/>
+        </a:xfrm>
+      </p:grpSpPr>
+      <p:sp>
+        <p:nvSpPr>
+          <p:cNvPr id="2" name="Title 1">
+            <a:extLst>
+              <a:ext uri="{FF2B5EF4-FFF2-40B4-BE49-F238E27FC236}">
                 <a16:creationId xmlns:a16="http://schemas.microsoft.com/office/drawing/2014/main" id="{C45D161D-AE54-5E7A-03B2-5FC7FFB2A055}"/>
               </a:ext>
             </a:extLst>
@@ -15655,25 +17245,29 @@
         </p:nvSpPr>
         <p:spPr>
           <a:xfrm>
-            <a:off x="197841" y="0"/>
-            <a:ext cx="9797143" cy="1182567"/>
+            <a:off x="1661843" y="9848"/>
+            <a:ext cx="8868313" cy="1051510"/>
           </a:xfrm>
         </p:spPr>
         <p:txBody>
           <a:bodyPr/>
           <a:lstStyle/>
           <a:p>
+            <a:pPr algn="ctr"/>
             <a:r>
               <a:rPr lang="en-US" sz="4400" dirty="0">
                 <a:solidFill>
                   <a:srgbClr val="FF0000"/>
                 </a:solidFill>
-                <a:latin typeface="Times New Roman" panose="02020603050405020304" pitchFamily="18" charset="0"/>
-                <a:cs typeface="Times New Roman" panose="02020603050405020304" pitchFamily="18" charset="0"/>
+                <a:latin typeface="Calibri" panose="020F0502020204030204" pitchFamily="34" charset="0"/>
+                <a:cs typeface="Calibri" panose="020F0502020204030204" pitchFamily="34" charset="0"/>
               </a:rPr>
               <a:t>A brief Information about the Dataset</a:t>
             </a:r>
-            <a:endParaRPr lang="en-US" dirty="0"/>
+            <a:endParaRPr lang="en-US" dirty="0">
+              <a:latin typeface="Calibri" panose="020F0502020204030204" pitchFamily="34" charset="0"/>
+              <a:cs typeface="Calibri" panose="020F0502020204030204" pitchFamily="34" charset="0"/>
+            </a:endParaRPr>
           </a:p>
         </p:txBody>
       </p:sp>
@@ -15695,8 +17289,8 @@
         </p:nvSpPr>
         <p:spPr>
           <a:xfrm>
-            <a:off x="424542" y="3102429"/>
-            <a:ext cx="11576957" cy="2125371"/>
+            <a:off x="424542" y="3086101"/>
+            <a:ext cx="11576957" cy="2141700"/>
           </a:xfrm>
         </p:spPr>
         <p:txBody>
@@ -15709,25 +17303,25 @@
               </a:buClr>
             </a:pPr>
             <a:r>
-              <a:rPr lang="en-GB" sz="2800" dirty="0">
+              <a:rPr lang="en-GB" sz="2800" b="1" dirty="0">
                 <a:solidFill>
                   <a:srgbClr val="FFFFFF"/>
                 </a:solidFill>
-                <a:latin typeface="Times New Roman" panose="02020603050405020304" pitchFamily="18" charset="0"/>
+                <a:latin typeface="Calibri Light" panose="020F0302020204030204" pitchFamily="34" charset="0"/>
                 <a:ea typeface="Times New Roman" panose="02020603050405020304" pitchFamily="18" charset="0"/>
-                <a:cs typeface="Times New Roman" panose="02020603050405020304" pitchFamily="18" charset="0"/>
+                <a:cs typeface="Calibri Light" panose="020F0302020204030204" pitchFamily="34" charset="0"/>
               </a:rPr>
               <a:t>Video game is one the most consumed entertainment all over the world. It is consumed by both children and adults.</a:t>
             </a:r>
           </a:p>
           <a:p>
             <a:pPr marL="146050" indent="0"/>
-            <a:endParaRPr lang="en-US" sz="2800" dirty="0">
+            <a:endParaRPr lang="en-US" sz="2800" b="1" dirty="0">
               <a:solidFill>
                 <a:srgbClr val="FFFFFF"/>
               </a:solidFill>
-              <a:latin typeface="Times New Roman" panose="02020603050405020304" pitchFamily="18" charset="0"/>
-              <a:cs typeface="Times New Roman" panose="02020603050405020304" pitchFamily="18" charset="0"/>
+              <a:latin typeface="Calibri Light" panose="020F0302020204030204" pitchFamily="34" charset="0"/>
+              <a:cs typeface="Calibri Light" panose="020F0302020204030204" pitchFamily="34" charset="0"/>
             </a:endParaRPr>
           </a:p>
           <a:p>
@@ -15737,24 +17331,24 @@
               </a:buClr>
             </a:pPr>
             <a:r>
-              <a:rPr lang="en-US" sz="2800" dirty="0">
+              <a:rPr lang="en-US" sz="2800" b="1" dirty="0">
                 <a:solidFill>
                   <a:schemeClr val="tx1"/>
                 </a:solidFill>
-                <a:latin typeface="Times New Roman" panose="02020603050405020304" pitchFamily="18" charset="0"/>
-                <a:cs typeface="Times New Roman" panose="02020603050405020304" pitchFamily="18" charset="0"/>
+                <a:latin typeface="Calibri Light" panose="020F0302020204030204" pitchFamily="34" charset="0"/>
+                <a:cs typeface="Calibri Light" panose="020F0302020204030204" pitchFamily="34" charset="0"/>
               </a:rPr>
               <a:t>The dataset was a video game sales and it contains a list of video games with sales greater than 100,000 copies. </a:t>
             </a:r>
           </a:p>
           <a:p>
             <a:pPr marL="146050" indent="0"/>
-            <a:endParaRPr lang="en-US" sz="2800" dirty="0">
+            <a:endParaRPr lang="en-US" sz="2800" b="1" dirty="0">
               <a:solidFill>
                 <a:srgbClr val="FFFFFF"/>
               </a:solidFill>
-              <a:latin typeface="Times New Roman" panose="02020603050405020304" pitchFamily="18" charset="0"/>
-              <a:cs typeface="Times New Roman" panose="02020603050405020304" pitchFamily="18" charset="0"/>
+              <a:latin typeface="Calibri Light" panose="020F0302020204030204" pitchFamily="34" charset="0"/>
+              <a:cs typeface="Calibri Light" panose="020F0302020204030204" pitchFamily="34" charset="0"/>
             </a:endParaRPr>
           </a:p>
           <a:p>
@@ -15764,12 +17358,12 @@
               </a:buClr>
             </a:pPr>
             <a:r>
-              <a:rPr lang="en-US" sz="2800" dirty="0">
+              <a:rPr lang="en-US" sz="2800" b="1" dirty="0">
                 <a:solidFill>
                   <a:srgbClr val="FFFFFF"/>
                 </a:solidFill>
-                <a:latin typeface="Times New Roman" panose="02020603050405020304" pitchFamily="18" charset="0"/>
-                <a:cs typeface="Times New Roman" panose="02020603050405020304" pitchFamily="18" charset="0"/>
+                <a:latin typeface="Calibri Light" panose="020F0302020204030204" pitchFamily="34" charset="0"/>
+                <a:cs typeface="Calibri Light" panose="020F0302020204030204" pitchFamily="34" charset="0"/>
               </a:rPr>
               <a:t>The dataset contains eleven columns in the dataset:</a:t>
             </a:r>
@@ -15777,128 +17371,21 @@
           <a:p>
             <a:pPr marL="146050" indent="0"/>
             <a:r>
-              <a:rPr lang="en-US" sz="2800" dirty="0">
+              <a:rPr lang="en-US" sz="2800" b="1" dirty="0">
                 <a:solidFill>
                   <a:schemeClr val="tx1"/>
                 </a:solidFill>
-                <a:latin typeface="Times New Roman" panose="02020603050405020304" pitchFamily="18" charset="0"/>
-                <a:cs typeface="Times New Roman" panose="02020603050405020304" pitchFamily="18" charset="0"/>
+                <a:latin typeface="Calibri Light" panose="020F0302020204030204" pitchFamily="34" charset="0"/>
+                <a:cs typeface="Calibri Light" panose="020F0302020204030204" pitchFamily="34" charset="0"/>
               </a:rPr>
-              <a:t>Rank – The overall rank of sales,  Name - The games name ,Platform - Platform of the games release (i.e. PC,PS4, etc.), Year - Year of the game's release, Genre - Genre of the game, Publisher - Publisher of the game, </a:t>
+              <a:t>Rank – The overall rank of sales,  Name - The games name, Platform - Platform of the games release, Year - Year of the game's release, Genre - Genre of the game, Publisher - Publisher of the game, N.A Sales - Sales in North America (in millions), EU Sales - Sales in Europe (in millions), JP Sales - Sales in Japan (in millions), Other Sales - Sales in the rest of the world (in millions), Global Sales - Total worldwide sales.</a:t>
             </a:r>
-            <a:r>
-              <a:rPr lang="en-US" sz="2800" dirty="0" err="1">
-                <a:solidFill>
-                  <a:schemeClr val="tx1"/>
-                </a:solidFill>
-                <a:latin typeface="Times New Roman" panose="02020603050405020304" pitchFamily="18" charset="0"/>
-                <a:cs typeface="Times New Roman" panose="02020603050405020304" pitchFamily="18" charset="0"/>
-              </a:rPr>
-              <a:t>NA_Sales</a:t>
-            </a:r>
-            <a:r>
-              <a:rPr lang="en-US" sz="2800" dirty="0">
-                <a:solidFill>
-                  <a:schemeClr val="tx1"/>
-                </a:solidFill>
-                <a:latin typeface="Times New Roman" panose="02020603050405020304" pitchFamily="18" charset="0"/>
-                <a:cs typeface="Times New Roman" panose="02020603050405020304" pitchFamily="18" charset="0"/>
-              </a:rPr>
-              <a:t> - Sales in North America (in millions), </a:t>
-            </a:r>
-            <a:r>
-              <a:rPr lang="en-US" sz="2800" dirty="0" err="1">
-                <a:solidFill>
-                  <a:schemeClr val="tx1"/>
-                </a:solidFill>
-                <a:latin typeface="Times New Roman" panose="02020603050405020304" pitchFamily="18" charset="0"/>
-                <a:cs typeface="Times New Roman" panose="02020603050405020304" pitchFamily="18" charset="0"/>
-              </a:rPr>
-              <a:t>EU_Sales</a:t>
-            </a:r>
-            <a:r>
-              <a:rPr lang="en-US" sz="2800" dirty="0">
-                <a:solidFill>
-                  <a:schemeClr val="tx1"/>
-                </a:solidFill>
-                <a:latin typeface="Times New Roman" panose="02020603050405020304" pitchFamily="18" charset="0"/>
-                <a:cs typeface="Times New Roman" panose="02020603050405020304" pitchFamily="18" charset="0"/>
-              </a:rPr>
-              <a:t> - Sales in Europe (in millions), </a:t>
-            </a:r>
-            <a:r>
-              <a:rPr lang="en-US" sz="2800" dirty="0" err="1">
-                <a:solidFill>
-                  <a:schemeClr val="tx1"/>
-                </a:solidFill>
-                <a:latin typeface="Times New Roman" panose="02020603050405020304" pitchFamily="18" charset="0"/>
-                <a:cs typeface="Times New Roman" panose="02020603050405020304" pitchFamily="18" charset="0"/>
-              </a:rPr>
-              <a:t>JP_Sales</a:t>
-            </a:r>
-            <a:r>
-              <a:rPr lang="en-US" sz="2800" dirty="0">
-                <a:solidFill>
-                  <a:schemeClr val="tx1"/>
-                </a:solidFill>
-                <a:latin typeface="Times New Roman" panose="02020603050405020304" pitchFamily="18" charset="0"/>
-                <a:cs typeface="Times New Roman" panose="02020603050405020304" pitchFamily="18" charset="0"/>
-              </a:rPr>
-              <a:t> - Sales in Japan (in millions), </a:t>
-            </a:r>
-            <a:r>
-              <a:rPr lang="en-US" sz="2800" dirty="0" err="1">
-                <a:solidFill>
-                  <a:schemeClr val="tx1"/>
-                </a:solidFill>
-                <a:latin typeface="Times New Roman" panose="02020603050405020304" pitchFamily="18" charset="0"/>
-                <a:cs typeface="Times New Roman" panose="02020603050405020304" pitchFamily="18" charset="0"/>
-              </a:rPr>
-              <a:t>Other_Sales</a:t>
-            </a:r>
-            <a:r>
-              <a:rPr lang="en-US" sz="2800" dirty="0">
-                <a:solidFill>
-                  <a:schemeClr val="tx1"/>
-                </a:solidFill>
-                <a:latin typeface="Times New Roman" panose="02020603050405020304" pitchFamily="18" charset="0"/>
-                <a:cs typeface="Times New Roman" panose="02020603050405020304" pitchFamily="18" charset="0"/>
-              </a:rPr>
-              <a:t> - Sales in the rest of the world (in millions), </a:t>
-            </a:r>
-            <a:r>
-              <a:rPr lang="en-US" sz="2800" dirty="0" err="1">
-                <a:solidFill>
-                  <a:schemeClr val="tx1"/>
-                </a:solidFill>
-                <a:latin typeface="Times New Roman" panose="02020603050405020304" pitchFamily="18" charset="0"/>
-                <a:cs typeface="Times New Roman" panose="02020603050405020304" pitchFamily="18" charset="0"/>
-              </a:rPr>
-              <a:t>Global_Sales</a:t>
-            </a:r>
-            <a:r>
-              <a:rPr lang="en-US" sz="2800" dirty="0">
-                <a:solidFill>
-                  <a:schemeClr val="tx1"/>
-                </a:solidFill>
-                <a:latin typeface="Times New Roman" panose="02020603050405020304" pitchFamily="18" charset="0"/>
-                <a:cs typeface="Times New Roman" panose="02020603050405020304" pitchFamily="18" charset="0"/>
-              </a:rPr>
-              <a:t> - Total worldwide sales</a:t>
-            </a:r>
-            <a:r>
-              <a:rPr lang="en-US" sz="2800" dirty="0">
-                <a:latin typeface="Times New Roman" panose="02020603050405020304" pitchFamily="18" charset="0"/>
-                <a:cs typeface="Times New Roman" panose="02020603050405020304" pitchFamily="18" charset="0"/>
-              </a:rPr>
-              <a:t>.</a:t>
-            </a:r>
-            <a:endParaRPr lang="en-US" sz="2800" dirty="0">
+            <a:endParaRPr lang="en-US" sz="2800" b="1" dirty="0">
               <a:solidFill>
                 <a:srgbClr val="FFFFFF"/>
               </a:solidFill>
-              <a:latin typeface="Times New Roman" panose="02020603050405020304" pitchFamily="18" charset="0"/>
-              <a:cs typeface="Times New Roman" panose="02020603050405020304" pitchFamily="18" charset="0"/>
+              <a:latin typeface="Calibri Light" panose="020F0302020204030204" pitchFamily="34" charset="0"/>
+              <a:cs typeface="Calibri Light" panose="020F0302020204030204" pitchFamily="34" charset="0"/>
             </a:endParaRPr>
           </a:p>
           <a:p>
@@ -16073,6 +17560,35 @@
           </a:prstGeom>
         </p:spPr>
       </p:pic>
+      <p:sp>
+        <p:nvSpPr>
+          <p:cNvPr id="7" name="Slide Number Placeholder 6">
+            <a:extLst>
+              <a:ext uri="{FF2B5EF4-FFF2-40B4-BE49-F238E27FC236}">
+                <a16:creationId xmlns:a16="http://schemas.microsoft.com/office/drawing/2014/main" id="{868AD859-845D-1414-9D63-D2AE09C8A7EC}"/>
+              </a:ext>
+            </a:extLst>
+          </p:cNvPr>
+          <p:cNvSpPr>
+            <a:spLocks noGrp="1"/>
+          </p:cNvSpPr>
+          <p:nvPr>
+            <p:ph type="sldNum" idx="4"/>
+          </p:nvPr>
+        </p:nvSpPr>
+        <p:spPr/>
+        <p:txBody>
+          <a:bodyPr/>
+          <a:lstStyle/>
+          <a:p>
+            <a:fld id="{00000000-1234-1234-1234-123412341234}" type="slidenum">
+              <a:rPr lang="nl-NL" smtClean="0"/>
+              <a:t>4</a:t>
+            </a:fld>
+            <a:endParaRPr lang="nl-NL" dirty="0"/>
+          </a:p>
+        </p:txBody>
+      </p:sp>
     </p:spTree>
     <p:extLst>
       <p:ext uri="{BB962C8B-B14F-4D97-AF65-F5344CB8AC3E}">
@@ -16098,7 +17614,7 @@
 </p:sld>
 </file>
 
-<file path=ppt/slides/slide4.xml><?xml version="1.0" encoding="utf-8"?>
+<file path=ppt/slides/slide5.xml><?xml version="1.0" encoding="utf-8"?>
 <p:sld xmlns:a="http://schemas.openxmlformats.org/drawingml/2006/main" xmlns:r="http://schemas.openxmlformats.org/officeDocument/2006/relationships" xmlns:p="http://schemas.openxmlformats.org/presentationml/2006/main">
   <p:cSld>
     <p:spTree>
@@ -16142,10 +17658,12 @@
           <a:lstStyle/>
           <a:p>
             <a:r>
-              <a:rPr lang="en-US" sz="4000" dirty="0">
+              <a:rPr lang="en-US" sz="3600" dirty="0">
                 <a:solidFill>
                   <a:srgbClr val="FF0000"/>
                 </a:solidFill>
+                <a:latin typeface="Calibri" panose="020F0502020204030204" pitchFamily="34" charset="0"/>
+                <a:cs typeface="Calibri" panose="020F0502020204030204" pitchFamily="34" charset="0"/>
               </a:rPr>
               <a:t>Tools and Libraries</a:t>
             </a:r>
@@ -16186,22 +17704,15 @@
               <a:buChar char="Ø"/>
             </a:pPr>
             <a:r>
-              <a:rPr lang="en-US" sz="2800" dirty="0" err="1">
+              <a:rPr lang="en-US" sz="2800" b="1" dirty="0">
                 <a:solidFill>
                   <a:schemeClr val="tx1"/>
                 </a:solidFill>
-                <a:latin typeface="Times New Roman" panose="02020603050405020304" pitchFamily="18" charset="0"/>
-                <a:cs typeface="Times New Roman" panose="02020603050405020304" pitchFamily="18" charset="0"/>
+                <a:latin typeface="Calibri Light" panose="020F0302020204030204" pitchFamily="34" charset="0"/>
+                <a:cs typeface="Calibri Light" panose="020F0302020204030204" pitchFamily="34" charset="0"/>
               </a:rPr>
               <a:t>Numpy</a:t>
             </a:r>
-            <a:endParaRPr lang="en-US" sz="2800" dirty="0">
-              <a:solidFill>
-                <a:schemeClr val="tx1"/>
-              </a:solidFill>
-              <a:latin typeface="Times New Roman" panose="02020603050405020304" pitchFamily="18" charset="0"/>
-              <a:cs typeface="Times New Roman" panose="02020603050405020304" pitchFamily="18" charset="0"/>
-            </a:endParaRPr>
           </a:p>
           <a:p>
             <a:pPr>
@@ -16212,12 +17723,12 @@
               <a:buChar char="Ø"/>
             </a:pPr>
             <a:r>
-              <a:rPr lang="en-US" sz="2800" dirty="0">
+              <a:rPr lang="en-US" sz="2800" b="1" dirty="0">
                 <a:solidFill>
                   <a:schemeClr val="tx1"/>
                 </a:solidFill>
-                <a:latin typeface="Times New Roman" panose="02020603050405020304" pitchFamily="18" charset="0"/>
-                <a:cs typeface="Times New Roman" panose="02020603050405020304" pitchFamily="18" charset="0"/>
+                <a:latin typeface="Calibri Light" panose="020F0302020204030204" pitchFamily="34" charset="0"/>
+                <a:cs typeface="Calibri Light" panose="020F0302020204030204" pitchFamily="34" charset="0"/>
               </a:rPr>
               <a:t>Pandas</a:t>
             </a:r>
@@ -16231,22 +17742,15 @@
               <a:buChar char="Ø"/>
             </a:pPr>
             <a:r>
-              <a:rPr lang="en-US" sz="2800" dirty="0" err="1">
+              <a:rPr lang="en-US" sz="2800" b="1" dirty="0">
                 <a:solidFill>
                   <a:schemeClr val="tx1"/>
                 </a:solidFill>
-                <a:latin typeface="Times New Roman" panose="02020603050405020304" pitchFamily="18" charset="0"/>
-                <a:cs typeface="Times New Roman" panose="02020603050405020304" pitchFamily="18" charset="0"/>
+                <a:latin typeface="Calibri Light" panose="020F0302020204030204" pitchFamily="34" charset="0"/>
+                <a:cs typeface="Calibri Light" panose="020F0302020204030204" pitchFamily="34" charset="0"/>
               </a:rPr>
               <a:t>Matplotlib.pyplot</a:t>
             </a:r>
-            <a:endParaRPr lang="en-US" sz="2800" dirty="0">
-              <a:solidFill>
-                <a:schemeClr val="tx1"/>
-              </a:solidFill>
-              <a:latin typeface="Times New Roman" panose="02020603050405020304" pitchFamily="18" charset="0"/>
-              <a:cs typeface="Times New Roman" panose="02020603050405020304" pitchFamily="18" charset="0"/>
-            </a:endParaRPr>
           </a:p>
           <a:p>
             <a:pPr>
@@ -16257,12 +17761,12 @@
               <a:buChar char="Ø"/>
             </a:pPr>
             <a:r>
-              <a:rPr lang="en-US" sz="2800" dirty="0">
+              <a:rPr lang="en-US" sz="2800" b="1" dirty="0">
                 <a:solidFill>
                   <a:schemeClr val="tx1"/>
                 </a:solidFill>
-                <a:latin typeface="Times New Roman" panose="02020603050405020304" pitchFamily="18" charset="0"/>
-                <a:cs typeface="Times New Roman" panose="02020603050405020304" pitchFamily="18" charset="0"/>
+                <a:latin typeface="Calibri Light" panose="020F0302020204030204" pitchFamily="34" charset="0"/>
+                <a:cs typeface="Calibri Light" panose="020F0302020204030204" pitchFamily="34" charset="0"/>
               </a:rPr>
               <a:t>Seaborn</a:t>
             </a:r>
@@ -16276,12 +17780,12 @@
               <a:buChar char="Ø"/>
             </a:pPr>
             <a:r>
-              <a:rPr lang="en-US" sz="2800" dirty="0">
+              <a:rPr lang="en-US" sz="2800" b="1" dirty="0">
                 <a:solidFill>
                   <a:schemeClr val="tx1"/>
                 </a:solidFill>
-                <a:latin typeface="Times New Roman" panose="02020603050405020304" pitchFamily="18" charset="0"/>
-                <a:cs typeface="Times New Roman" panose="02020603050405020304" pitchFamily="18" charset="0"/>
+                <a:latin typeface="Calibri Light" panose="020F0302020204030204" pitchFamily="34" charset="0"/>
+                <a:cs typeface="Calibri Light" panose="020F0302020204030204" pitchFamily="34" charset="0"/>
               </a:rPr>
               <a:t>Counter</a:t>
             </a:r>
@@ -16452,6 +17956,35 @@
           </a:prstGeom>
         </p:spPr>
       </p:pic>
+      <p:sp>
+        <p:nvSpPr>
+          <p:cNvPr id="9" name="Slide Number Placeholder 8">
+            <a:extLst>
+              <a:ext uri="{FF2B5EF4-FFF2-40B4-BE49-F238E27FC236}">
+                <a16:creationId xmlns:a16="http://schemas.microsoft.com/office/drawing/2014/main" id="{A1E29074-7347-1469-C63D-6D6725914B11}"/>
+              </a:ext>
+            </a:extLst>
+          </p:cNvPr>
+          <p:cNvSpPr>
+            <a:spLocks noGrp="1"/>
+          </p:cNvSpPr>
+          <p:nvPr>
+            <p:ph type="sldNum" idx="4"/>
+          </p:nvPr>
+        </p:nvSpPr>
+        <p:spPr/>
+        <p:txBody>
+          <a:bodyPr/>
+          <a:lstStyle/>
+          <a:p>
+            <a:fld id="{00000000-1234-1234-1234-123412341234}" type="slidenum">
+              <a:rPr lang="nl-NL" smtClean="0"/>
+              <a:t>5</a:t>
+            </a:fld>
+            <a:endParaRPr lang="nl-NL" dirty="0"/>
+          </a:p>
+        </p:txBody>
+      </p:sp>
     </p:spTree>
     <p:extLst>
       <p:ext uri="{BB962C8B-B14F-4D97-AF65-F5344CB8AC3E}">
@@ -16477,7 +18010,7 @@
 </p:sld>
 </file>
 
-<file path=ppt/slides/slide5.xml><?xml version="1.0" encoding="utf-8"?>
+<file path=ppt/slides/slide6.xml><?xml version="1.0" encoding="utf-8"?>
 <p:sld xmlns:a="http://schemas.openxmlformats.org/drawingml/2006/main" xmlns:r="http://schemas.openxmlformats.org/officeDocument/2006/relationships" xmlns:p="http://schemas.openxmlformats.org/presentationml/2006/main">
   <p:cSld>
     <p:spTree>
@@ -16525,11 +18058,15 @@
                 <a:solidFill>
                   <a:srgbClr val="FF0000"/>
                 </a:solidFill>
-                <a:latin typeface="New Tmes Roman"/>
+                <a:latin typeface="Calibri" panose="020F0502020204030204" pitchFamily="34" charset="0"/>
+                <a:cs typeface="Calibri" panose="020F0502020204030204" pitchFamily="34" charset="0"/>
               </a:rPr>
-              <a:t>Hypothesis</a:t>
+              <a:t> Null Hypothesis</a:t>
             </a:r>
-            <a:endParaRPr lang="en-US" dirty="0"/>
+            <a:endParaRPr lang="en-US" dirty="0">
+              <a:latin typeface="Calibri" panose="020F0502020204030204" pitchFamily="34" charset="0"/>
+              <a:cs typeface="Calibri" panose="020F0502020204030204" pitchFamily="34" charset="0"/>
+            </a:endParaRPr>
           </a:p>
         </p:txBody>
       </p:sp>
@@ -16564,12 +18101,12 @@
               <a:buChar char="Ø"/>
             </a:pPr>
             <a:r>
-              <a:rPr lang="en-US" sz="2800" dirty="0">
+              <a:rPr lang="en-US" sz="2800" b="1" dirty="0">
                 <a:solidFill>
                   <a:schemeClr val="tx1"/>
                 </a:solidFill>
-                <a:latin typeface="Times New Roman" panose="02020603050405020304" pitchFamily="18" charset="0"/>
-                <a:cs typeface="Times New Roman" panose="02020603050405020304" pitchFamily="18" charset="0"/>
+                <a:latin typeface="Calibri Light" panose="020F0302020204030204" pitchFamily="34" charset="0"/>
+                <a:cs typeface="Calibri Light" panose="020F0302020204030204" pitchFamily="34" charset="0"/>
               </a:rPr>
               <a:t>There is no positive relationship between sales values from the various market centers and the rank of games. Meaning rank of a game is not the most contributing factor to sales.</a:t>
             </a:r>
@@ -16792,6 +18329,35 @@
           </a:prstGeom>
         </p:spPr>
       </p:pic>
+      <p:sp>
+        <p:nvSpPr>
+          <p:cNvPr id="9" name="Slide Number Placeholder 8">
+            <a:extLst>
+              <a:ext uri="{FF2B5EF4-FFF2-40B4-BE49-F238E27FC236}">
+                <a16:creationId xmlns:a16="http://schemas.microsoft.com/office/drawing/2014/main" id="{D50D6726-41E2-CA8B-3059-1CCB1F63898B}"/>
+              </a:ext>
+            </a:extLst>
+          </p:cNvPr>
+          <p:cNvSpPr>
+            <a:spLocks noGrp="1"/>
+          </p:cNvSpPr>
+          <p:nvPr>
+            <p:ph type="sldNum" idx="4"/>
+          </p:nvPr>
+        </p:nvSpPr>
+        <p:spPr/>
+        <p:txBody>
+          <a:bodyPr/>
+          <a:lstStyle/>
+          <a:p>
+            <a:fld id="{00000000-1234-1234-1234-123412341234}" type="slidenum">
+              <a:rPr lang="nl-NL" smtClean="0"/>
+              <a:t>6</a:t>
+            </a:fld>
+            <a:endParaRPr lang="nl-NL" dirty="0"/>
+          </a:p>
+        </p:txBody>
+      </p:sp>
     </p:spTree>
     <p:extLst>
       <p:ext uri="{BB962C8B-B14F-4D97-AF65-F5344CB8AC3E}">
@@ -16817,7 +18383,7 @@
 </p:sld>
 </file>
 
-<file path=ppt/slides/slide6.xml><?xml version="1.0" encoding="utf-8"?>
+<file path=ppt/slides/slide7.xml><?xml version="1.0" encoding="utf-8"?>
 <p:sld xmlns:a="http://schemas.openxmlformats.org/drawingml/2006/main" xmlns:r="http://schemas.openxmlformats.org/officeDocument/2006/relationships" xmlns:p="http://schemas.openxmlformats.org/presentationml/2006/main">
   <p:cSld>
     <p:spTree>
@@ -16852,25 +18418,29 @@
         </p:nvSpPr>
         <p:spPr>
           <a:xfrm>
-            <a:off x="1170414" y="-431452"/>
-            <a:ext cx="5833600" cy="1908000"/>
+            <a:off x="4563054" y="-67317"/>
+            <a:ext cx="2693272" cy="599601"/>
           </a:xfrm>
         </p:spPr>
         <p:txBody>
           <a:bodyPr/>
           <a:lstStyle/>
           <a:p>
+            <a:pPr algn="ctr"/>
             <a:r>
-              <a:rPr lang="en-US" sz="4400" dirty="0">
+              <a:rPr lang="en-US" sz="3600" dirty="0">
                 <a:solidFill>
                   <a:srgbClr val="FF0000"/>
                 </a:solidFill>
-                <a:latin typeface="Times New Roman" panose="02020603050405020304" pitchFamily="18" charset="0"/>
-                <a:cs typeface="Times New Roman" panose="02020603050405020304" pitchFamily="18" charset="0"/>
+                <a:latin typeface="Calibri" panose="020F0502020204030204" pitchFamily="34" charset="0"/>
+                <a:cs typeface="Calibri" panose="020F0502020204030204" pitchFamily="34" charset="0"/>
               </a:rPr>
               <a:t>Questions</a:t>
             </a:r>
-            <a:endParaRPr lang="en-US" dirty="0"/>
+            <a:endParaRPr lang="en-US" sz="3600" dirty="0">
+              <a:latin typeface="Calibri" panose="020F0502020204030204" pitchFamily="34" charset="0"/>
+              <a:cs typeface="Calibri" panose="020F0502020204030204" pitchFamily="34" charset="0"/>
+            </a:endParaRPr>
           </a:p>
         </p:txBody>
       </p:sp>
@@ -16914,12 +18484,12 @@
               <a:buChar char="Ø"/>
             </a:pPr>
             <a:r>
-              <a:rPr lang="en-US" sz="2800" dirty="0">
+              <a:rPr lang="en-US" sz="2800" b="1" dirty="0">
                 <a:solidFill>
                   <a:schemeClr val="tx1"/>
                 </a:solidFill>
-                <a:latin typeface="Times New Roman" panose="02020603050405020304" pitchFamily="18" charset="0"/>
-                <a:cs typeface="Times New Roman" panose="02020603050405020304" pitchFamily="18" charset="0"/>
+                <a:latin typeface="Calibri Light" panose="020F0302020204030204" pitchFamily="34" charset="0"/>
+                <a:cs typeface="Calibri Light" panose="020F0302020204030204" pitchFamily="34" charset="0"/>
               </a:rPr>
               <a:t>What is the total sales generated from each market?</a:t>
             </a:r>
@@ -16939,12 +18509,12 @@
               <a:buChar char="Ø"/>
             </a:pPr>
             <a:r>
-              <a:rPr lang="en-US" sz="2800" dirty="0">
+              <a:rPr lang="en-US" sz="2800" b="1" dirty="0">
                 <a:solidFill>
                   <a:schemeClr val="tx1"/>
                 </a:solidFill>
-                <a:latin typeface="Times New Roman" panose="02020603050405020304" pitchFamily="18" charset="0"/>
-                <a:cs typeface="Times New Roman" panose="02020603050405020304" pitchFamily="18" charset="0"/>
+                <a:latin typeface="Calibri Light" panose="020F0302020204030204" pitchFamily="34" charset="0"/>
+                <a:cs typeface="Calibri Light" panose="020F0302020204030204" pitchFamily="34" charset="0"/>
               </a:rPr>
               <a:t>How many games published each year from  1980 to 2020?</a:t>
             </a:r>
@@ -16964,18 +18534,18 @@
               <a:buChar char="Ø"/>
             </a:pPr>
             <a:r>
-              <a:rPr lang="en-US" sz="2800" dirty="0">
-                <a:latin typeface="Times New Roman" panose="02020603050405020304" pitchFamily="18" charset="0"/>
-                <a:cs typeface="Times New Roman" panose="02020603050405020304" pitchFamily="18" charset="0"/>
+              <a:rPr lang="en-US" sz="2800" b="1" dirty="0">
+                <a:latin typeface="Calibri Light" panose="020F0302020204030204" pitchFamily="34" charset="0"/>
+                <a:cs typeface="Calibri Light" panose="020F0302020204030204" pitchFamily="34" charset="0"/>
               </a:rPr>
               <a:t>What are the number of games published under each genre.</a:t>
             </a:r>
-            <a:endParaRPr lang="en-US" sz="2800" dirty="0">
+            <a:endParaRPr lang="en-US" sz="2800" b="1" dirty="0">
               <a:solidFill>
                 <a:schemeClr val="tx1"/>
               </a:solidFill>
-              <a:latin typeface="Times New Roman" panose="02020603050405020304" pitchFamily="18" charset="0"/>
-              <a:cs typeface="Times New Roman" panose="02020603050405020304" pitchFamily="18" charset="0"/>
+              <a:latin typeface="Calibri Light" panose="020F0302020204030204" pitchFamily="34" charset="0"/>
+              <a:cs typeface="Calibri Light" panose="020F0302020204030204" pitchFamily="34" charset="0"/>
             </a:endParaRPr>
           </a:p>
           <a:p>
@@ -16993,12 +18563,12 @@
               <a:buChar char="Ø"/>
             </a:pPr>
             <a:r>
-              <a:rPr lang="en-US" sz="2800" dirty="0">
+              <a:rPr lang="en-US" sz="2800" b="1" dirty="0">
                 <a:solidFill>
                   <a:schemeClr val="tx1"/>
                 </a:solidFill>
-                <a:latin typeface="Times New Roman" panose="02020603050405020304" pitchFamily="18" charset="0"/>
-                <a:cs typeface="Times New Roman" panose="02020603050405020304" pitchFamily="18" charset="0"/>
+                <a:latin typeface="Calibri Light" panose="020F0302020204030204" pitchFamily="34" charset="0"/>
+                <a:cs typeface="Calibri Light" panose="020F0302020204030204" pitchFamily="34" charset="0"/>
               </a:rPr>
               <a:t>What are the sales generated by each Genre?</a:t>
             </a:r>
@@ -17018,12 +18588,12 @@
               <a:buChar char="Ø"/>
             </a:pPr>
             <a:r>
-              <a:rPr lang="en-US" sz="2800" dirty="0">
+              <a:rPr lang="en-US" sz="2800" b="1" dirty="0">
                 <a:solidFill>
                   <a:schemeClr val="tx1"/>
                 </a:solidFill>
-                <a:latin typeface="Times New Roman" panose="02020603050405020304" pitchFamily="18" charset="0"/>
-                <a:cs typeface="Times New Roman" panose="02020603050405020304" pitchFamily="18" charset="0"/>
+                <a:latin typeface="Calibri Light" panose="020F0302020204030204" pitchFamily="34" charset="0"/>
+                <a:cs typeface="Calibri Light" panose="020F0302020204030204" pitchFamily="34" charset="0"/>
               </a:rPr>
               <a:t>What are the top 10 platforms that generate the highest sales?</a:t>
             </a:r>
@@ -17043,12 +18613,12 @@
               <a:buChar char="Ø"/>
             </a:pPr>
             <a:r>
-              <a:rPr lang="en-US" sz="2800" dirty="0">
+              <a:rPr lang="en-US" sz="2800" b="1" dirty="0">
                 <a:solidFill>
                   <a:schemeClr val="tx1"/>
                 </a:solidFill>
-                <a:latin typeface="Times New Roman" panose="02020603050405020304" pitchFamily="18" charset="0"/>
-                <a:cs typeface="Times New Roman" panose="02020603050405020304" pitchFamily="18" charset="0"/>
+                <a:latin typeface="Calibri Light" panose="020F0302020204030204" pitchFamily="34" charset="0"/>
+                <a:cs typeface="Calibri Light" panose="020F0302020204030204" pitchFamily="34" charset="0"/>
               </a:rPr>
               <a:t>What platform does publishers publish most games?</a:t>
             </a:r>
@@ -17068,28 +18638,28 @@
               <a:buChar char="Ø"/>
             </a:pPr>
             <a:r>
-              <a:rPr lang="en-US" sz="2800" dirty="0">
+              <a:rPr lang="en-US" sz="2800" b="1" dirty="0">
                 <a:solidFill>
                   <a:schemeClr val="tx1"/>
                 </a:solidFill>
-                <a:latin typeface="Times New Roman" panose="02020603050405020304" pitchFamily="18" charset="0"/>
-                <a:cs typeface="Times New Roman" panose="02020603050405020304" pitchFamily="18" charset="0"/>
+                <a:latin typeface="Calibri Light" panose="020F0302020204030204" pitchFamily="34" charset="0"/>
+                <a:cs typeface="Calibri Light" panose="020F0302020204030204" pitchFamily="34" charset="0"/>
               </a:rPr>
               <a:t>What are the top 10 publish</a:t>
             </a:r>
             <a:r>
-              <a:rPr lang="en-US" sz="2800" dirty="0">
-                <a:latin typeface="Times New Roman" panose="02020603050405020304" pitchFamily="18" charset="0"/>
-                <a:cs typeface="Times New Roman" panose="02020603050405020304" pitchFamily="18" charset="0"/>
+              <a:rPr lang="en-US" sz="2800" b="1" dirty="0">
+                <a:latin typeface="Calibri Light" panose="020F0302020204030204" pitchFamily="34" charset="0"/>
+                <a:cs typeface="Calibri Light" panose="020F0302020204030204" pitchFamily="34" charset="0"/>
               </a:rPr>
               <a:t>ers in terms of sales?</a:t>
             </a:r>
-            <a:endParaRPr lang="en-US" sz="2800" dirty="0">
+            <a:endParaRPr lang="en-US" sz="2800" b="1" dirty="0">
               <a:solidFill>
                 <a:schemeClr val="tx1"/>
               </a:solidFill>
-              <a:latin typeface="Times New Roman" panose="02020603050405020304" pitchFamily="18" charset="0"/>
-              <a:cs typeface="Times New Roman" panose="02020603050405020304" pitchFamily="18" charset="0"/>
+              <a:latin typeface="Calibri Light" panose="020F0302020204030204" pitchFamily="34" charset="0"/>
+              <a:cs typeface="Calibri Light" panose="020F0302020204030204" pitchFamily="34" charset="0"/>
             </a:endParaRPr>
           </a:p>
           <a:p>
@@ -17107,12 +18677,12 @@
               <a:buChar char="Ø"/>
             </a:pPr>
             <a:r>
-              <a:rPr lang="en-US" sz="2800" dirty="0">
+              <a:rPr lang="en-US" sz="2800" b="1" dirty="0">
                 <a:solidFill>
                   <a:schemeClr val="tx1"/>
                 </a:solidFill>
-                <a:latin typeface="Times New Roman" panose="02020603050405020304" pitchFamily="18" charset="0"/>
-                <a:cs typeface="Times New Roman" panose="02020603050405020304" pitchFamily="18" charset="0"/>
+                <a:latin typeface="Calibri Light" panose="020F0302020204030204" pitchFamily="34" charset="0"/>
+                <a:cs typeface="Calibri Light" panose="020F0302020204030204" pitchFamily="34" charset="0"/>
               </a:rPr>
               <a:t>What is the top 10 most published game?</a:t>
             </a:r>
@@ -17132,16 +18702,26 @@
               <a:buChar char="Ø"/>
             </a:pPr>
             <a:r>
-              <a:rPr lang="en-GB" sz="2800" dirty="0">
+              <a:rPr lang="en-GB" sz="2800" b="1" dirty="0">
+                <a:solidFill>
+                  <a:schemeClr val="tx1"/>
+                </a:solidFill>
+                <a:latin typeface="Calibri Light" panose="020F0302020204030204" pitchFamily="34" charset="0"/>
+                <a:cs typeface="Calibri Light" panose="020F0302020204030204" pitchFamily="34" charset="0"/>
+              </a:rPr>
+              <a:t>What are the top 10 games in terms of sales</a:t>
+            </a:r>
+            <a:r>
+              <a:rPr lang="en-GB" sz="2800" b="1" dirty="0">
                 <a:solidFill>
                   <a:schemeClr val="tx1"/>
                 </a:solidFill>
                 <a:latin typeface="Times New Roman" panose="02020603050405020304" pitchFamily="18" charset="0"/>
                 <a:cs typeface="Times New Roman" panose="02020603050405020304" pitchFamily="18" charset="0"/>
               </a:rPr>
-              <a:t>What are the top 10 games in terms of sales?</a:t>
+              <a:t>?</a:t>
             </a:r>
-            <a:endParaRPr lang="en-US" sz="2800" dirty="0">
+            <a:endParaRPr lang="en-US" sz="2800" b="1" dirty="0">
               <a:solidFill>
                 <a:schemeClr val="tx1"/>
               </a:solidFill>
@@ -17318,54 +18898,12 @@
           </a:prstGeom>
         </p:spPr>
       </p:pic>
-    </p:spTree>
-    <p:extLst>
-      <p:ext uri="{BB962C8B-B14F-4D97-AF65-F5344CB8AC3E}">
-        <p14:creationId xmlns:p14="http://schemas.microsoft.com/office/powerpoint/2010/main" val="4195737455"/>
-      </p:ext>
-    </p:extLst>
-  </p:cSld>
-  <p:clrMapOvr>
-    <a:masterClrMapping/>
-  </p:clrMapOvr>
-  <mc:AlternateContent xmlns:mc="http://schemas.openxmlformats.org/markup-compatibility/2006" xmlns:p159="http://schemas.microsoft.com/office/powerpoint/2015/09/main">
-    <mc:Choice Requires="p159">
-      <p:transition xmlns:p14="http://schemas.microsoft.com/office/powerpoint/2010/main" spd="slow" p14:dur="2000">
-        <p159:morph option="byObject"/>
-      </p:transition>
-    </mc:Choice>
-    <mc:Fallback xmlns="">
-      <p:transition spd="slow">
-        <p:fade/>
-      </p:transition>
-    </mc:Fallback>
-  </mc:AlternateContent>
-</p:sld>
-</file>
-
-<file path=ppt/slides/slide7.xml><?xml version="1.0" encoding="utf-8"?>
-<p:sld xmlns:a="http://schemas.openxmlformats.org/drawingml/2006/main" xmlns:r="http://schemas.openxmlformats.org/officeDocument/2006/relationships" xmlns:p="http://schemas.openxmlformats.org/presentationml/2006/main">
-  <p:cSld>
-    <p:spTree>
-      <p:nvGrpSpPr>
-        <p:cNvPr id="1" name=""/>
-        <p:cNvGrpSpPr/>
-        <p:nvPr/>
-      </p:nvGrpSpPr>
-      <p:grpSpPr>
-        <a:xfrm>
-          <a:off x="0" y="0"/>
-          <a:ext cx="0" cy="0"/>
-          <a:chOff x="0" y="0"/>
-          <a:chExt cx="0" cy="0"/>
-        </a:xfrm>
-      </p:grpSpPr>
       <p:sp>
         <p:nvSpPr>
-          <p:cNvPr id="2" name="Title 1">
+          <p:cNvPr id="9" name="Slide Number Placeholder 8">
             <a:extLst>
               <a:ext uri="{FF2B5EF4-FFF2-40B4-BE49-F238E27FC236}">
-                <a16:creationId xmlns:a16="http://schemas.microsoft.com/office/drawing/2014/main" id="{A4DC78C6-B20F-44FE-E53D-0D59D3AB3B70}"/>
+                <a16:creationId xmlns:a16="http://schemas.microsoft.com/office/drawing/2014/main" id="{AD9ACF2A-7522-AD9A-E296-0B75A30A610E}"/>
               </a:ext>
             </a:extLst>
           </p:cNvPr>
@@ -17373,117 +18911,26 @@
             <a:spLocks noGrp="1"/>
           </p:cNvSpPr>
           <p:nvPr>
-            <p:ph type="title"/>
+            <p:ph type="sldNum" idx="4"/>
           </p:nvPr>
         </p:nvSpPr>
-        <p:spPr>
-          <a:xfrm>
-            <a:off x="0" y="0"/>
-            <a:ext cx="8825659" cy="1981200"/>
-          </a:xfrm>
-        </p:spPr>
+        <p:spPr/>
         <p:txBody>
           <a:bodyPr/>
           <a:lstStyle/>
           <a:p>
-            <a:r>
-              <a:rPr lang="en-US" b="1" dirty="0">
-                <a:solidFill>
-                  <a:srgbClr val="FF0000"/>
-                </a:solidFill>
-                <a:latin typeface="Times New Roman" panose="02020603050405020304" pitchFamily="18" charset="0"/>
-                <a:cs typeface="Times New Roman" panose="02020603050405020304" pitchFamily="18" charset="0"/>
-              </a:rPr>
-              <a:t>Total Sales</a:t>
-            </a:r>
-            <a:br>
-              <a:rPr lang="en-US" dirty="0"/>
-            </a:br>
-            <a:br>
-              <a:rPr lang="en-US" dirty="0"/>
-            </a:br>
-            <a:endParaRPr lang="en-US" dirty="0"/>
+            <a:fld id="{00000000-1234-1234-1234-123412341234}" type="slidenum">
+              <a:rPr lang="nl-NL" smtClean="0"/>
+              <a:t>7</a:t>
+            </a:fld>
+            <a:endParaRPr lang="nl-NL" dirty="0"/>
           </a:p>
         </p:txBody>
       </p:sp>
-      <p:sp>
-        <p:nvSpPr>
-          <p:cNvPr id="6" name="Text Placeholder 5">
-            <a:extLst>
-              <a:ext uri="{FF2B5EF4-FFF2-40B4-BE49-F238E27FC236}">
-                <a16:creationId xmlns:a16="http://schemas.microsoft.com/office/drawing/2014/main" id="{CBC578F8-BCAA-51EA-12FA-85C5692E979D}"/>
-              </a:ext>
-            </a:extLst>
-          </p:cNvPr>
-          <p:cNvSpPr>
-            <a:spLocks noGrp="1"/>
-          </p:cNvSpPr>
-          <p:nvPr>
-            <p:ph type="body" sz="half" idx="2"/>
-          </p:nvPr>
-        </p:nvSpPr>
-        <p:spPr>
-          <a:xfrm>
-            <a:off x="247650" y="4967592"/>
-            <a:ext cx="11696700" cy="2362200"/>
-          </a:xfrm>
-        </p:spPr>
-        <p:txBody>
-          <a:bodyPr>
-            <a:normAutofit/>
-          </a:bodyPr>
-          <a:lstStyle/>
-          <a:p>
-            <a:r>
-              <a:rPr lang="en-US" sz="2800" dirty="0">
-                <a:latin typeface="Times New Roman" panose="02020603050405020304" pitchFamily="18" charset="0"/>
-                <a:cs typeface="Times New Roman" panose="02020603050405020304" pitchFamily="18" charset="0"/>
-              </a:rPr>
-              <a:t>From the bar graph above, North American market generate the highest sales which represent something above 4 billion, followed by other markets as depicted by the bar chart.</a:t>
-            </a:r>
-          </a:p>
-        </p:txBody>
-      </p:sp>
-      <p:pic>
-        <p:nvPicPr>
-          <p:cNvPr id="5" name="Picture 4">
-            <a:extLst>
-              <a:ext uri="{FF2B5EF4-FFF2-40B4-BE49-F238E27FC236}">
-                <a16:creationId xmlns:a16="http://schemas.microsoft.com/office/drawing/2014/main" id="{94375A74-C3F2-9DC0-AB0E-298A2F058317}"/>
-              </a:ext>
-            </a:extLst>
-          </p:cNvPr>
-          <p:cNvPicPr>
-            <a:picLocks noChangeAspect="1"/>
-          </p:cNvPicPr>
-          <p:nvPr/>
-        </p:nvPicPr>
-        <p:blipFill>
-          <a:blip r:embed="rId2">
-            <a:extLst>
-              <a:ext uri="{28A0092B-C50C-407E-A947-70E740481C1C}">
-                <a14:useLocalDpi xmlns:a14="http://schemas.microsoft.com/office/drawing/2010/main" val="0"/>
-              </a:ext>
-            </a:extLst>
-          </a:blip>
-          <a:stretch>
-            <a:fillRect/>
-          </a:stretch>
-        </p:blipFill>
-        <p:spPr>
-          <a:xfrm>
-            <a:off x="3396343" y="373704"/>
-            <a:ext cx="8033657" cy="5119992"/>
-          </a:xfrm>
-          <a:prstGeom prst="rect">
-            <a:avLst/>
-          </a:prstGeom>
-        </p:spPr>
-      </p:pic>
     </p:spTree>
     <p:extLst>
       <p:ext uri="{BB962C8B-B14F-4D97-AF65-F5344CB8AC3E}">
-        <p14:creationId xmlns:p14="http://schemas.microsoft.com/office/powerpoint/2010/main" val="345774755"/>
+        <p14:creationId xmlns:p14="http://schemas.microsoft.com/office/powerpoint/2010/main" val="4195737455"/>
       </p:ext>
     </p:extLst>
   </p:cSld>
@@ -17527,6 +18974,206 @@
           <p:cNvPr id="2" name="Title 1">
             <a:extLst>
               <a:ext uri="{FF2B5EF4-FFF2-40B4-BE49-F238E27FC236}">
+                <a16:creationId xmlns:a16="http://schemas.microsoft.com/office/drawing/2014/main" id="{A4DC78C6-B20F-44FE-E53D-0D59D3AB3B70}"/>
+              </a:ext>
+            </a:extLst>
+          </p:cNvPr>
+          <p:cNvSpPr>
+            <a:spLocks noGrp="1"/>
+          </p:cNvSpPr>
+          <p:nvPr>
+            <p:ph type="title"/>
+          </p:nvPr>
+        </p:nvSpPr>
+        <p:spPr>
+          <a:xfrm>
+            <a:off x="4376169" y="0"/>
+            <a:ext cx="3118757" cy="767687"/>
+          </a:xfrm>
+        </p:spPr>
+        <p:txBody>
+          <a:bodyPr/>
+          <a:lstStyle/>
+          <a:p>
+            <a:r>
+              <a:rPr lang="en-US" b="1" dirty="0">
+                <a:solidFill>
+                  <a:srgbClr val="FF0000"/>
+                </a:solidFill>
+                <a:latin typeface="Calibri" panose="020F0502020204030204" pitchFamily="34" charset="0"/>
+                <a:cs typeface="Calibri" panose="020F0502020204030204" pitchFamily="34" charset="0"/>
+              </a:rPr>
+              <a:t>Total Sales</a:t>
+            </a:r>
+            <a:br>
+              <a:rPr lang="en-US" b="1" dirty="0">
+                <a:latin typeface="Calibri" panose="020F0502020204030204" pitchFamily="34" charset="0"/>
+                <a:cs typeface="Calibri" panose="020F0502020204030204" pitchFamily="34" charset="0"/>
+              </a:rPr>
+            </a:br>
+            <a:br>
+              <a:rPr lang="en-US" b="1" dirty="0">
+                <a:latin typeface="Calibri" panose="020F0502020204030204" pitchFamily="34" charset="0"/>
+                <a:cs typeface="Calibri" panose="020F0502020204030204" pitchFamily="34" charset="0"/>
+              </a:rPr>
+            </a:br>
+            <a:endParaRPr lang="en-US" b="1" dirty="0">
+              <a:latin typeface="Calibri" panose="020F0502020204030204" pitchFamily="34" charset="0"/>
+              <a:cs typeface="Calibri" panose="020F0502020204030204" pitchFamily="34" charset="0"/>
+            </a:endParaRPr>
+          </a:p>
+        </p:txBody>
+      </p:sp>
+      <p:sp>
+        <p:nvSpPr>
+          <p:cNvPr id="6" name="Text Placeholder 5">
+            <a:extLst>
+              <a:ext uri="{FF2B5EF4-FFF2-40B4-BE49-F238E27FC236}">
+                <a16:creationId xmlns:a16="http://schemas.microsoft.com/office/drawing/2014/main" id="{CBC578F8-BCAA-51EA-12FA-85C5692E979D}"/>
+              </a:ext>
+            </a:extLst>
+          </p:cNvPr>
+          <p:cNvSpPr>
+            <a:spLocks noGrp="1"/>
+          </p:cNvSpPr>
+          <p:nvPr>
+            <p:ph type="body" sz="half" idx="2"/>
+          </p:nvPr>
+        </p:nvSpPr>
+        <p:spPr>
+          <a:xfrm>
+            <a:off x="247651" y="949438"/>
+            <a:ext cx="3801836" cy="5615292"/>
+          </a:xfrm>
+        </p:spPr>
+        <p:txBody>
+          <a:bodyPr>
+            <a:normAutofit/>
+          </a:bodyPr>
+          <a:lstStyle/>
+          <a:p>
+            <a:r>
+              <a:rPr lang="en-US" sz="2800" b="1" dirty="0">
+                <a:latin typeface="Calibri" panose="020F0502020204030204" pitchFamily="34" charset="0"/>
+                <a:cs typeface="Calibri" panose="020F0502020204030204" pitchFamily="34" charset="0"/>
+              </a:rPr>
+              <a:t>From the bar graph above, North American market generate the highest sales which represent something above 4 billion, followed by other markets as depicted by the bar chart.</a:t>
+            </a:r>
+          </a:p>
+        </p:txBody>
+      </p:sp>
+      <p:pic>
+        <p:nvPicPr>
+          <p:cNvPr id="5" name="Picture 4">
+            <a:extLst>
+              <a:ext uri="{FF2B5EF4-FFF2-40B4-BE49-F238E27FC236}">
+                <a16:creationId xmlns:a16="http://schemas.microsoft.com/office/drawing/2014/main" id="{94375A74-C3F2-9DC0-AB0E-298A2F058317}"/>
+              </a:ext>
+            </a:extLst>
+          </p:cNvPr>
+          <p:cNvPicPr>
+            <a:picLocks noChangeAspect="1"/>
+          </p:cNvPicPr>
+          <p:nvPr/>
+        </p:nvPicPr>
+        <p:blipFill>
+          <a:blip r:embed="rId2">
+            <a:extLst>
+              <a:ext uri="{28A0092B-C50C-407E-A947-70E740481C1C}">
+                <a14:useLocalDpi xmlns:a14="http://schemas.microsoft.com/office/drawing/2010/main" val="0"/>
+              </a:ext>
+            </a:extLst>
+          </a:blip>
+          <a:stretch>
+            <a:fillRect/>
+          </a:stretch>
+        </p:blipFill>
+        <p:spPr>
+          <a:xfrm>
+            <a:off x="4376170" y="1063417"/>
+            <a:ext cx="7815830" cy="5794584"/>
+          </a:xfrm>
+          <a:prstGeom prst="rect">
+            <a:avLst/>
+          </a:prstGeom>
+        </p:spPr>
+      </p:pic>
+      <p:sp>
+        <p:nvSpPr>
+          <p:cNvPr id="4" name="Slide Number Placeholder 3">
+            <a:extLst>
+              <a:ext uri="{FF2B5EF4-FFF2-40B4-BE49-F238E27FC236}">
+                <a16:creationId xmlns:a16="http://schemas.microsoft.com/office/drawing/2014/main" id="{020ED824-28A2-B960-4DDC-02247189AE0C}"/>
+              </a:ext>
+            </a:extLst>
+          </p:cNvPr>
+          <p:cNvSpPr>
+            <a:spLocks noGrp="1"/>
+          </p:cNvSpPr>
+          <p:nvPr>
+            <p:ph type="sldNum" sz="quarter" idx="12"/>
+          </p:nvPr>
+        </p:nvSpPr>
+        <p:spPr/>
+        <p:txBody>
+          <a:bodyPr/>
+          <a:lstStyle/>
+          <a:p>
+            <a:fld id="{00000000-1234-1234-1234-123412341234}" type="slidenum">
+              <a:rPr lang="nl-NL" smtClean="0"/>
+              <a:t>8</a:t>
+            </a:fld>
+            <a:endParaRPr lang="nl-NL" dirty="0"/>
+          </a:p>
+        </p:txBody>
+      </p:sp>
+    </p:spTree>
+    <p:extLst>
+      <p:ext uri="{BB962C8B-B14F-4D97-AF65-F5344CB8AC3E}">
+        <p14:creationId xmlns:p14="http://schemas.microsoft.com/office/powerpoint/2010/main" val="345774755"/>
+      </p:ext>
+    </p:extLst>
+  </p:cSld>
+  <p:clrMapOvr>
+    <a:masterClrMapping/>
+  </p:clrMapOvr>
+  <mc:AlternateContent xmlns:mc="http://schemas.openxmlformats.org/markup-compatibility/2006" xmlns:p159="http://schemas.microsoft.com/office/powerpoint/2015/09/main">
+    <mc:Choice Requires="p159">
+      <p:transition xmlns:p14="http://schemas.microsoft.com/office/powerpoint/2010/main" spd="slow" p14:dur="2000">
+        <p159:morph option="byObject"/>
+      </p:transition>
+    </mc:Choice>
+    <mc:Fallback xmlns="">
+      <p:transition spd="slow">
+        <p:fade/>
+      </p:transition>
+    </mc:Fallback>
+  </mc:AlternateContent>
+</p:sld>
+</file>
+
+<file path=ppt/slides/slide9.xml><?xml version="1.0" encoding="utf-8"?>
+<p:sld xmlns:a="http://schemas.openxmlformats.org/drawingml/2006/main" xmlns:r="http://schemas.openxmlformats.org/officeDocument/2006/relationships" xmlns:p="http://schemas.openxmlformats.org/presentationml/2006/main">
+  <p:cSld>
+    <p:spTree>
+      <p:nvGrpSpPr>
+        <p:cNvPr id="1" name=""/>
+        <p:cNvGrpSpPr/>
+        <p:nvPr/>
+      </p:nvGrpSpPr>
+      <p:grpSpPr>
+        <a:xfrm>
+          <a:off x="0" y="0"/>
+          <a:ext cx="0" cy="0"/>
+          <a:chOff x="0" y="0"/>
+          <a:chExt cx="0" cy="0"/>
+        </a:xfrm>
+      </p:grpSpPr>
+      <p:sp>
+        <p:nvSpPr>
+          <p:cNvPr id="2" name="Title 1">
+            <a:extLst>
+              <a:ext uri="{FF2B5EF4-FFF2-40B4-BE49-F238E27FC236}">
                 <a16:creationId xmlns:a16="http://schemas.microsoft.com/office/drawing/2014/main" id="{55495191-E7A3-70A5-3675-D79258B0A27B}"/>
               </a:ext>
             </a:extLst>
@@ -17540,19 +19187,22 @@
         </p:nvSpPr>
         <p:spPr>
           <a:xfrm>
-            <a:off x="0" y="62592"/>
-            <a:ext cx="9670370" cy="1540329"/>
+            <a:off x="2206398" y="-98634"/>
+            <a:ext cx="7543800" cy="1162050"/>
           </a:xfrm>
         </p:spPr>
         <p:txBody>
           <a:bodyPr/>
           <a:lstStyle/>
           <a:p>
+            <a:pPr algn="ctr"/>
             <a:r>
               <a:rPr lang="en-US" b="1" dirty="0">
                 <a:solidFill>
                   <a:srgbClr val="FF0000"/>
                 </a:solidFill>
+                <a:latin typeface="Calibri" panose="020F0502020204030204" pitchFamily="34" charset="0"/>
+                <a:cs typeface="Calibri" panose="020F0502020204030204" pitchFamily="34" charset="0"/>
               </a:rPr>
               <a:t>Number of games published each year</a:t>
             </a:r>
@@ -17577,8 +19227,8 @@
         </p:nvSpPr>
         <p:spPr>
           <a:xfrm>
-            <a:off x="0" y="5355770"/>
-            <a:ext cx="12328071" cy="1738565"/>
+            <a:off x="135468" y="1273629"/>
+            <a:ext cx="4077304" cy="5192485"/>
           </a:xfrm>
         </p:spPr>
         <p:txBody>
@@ -17588,9 +19238,9 @@
           <a:lstStyle/>
           <a:p>
             <a:r>
-              <a:rPr lang="en-US" sz="2800" dirty="0">
-                <a:latin typeface="Times New Roman" panose="02020603050405020304" pitchFamily="18" charset="0"/>
-                <a:cs typeface="Times New Roman" panose="02020603050405020304" pitchFamily="18" charset="0"/>
+              <a:rPr lang="en-US" sz="2800" b="1" dirty="0">
+                <a:latin typeface="Calibri Light" panose="020F0302020204030204" pitchFamily="34" charset="0"/>
+                <a:cs typeface="Calibri Light" panose="020F0302020204030204" pitchFamily="34" charset="0"/>
               </a:rPr>
               <a:t>The chart depicts that most games where published in the year 2009, which constitute close to 1431 games. The second most is 2010 and it follows as depicted by the chart. The year with least games is 2020 which was 1 from our analysis</a:t>
             </a:r>
@@ -17625,50 +19275,20 @@
         </p:blipFill>
         <p:spPr>
           <a:xfrm>
-            <a:off x="3170904" y="875201"/>
-            <a:ext cx="8686800" cy="4773431"/>
+            <a:off x="4402666" y="1405467"/>
+            <a:ext cx="7789333" cy="5452533"/>
           </a:xfrm>
           <a:prstGeom prst="rect">
             <a:avLst/>
           </a:prstGeom>
         </p:spPr>
       </p:pic>
-    </p:spTree>
-    <p:extLst>
-      <p:ext uri="{BB962C8B-B14F-4D97-AF65-F5344CB8AC3E}">
-        <p14:creationId xmlns:p14="http://schemas.microsoft.com/office/powerpoint/2010/main" val="1219553442"/>
-      </p:ext>
-    </p:extLst>
-  </p:cSld>
-  <p:clrMapOvr>
-    <a:masterClrMapping/>
-  </p:clrMapOvr>
-</p:sld>
-</file>
-
-<file path=ppt/slides/slide9.xml><?xml version="1.0" encoding="utf-8"?>
-<p:sld xmlns:a="http://schemas.openxmlformats.org/drawingml/2006/main" xmlns:r="http://schemas.openxmlformats.org/officeDocument/2006/relationships" xmlns:p="http://schemas.openxmlformats.org/presentationml/2006/main">
-  <p:cSld>
-    <p:spTree>
-      <p:nvGrpSpPr>
-        <p:cNvPr id="1" name=""/>
-        <p:cNvGrpSpPr/>
-        <p:nvPr/>
-      </p:nvGrpSpPr>
-      <p:grpSpPr>
-        <a:xfrm>
-          <a:off x="0" y="0"/>
-          <a:ext cx="0" cy="0"/>
-          <a:chOff x="0" y="0"/>
-          <a:chExt cx="0" cy="0"/>
-        </a:xfrm>
-      </p:grpSpPr>
       <p:sp>
         <p:nvSpPr>
-          <p:cNvPr id="2" name="Title 1">
+          <p:cNvPr id="5" name="Slide Number Placeholder 4">
             <a:extLst>
               <a:ext uri="{FF2B5EF4-FFF2-40B4-BE49-F238E27FC236}">
-                <a16:creationId xmlns:a16="http://schemas.microsoft.com/office/drawing/2014/main" id="{6FF56813-187B-FF82-2DE6-2BB765F4240F}"/>
+                <a16:creationId xmlns:a16="http://schemas.microsoft.com/office/drawing/2014/main" id="{23CCC5CE-45E8-C9B7-99D2-71E433AA29A1}"/>
               </a:ext>
             </a:extLst>
           </p:cNvPr>
@@ -17676,72 +19296,26 @@
             <a:spLocks noGrp="1"/>
           </p:cNvSpPr>
           <p:nvPr>
-            <p:ph type="title"/>
+            <p:ph type="sldNum" sz="quarter" idx="12"/>
           </p:nvPr>
         </p:nvSpPr>
-        <p:spPr>
-          <a:xfrm>
-            <a:off x="482825" y="0"/>
-            <a:ext cx="9404723" cy="1175657"/>
-          </a:xfrm>
-        </p:spPr>
+        <p:spPr/>
         <p:txBody>
           <a:bodyPr/>
           <a:lstStyle/>
           <a:p>
-            <a:r>
-              <a:rPr lang="en-US" sz="4400" dirty="0">
-                <a:solidFill>
-                  <a:srgbClr val="FF0000"/>
-                </a:solidFill>
-                <a:latin typeface="Times New Roman" panose="02020603050405020304" pitchFamily="18" charset="0"/>
-                <a:cs typeface="Times New Roman" panose="02020603050405020304" pitchFamily="18" charset="0"/>
-              </a:rPr>
-              <a:t>Number of games published by each genre</a:t>
-            </a:r>
+            <a:fld id="{00000000-1234-1234-1234-123412341234}" type="slidenum">
+              <a:rPr lang="nl-NL" smtClean="0"/>
+              <a:t>9</a:t>
+            </a:fld>
+            <a:endParaRPr lang="nl-NL" dirty="0"/>
           </a:p>
         </p:txBody>
       </p:sp>
-      <p:pic>
-        <p:nvPicPr>
-          <p:cNvPr id="5" name="Picture 4">
-            <a:extLst>
-              <a:ext uri="{FF2B5EF4-FFF2-40B4-BE49-F238E27FC236}">
-                <a16:creationId xmlns:a16="http://schemas.microsoft.com/office/drawing/2014/main" id="{C7B1CFC9-F32B-5345-B9A8-04A290F2B239}"/>
-              </a:ext>
-            </a:extLst>
-          </p:cNvPr>
-          <p:cNvPicPr>
-            <a:picLocks noChangeAspect="1"/>
-          </p:cNvPicPr>
-          <p:nvPr/>
-        </p:nvPicPr>
-        <p:blipFill>
-          <a:blip r:embed="rId2">
-            <a:extLst>
-              <a:ext uri="{28A0092B-C50C-407E-A947-70E740481C1C}">
-                <a14:useLocalDpi xmlns:a14="http://schemas.microsoft.com/office/drawing/2010/main" val="0"/>
-              </a:ext>
-            </a:extLst>
-          </a:blip>
-          <a:stretch>
-            <a:fillRect/>
-          </a:stretch>
-        </p:blipFill>
-        <p:spPr>
-          <a:xfrm>
-            <a:off x="1912383" y="865414"/>
-            <a:ext cx="9404722" cy="5633357"/>
-          </a:xfrm>
-          <a:prstGeom prst="rect">
-            <a:avLst/>
-          </a:prstGeom>
-        </p:spPr>
-      </p:pic>
     </p:spTree>
     <p:extLst>
       <p:ext uri="{BB962C8B-B14F-4D97-AF65-F5344CB8AC3E}">
-        <p14:creationId xmlns:p14="http://schemas.microsoft.com/office/powerpoint/2010/main" val="4167288635"/>
+        <p14:creationId xmlns:p14="http://schemas.microsoft.com/office/powerpoint/2010/main" val="1219553442"/>
       </p:ext>
     </p:extLst>
   </p:cSld>
